--- a/Reproducible data analysis.pptx
+++ b/Reproducible data analysis.pptx
@@ -1,24 +1,49 @@
 
 <file path=ppt/presentation.xml><?xml version="1.0" encoding="utf-8"?>
-<p:presentation xmlns:a="http://schemas.openxmlformats.org/drawingml/2006/main" xmlns:r="http://schemas.openxmlformats.org/officeDocument/2006/relationships" xmlns:p="http://schemas.openxmlformats.org/presentationml/2006/main" autoCompressPictures="0">
+<p:presentation xmlns:a="http://schemas.openxmlformats.org/drawingml/2006/main" xmlns:r="http://schemas.openxmlformats.org/officeDocument/2006/relationships" xmlns:p="http://schemas.openxmlformats.org/presentationml/2006/main" saveSubsetFonts="1" autoCompressPictures="0">
   <p:sldMasterIdLst>
     <p:sldMasterId id="2147483648" r:id="rId1"/>
   </p:sldMasterIdLst>
   <p:sldIdLst>
     <p:sldId id="256" r:id="rId2"/>
-    <p:sldId id="257" r:id="rId3"/>
-    <p:sldId id="258" r:id="rId4"/>
-    <p:sldId id="259" r:id="rId5"/>
-    <p:sldId id="265" r:id="rId6"/>
-    <p:sldId id="260" r:id="rId7"/>
-    <p:sldId id="261" r:id="rId8"/>
-    <p:sldId id="262" r:id="rId9"/>
-    <p:sldId id="263" r:id="rId10"/>
-    <p:sldId id="267" r:id="rId11"/>
-    <p:sldId id="264" r:id="rId12"/>
-    <p:sldId id="266" r:id="rId13"/>
-    <p:sldId id="268" r:id="rId14"/>
-    <p:sldId id="269" r:id="rId15"/>
+    <p:sldId id="288" r:id="rId3"/>
+    <p:sldId id="289" r:id="rId4"/>
+    <p:sldId id="290" r:id="rId5"/>
+    <p:sldId id="257" r:id="rId6"/>
+    <p:sldId id="258" r:id="rId7"/>
+    <p:sldId id="259" r:id="rId8"/>
+    <p:sldId id="265" r:id="rId9"/>
+    <p:sldId id="260" r:id="rId10"/>
+    <p:sldId id="261" r:id="rId11"/>
+    <p:sldId id="262" r:id="rId12"/>
+    <p:sldId id="263" r:id="rId13"/>
+    <p:sldId id="267" r:id="rId14"/>
+    <p:sldId id="264" r:id="rId15"/>
+    <p:sldId id="266" r:id="rId16"/>
+    <p:sldId id="268" r:id="rId17"/>
+    <p:sldId id="271" r:id="rId18"/>
+    <p:sldId id="272" r:id="rId19"/>
+    <p:sldId id="269" r:id="rId20"/>
+    <p:sldId id="270" r:id="rId21"/>
+    <p:sldId id="273" r:id="rId22"/>
+    <p:sldId id="275" r:id="rId23"/>
+    <p:sldId id="274" r:id="rId24"/>
+    <p:sldId id="276" r:id="rId25"/>
+    <p:sldId id="277" r:id="rId26"/>
+    <p:sldId id="278" r:id="rId27"/>
+    <p:sldId id="280" r:id="rId28"/>
+    <p:sldId id="279" r:id="rId29"/>
+    <p:sldId id="281" r:id="rId30"/>
+    <p:sldId id="282" r:id="rId31"/>
+    <p:sldId id="283" r:id="rId32"/>
+    <p:sldId id="284" r:id="rId33"/>
+    <p:sldId id="285" r:id="rId34"/>
+    <p:sldId id="286" r:id="rId35"/>
+    <p:sldId id="287" r:id="rId36"/>
+    <p:sldId id="291" r:id="rId37"/>
+    <p:sldId id="292" r:id="rId38"/>
+    <p:sldId id="293" r:id="rId39"/>
+    <p:sldId id="294" r:id="rId40"/>
   </p:sldIdLst>
   <p:sldSz cx="12192000" cy="6858000"/>
   <p:notesSz cx="6858000" cy="9144000"/>
@@ -117,6 +142,11 @@
       </a:defRPr>
     </a:lvl9pPr>
   </p:defaultTextStyle>
+  <p:extLst>
+    <p:ext uri="{EFAFB233-063F-42B5-8137-9DF3F51BA10A}">
+      <p15:sldGuideLst xmlns:p15="http://schemas.microsoft.com/office/powerpoint/2012/main"/>
+    </p:ext>
+  </p:extLst>
 </p:presentation>
 </file>
 
@@ -290,7 +320,7 @@
           <a:p>
             <a:fld id="{48A87A34-81AB-432B-8DAE-1953F412C126}" type="datetimeFigureOut">
               <a:rPr lang="en-US" dirty="0"/>
-              <a:t>10/5/2016</a:t>
+              <a:t>10/9/16</a:t>
             </a:fld>
             <a:endParaRPr lang="en-US" dirty="0"/>
           </a:p>
@@ -552,7 +582,7 @@
           <a:p>
             <a:fld id="{48A87A34-81AB-432B-8DAE-1953F412C126}" type="datetimeFigureOut">
               <a:rPr lang="en-US" dirty="0"/>
-              <a:t>10/5/2016</a:t>
+              <a:t>10/9/16</a:t>
             </a:fld>
             <a:endParaRPr lang="en-US" dirty="0"/>
           </a:p>
@@ -779,7 +809,7 @@
             <a:fld id="{48A87A34-81AB-432B-8DAE-1953F412C126}" type="datetimeFigureOut">
               <a:rPr lang="en-US" dirty="0"/>
               <a:pPr/>
-              <a:t>10/5/2016</a:t>
+              <a:t>10/9/16</a:t>
             </a:fld>
             <a:endParaRPr lang="en-US" dirty="0"/>
           </a:p>
@@ -1085,7 +1115,7 @@
             <a:fld id="{48A87A34-81AB-432B-8DAE-1953F412C126}" type="datetimeFigureOut">
               <a:rPr lang="en-US" dirty="0"/>
               <a:pPr/>
-              <a:t>10/5/2016</a:t>
+              <a:t>10/9/16</a:t>
             </a:fld>
             <a:endParaRPr lang="en-US" dirty="0"/>
           </a:p>
@@ -1554,7 +1584,7 @@
             <a:fld id="{48A87A34-81AB-432B-8DAE-1953F412C126}" type="datetimeFigureOut">
               <a:rPr lang="en-US" dirty="0"/>
               <a:pPr/>
-              <a:t>10/5/2016</a:t>
+              <a:t>10/9/16</a:t>
             </a:fld>
             <a:endParaRPr lang="en-US" dirty="0"/>
           </a:p>
@@ -2096,7 +2126,7 @@
           <a:p>
             <a:fld id="{48A87A34-81AB-432B-8DAE-1953F412C126}" type="datetimeFigureOut">
               <a:rPr lang="en-US" dirty="0"/>
-              <a:t>10/5/2016</a:t>
+              <a:t>10/9/16</a:t>
             </a:fld>
             <a:endParaRPr lang="en-US" dirty="0"/>
           </a:p>
@@ -2865,7 +2895,7 @@
           <a:p>
             <a:fld id="{48A87A34-81AB-432B-8DAE-1953F412C126}" type="datetimeFigureOut">
               <a:rPr lang="en-US" dirty="0"/>
-              <a:t>10/5/2016</a:t>
+              <a:t>10/9/16</a:t>
             </a:fld>
             <a:endParaRPr lang="en-US" dirty="0"/>
           </a:p>
@@ -3035,7 +3065,7 @@
           <a:p>
             <a:fld id="{48A87A34-81AB-432B-8DAE-1953F412C126}" type="datetimeFigureOut">
               <a:rPr lang="en-US" dirty="0"/>
-              <a:t>10/5/2016</a:t>
+              <a:t>10/9/16</a:t>
             </a:fld>
             <a:endParaRPr lang="en-US" dirty="0"/>
           </a:p>
@@ -3254,7 +3284,7 @@
             <a:fld id="{48A87A34-81AB-432B-8DAE-1953F412C126}" type="datetimeFigureOut">
               <a:rPr lang="en-US" dirty="0"/>
               <a:pPr/>
-              <a:t>10/5/2016</a:t>
+              <a:t>10/9/16</a:t>
             </a:fld>
             <a:endParaRPr lang="en-US" dirty="0"/>
           </a:p>
@@ -3429,7 +3459,7 @@
           <a:p>
             <a:fld id="{48A87A34-81AB-432B-8DAE-1953F412C126}" type="datetimeFigureOut">
               <a:rPr lang="en-US" dirty="0"/>
-              <a:t>10/5/2016</a:t>
+              <a:t>10/9/16</a:t>
             </a:fld>
             <a:endParaRPr lang="en-US" dirty="0"/>
           </a:p>
@@ -3714,7 +3744,7 @@
             <a:fld id="{48A87A34-81AB-432B-8DAE-1953F412C126}" type="datetimeFigureOut">
               <a:rPr lang="en-US" dirty="0"/>
               <a:pPr/>
-              <a:t>10/5/2016</a:t>
+              <a:t>10/9/16</a:t>
             </a:fld>
             <a:endParaRPr lang="en-US" dirty="0"/>
           </a:p>
@@ -3951,7 +3981,7 @@
           <a:p>
             <a:fld id="{48A87A34-81AB-432B-8DAE-1953F412C126}" type="datetimeFigureOut">
               <a:rPr lang="en-US" dirty="0"/>
-              <a:t>10/5/2016</a:t>
+              <a:t>10/9/16</a:t>
             </a:fld>
             <a:endParaRPr lang="en-US" dirty="0"/>
           </a:p>
@@ -4325,7 +4355,7 @@
           <a:p>
             <a:fld id="{48A87A34-81AB-432B-8DAE-1953F412C126}" type="datetimeFigureOut">
               <a:rPr lang="en-US" dirty="0"/>
-              <a:t>10/5/2016</a:t>
+              <a:t>10/9/16</a:t>
             </a:fld>
             <a:endParaRPr lang="en-US" dirty="0"/>
           </a:p>
@@ -4438,7 +4468,7 @@
           <a:p>
             <a:fld id="{48A87A34-81AB-432B-8DAE-1953F412C126}" type="datetimeFigureOut">
               <a:rPr lang="en-US" dirty="0"/>
-              <a:t>10/5/2016</a:t>
+              <a:t>10/9/16</a:t>
             </a:fld>
             <a:endParaRPr lang="en-US" dirty="0"/>
           </a:p>
@@ -4528,7 +4558,7 @@
           <a:p>
             <a:fld id="{48A87A34-81AB-432B-8DAE-1953F412C126}" type="datetimeFigureOut">
               <a:rPr lang="en-US" dirty="0"/>
-              <a:t>10/5/2016</a:t>
+              <a:t>10/9/16</a:t>
             </a:fld>
             <a:endParaRPr lang="en-US" dirty="0"/>
           </a:p>
@@ -4772,7 +4802,7 @@
           <a:p>
             <a:fld id="{48A87A34-81AB-432B-8DAE-1953F412C126}" type="datetimeFigureOut">
               <a:rPr lang="en-US" dirty="0"/>
-              <a:t>10/5/2016</a:t>
+              <a:t>10/9/16</a:t>
             </a:fld>
             <a:endParaRPr lang="en-US" dirty="0"/>
           </a:p>
@@ -5024,7 +5054,7 @@
           <a:p>
             <a:fld id="{48A87A34-81AB-432B-8DAE-1953F412C126}" type="datetimeFigureOut">
               <a:rPr lang="en-US" dirty="0"/>
-              <a:t>10/5/2016</a:t>
+              <a:t>10/9/16</a:t>
             </a:fld>
             <a:endParaRPr lang="en-US" dirty="0"/>
           </a:p>
@@ -5263,7 +5293,7 @@
             <a:fld id="{48A87A34-81AB-432B-8DAE-1953F412C126}" type="datetimeFigureOut">
               <a:rPr lang="en-US" dirty="0"/>
               <a:pPr/>
-              <a:t>10/5/2016</a:t>
+              <a:t>10/9/16</a:t>
             </a:fld>
             <a:endParaRPr lang="en-US" dirty="0"/>
           </a:p>
@@ -5761,19 +5791,19 @@
           <a:p>
             <a:r>
               <a:rPr lang="en-US" dirty="0"/>
-              <a:t>Importing data to R</a:t>
-            </a:r>
-          </a:p>
-        </p:txBody>
-      </p:sp>
-      <p:sp>
-        <p:nvSpPr>
-          <p:cNvPr id="3" name="Text Placeholder 2"/>
-          <p:cNvSpPr>
-            <a:spLocks noGrp="1"/>
-          </p:cNvSpPr>
-          <p:nvPr>
-            <p:ph type="body" idx="1"/>
+              <a:t>Data storage in R</a:t>
+            </a:r>
+          </a:p>
+        </p:txBody>
+      </p:sp>
+      <p:sp>
+        <p:nvSpPr>
+          <p:cNvPr id="3" name="Content Placeholder 2"/>
+          <p:cNvSpPr>
+            <a:spLocks noGrp="1"/>
+          </p:cNvSpPr>
+          <p:nvPr>
+            <p:ph sz="half" idx="1"/>
           </p:nvPr>
         </p:nvSpPr>
         <p:spPr/>
@@ -5781,14 +5811,85 @@
           <a:bodyPr/>
           <a:lstStyle/>
           <a:p>
-            <a:endParaRPr lang="en-US"/>
-          </a:p>
-        </p:txBody>
-      </p:sp>
+            <a:r>
+              <a:rPr lang="en-US" dirty="0"/>
+              <a:t>Tables of data can be stored in data frames</a:t>
+            </a:r>
+          </a:p>
+          <a:p>
+            <a:r>
+              <a:rPr lang="en-US" dirty="0"/>
+              <a:t>Data frames have columns and rows</a:t>
+            </a:r>
+          </a:p>
+          <a:p>
+            <a:r>
+              <a:rPr lang="en-US" dirty="0"/>
+              <a:t>A column has only one type of data (numbers, letters, etc.)</a:t>
+            </a:r>
+          </a:p>
+          <a:p>
+            <a:r>
+              <a:rPr lang="en-US" dirty="0"/>
+              <a:t>Columns have names – rows do not</a:t>
+            </a:r>
+          </a:p>
+        </p:txBody>
+      </p:sp>
+      <p:pic>
+        <p:nvPicPr>
+          <p:cNvPr id="5" name="Content Placeholder 4"/>
+          <p:cNvPicPr>
+            <a:picLocks noGrp="1" noChangeAspect="1"/>
+          </p:cNvPicPr>
+          <p:nvPr>
+            <p:ph sz="half" idx="2"/>
+          </p:nvPr>
+        </p:nvPicPr>
+        <p:blipFill>
+          <a:blip r:embed="rId2"/>
+          <a:stretch>
+            <a:fillRect/>
+          </a:stretch>
+        </p:blipFill>
+        <p:spPr>
+          <a:xfrm>
+            <a:off x="6405866" y="2016839"/>
+            <a:ext cx="4866667" cy="2161905"/>
+          </a:xfrm>
+          <a:prstGeom prst="rect">
+            <a:avLst/>
+          </a:prstGeom>
+        </p:spPr>
+      </p:pic>
+      <p:pic>
+        <p:nvPicPr>
+          <p:cNvPr id="6" name="Picture 5"/>
+          <p:cNvPicPr>
+            <a:picLocks noChangeAspect="1"/>
+          </p:cNvPicPr>
+          <p:nvPr/>
+        </p:nvPicPr>
+        <p:blipFill>
+          <a:blip r:embed="rId3"/>
+          <a:stretch>
+            <a:fillRect/>
+          </a:stretch>
+        </p:blipFill>
+        <p:spPr>
+          <a:xfrm>
+            <a:off x="6929675" y="4375302"/>
+            <a:ext cx="3819048" cy="1914286"/>
+          </a:xfrm>
+          <a:prstGeom prst="rect">
+            <a:avLst/>
+          </a:prstGeom>
+        </p:spPr>
+      </p:pic>
     </p:spTree>
     <p:extLst>
       <p:ext uri="{BB962C8B-B14F-4D97-AF65-F5344CB8AC3E}">
-        <p14:creationId xmlns:p14="http://schemas.microsoft.com/office/powerpoint/2010/main" val="1806613833"/>
+        <p14:creationId xmlns:p14="http://schemas.microsoft.com/office/powerpoint/2010/main" val="1154432991"/>
       </p:ext>
     </p:extLst>
   </p:cSld>
@@ -5831,138 +5932,140 @@
           <a:lstStyle/>
           <a:p>
             <a:r>
+              <a:rPr lang="en-US" dirty="0"/>
+              <a:t>Libraries / Packages</a:t>
+            </a:r>
+          </a:p>
+        </p:txBody>
+      </p:sp>
+      <p:sp>
+        <p:nvSpPr>
+          <p:cNvPr id="3" name="Content Placeholder 2"/>
+          <p:cNvSpPr>
+            <a:spLocks noGrp="1"/>
+          </p:cNvSpPr>
+          <p:nvPr>
+            <p:ph sz="half" idx="1"/>
+          </p:nvPr>
+        </p:nvSpPr>
+        <p:spPr/>
+        <p:txBody>
+          <a:bodyPr>
+            <a:normAutofit lnSpcReduction="10000"/>
+          </a:bodyPr>
+          <a:lstStyle/>
+          <a:p>
+            <a:r>
+              <a:rPr lang="en-US" dirty="0"/>
+              <a:t>Library means the same thing as Package as far as we’re concerned</a:t>
+            </a:r>
+          </a:p>
+          <a:p>
+            <a:r>
+              <a:rPr lang="en-US" dirty="0"/>
+              <a:t>Packages contain pre-built functions that make certain tasks easier in R</a:t>
+            </a:r>
+          </a:p>
+          <a:p>
+            <a:r>
+              <a:rPr lang="en-US" dirty="0"/>
+              <a:t>Sometimes they make R faster</a:t>
+            </a:r>
+          </a:p>
+          <a:p>
+            <a:r>
+              <a:rPr lang="en-US" dirty="0"/>
+              <a:t>Packages are built by volunteers</a:t>
+            </a:r>
+          </a:p>
+          <a:p>
+            <a:r>
+              <a:rPr lang="en-US" dirty="0"/>
+              <a:t>Packages are FOSS</a:t>
+            </a:r>
+          </a:p>
+          <a:p>
+            <a:pPr lvl="1"/>
+            <a:r>
+              <a:rPr lang="en-US" dirty="0"/>
+              <a:t>Free as in beer</a:t>
+            </a:r>
+          </a:p>
+          <a:p>
+            <a:pPr lvl="1"/>
+            <a:r>
+              <a:rPr lang="en-US" dirty="0"/>
+              <a:t>Free as in speech</a:t>
+            </a:r>
+          </a:p>
+          <a:p>
+            <a:r>
               <a:rPr lang="en-US" dirty="0" err="1"/>
-              <a:t>readr</a:t>
-            </a:r>
-            <a:endParaRPr lang="en-US" dirty="0"/>
-          </a:p>
-        </p:txBody>
-      </p:sp>
-      <p:sp>
-        <p:nvSpPr>
-          <p:cNvPr id="3" name="Content Placeholder 2"/>
-          <p:cNvSpPr>
-            <a:spLocks noGrp="1"/>
-          </p:cNvSpPr>
-          <p:nvPr>
-            <p:ph sz="half" idx="1"/>
-          </p:nvPr>
-        </p:nvSpPr>
-        <p:spPr/>
-        <p:txBody>
-          <a:bodyPr/>
-          <a:lstStyle/>
-          <a:p>
-            <a:r>
-              <a:rPr lang="en-US" dirty="0"/>
-              <a:t>Provides fast method for reading and writing in a variety of file types</a:t>
-            </a:r>
-          </a:p>
-          <a:p>
-            <a:pPr lvl="1"/>
+              <a:t>install.packages</a:t>
+            </a:r>
+            <a:r>
+              <a:rPr lang="en-US" dirty="0"/>
+              <a:t>(“</a:t>
+            </a:r>
             <a:r>
               <a:rPr lang="en-US" dirty="0" err="1"/>
-              <a:t>read_csv</a:t>
-            </a:r>
-            <a:endParaRPr lang="en-US" dirty="0"/>
-          </a:p>
-          <a:p>
-            <a:pPr lvl="1"/>
-            <a:r>
-              <a:rPr lang="en-US" dirty="0" err="1"/>
-              <a:t>read_tsv</a:t>
-            </a:r>
-            <a:endParaRPr lang="en-US" dirty="0"/>
-          </a:p>
-          <a:p>
-            <a:pPr lvl="1"/>
-            <a:r>
-              <a:rPr lang="en-US" dirty="0" err="1"/>
-              <a:t>read_table</a:t>
-            </a:r>
-            <a:endParaRPr lang="en-US" dirty="0"/>
-          </a:p>
-          <a:p>
-            <a:pPr lvl="1"/>
-            <a:r>
-              <a:rPr lang="en-US" dirty="0" err="1"/>
-              <a:t>read_delim</a:t>
-            </a:r>
-            <a:endParaRPr lang="en-US" dirty="0"/>
-          </a:p>
-          <a:p>
-            <a:r>
-              <a:rPr lang="en-US" dirty="0"/>
-              <a:t>Guesses at the type of data in each column but also provides the ability to specify column types</a:t>
-            </a:r>
-          </a:p>
-          <a:p>
-            <a:r>
-              <a:rPr lang="en-US" dirty="0"/>
-              <a:t>?</a:t>
-            </a:r>
-            <a:r>
-              <a:rPr lang="en-US" dirty="0" err="1"/>
-              <a:t>read_csv</a:t>
-            </a:r>
+              <a:t>packagename</a:t>
+            </a:r>
+            <a:r>
+              <a:rPr lang="en-US" dirty="0"/>
+              <a:t>”)</a:t>
+            </a:r>
+          </a:p>
+          <a:p>
             <a:endParaRPr lang="en-US" dirty="0"/>
           </a:p>
         </p:txBody>
       </p:sp>
       <p:pic>
         <p:nvPicPr>
-          <p:cNvPr id="5" name="Content Placeholder 4"/>
+          <p:cNvPr id="3074" name="Picture 2" descr="http://a3.typepad.com/6a017d41eeee1a970c01bb08ef2103970d-pi"/>
           <p:cNvPicPr>
-            <a:picLocks noGrp="1" noChangeAspect="1"/>
+            <a:picLocks noChangeAspect="1" noChangeArrowheads="1"/>
           </p:cNvPicPr>
-          <p:nvPr>
-            <p:ph sz="half" idx="2"/>
-          </p:nvPr>
+          <p:nvPr/>
         </p:nvPicPr>
         <p:blipFill>
-          <a:blip r:embed="rId2"/>
+          <a:blip r:embed="rId2">
+            <a:extLst>
+              <a:ext uri="{28A0092B-C50C-407E-A947-70E740481C1C}">
+                <a14:useLocalDpi xmlns:a14="http://schemas.microsoft.com/office/drawing/2010/main" val="0"/>
+              </a:ext>
+            </a:extLst>
+          </a:blip>
+          <a:srcRect/>
           <a:stretch>
             <a:fillRect/>
           </a:stretch>
         </p:blipFill>
-        <p:spPr>
-          <a:xfrm>
-            <a:off x="6172200" y="2197039"/>
-            <a:ext cx="5334000" cy="1083733"/>
+        <p:spPr bwMode="auto">
+          <a:xfrm>
+            <a:off x="7014517" y="2315361"/>
+            <a:ext cx="3715938" cy="3715938"/>
           </a:xfrm>
           <a:prstGeom prst="rect">
             <a:avLst/>
           </a:prstGeom>
-        </p:spPr>
-      </p:pic>
-      <p:pic>
-        <p:nvPicPr>
-          <p:cNvPr id="6" name="Picture 5"/>
-          <p:cNvPicPr>
-            <a:picLocks noChangeAspect="1"/>
-          </p:cNvPicPr>
-          <p:nvPr/>
-        </p:nvPicPr>
-        <p:blipFill>
-          <a:blip r:embed="rId3"/>
-          <a:stretch>
-            <a:fillRect/>
-          </a:stretch>
-        </p:blipFill>
-        <p:spPr>
-          <a:xfrm>
-            <a:off x="6568630" y="3364751"/>
-            <a:ext cx="4541139" cy="3103828"/>
-          </a:xfrm>
-          <a:prstGeom prst="rect">
-            <a:avLst/>
-          </a:prstGeom>
+          <a:noFill/>
+          <a:extLst>
+            <a:ext uri="{909E8E84-426E-40DD-AFC4-6F175D3DCCD1}">
+              <a14:hiddenFill xmlns:a14="http://schemas.microsoft.com/office/drawing/2010/main">
+                <a:solidFill>
+                  <a:srgbClr val="FFFFFF"/>
+                </a:solidFill>
+              </a14:hiddenFill>
+            </a:ext>
+          </a:extLst>
         </p:spPr>
       </p:pic>
     </p:spTree>
     <p:extLst>
       <p:ext uri="{BB962C8B-B14F-4D97-AF65-F5344CB8AC3E}">
-        <p14:creationId xmlns:p14="http://schemas.microsoft.com/office/powerpoint/2010/main" val="661888297"/>
+        <p14:creationId xmlns:p14="http://schemas.microsoft.com/office/powerpoint/2010/main" val="3504651886"/>
       </p:ext>
     </p:extLst>
   </p:cSld>
@@ -6006,7 +6109,7 @@
           <a:p>
             <a:r>
               <a:rPr lang="en-US" dirty="0" err="1"/>
-              <a:t>readxl</a:t>
+              <a:t>Hadleyverse</a:t>
             </a:r>
             <a:endParaRPr lang="en-US" dirty="0"/>
           </a:p>
@@ -6029,112 +6132,79 @@
           <a:p>
             <a:r>
               <a:rPr lang="en-US" dirty="0"/>
-              <a:t>Provides function to read in .</a:t>
+              <a:t>Hadley Wickham is a prolific package developer</a:t>
+            </a:r>
+          </a:p>
+          <a:p>
+            <a:r>
+              <a:rPr lang="en-US" dirty="0"/>
+              <a:t>Works for </a:t>
             </a:r>
             <a:r>
               <a:rPr lang="en-US" dirty="0" err="1"/>
-              <a:t>xls</a:t>
-            </a:r>
-            <a:r>
-              <a:rPr lang="en-US" dirty="0"/>
-              <a:t> and .</a:t>
-            </a:r>
-            <a:r>
-              <a:rPr lang="en-US" dirty="0" err="1"/>
-              <a:t>xlsx</a:t>
-            </a:r>
-            <a:r>
-              <a:rPr lang="en-US" dirty="0"/>
-              <a:t> files</a:t>
-            </a:r>
-          </a:p>
-          <a:p>
-            <a:pPr lvl="1"/>
-            <a:r>
-              <a:rPr lang="en-US" dirty="0" err="1"/>
-              <a:t>read_excel</a:t>
-            </a:r>
-            <a:endParaRPr lang="en-US" dirty="0"/>
-          </a:p>
-          <a:p>
-            <a:r>
-              <a:rPr lang="en-US" dirty="0"/>
-              <a:t>Specify the column types or let the package guess</a:t>
-            </a:r>
-          </a:p>
-          <a:p>
-            <a:r>
-              <a:rPr lang="en-US" dirty="0"/>
-              <a:t>Specify the sheet by name or index</a:t>
-            </a:r>
-          </a:p>
-          <a:p>
-            <a:r>
-              <a:rPr lang="en-US" dirty="0"/>
-              <a:t>?</a:t>
-            </a:r>
-            <a:r>
-              <a:rPr lang="en-US" dirty="0" err="1"/>
-              <a:t>read_excel</a:t>
-            </a:r>
-            <a:endParaRPr lang="en-US" dirty="0"/>
+              <a:t>RStudio</a:t>
+            </a:r>
+            <a:endParaRPr lang="en-US" dirty="0"/>
+          </a:p>
+          <a:p>
+            <a:r>
+              <a:rPr lang="en-US" dirty="0"/>
+              <a:t>His big focus is ease of data manipulation and visualization</a:t>
+            </a:r>
+          </a:p>
+          <a:p>
+            <a:r>
+              <a:rPr lang="en-US" dirty="0"/>
+              <a:t>His packages will be the focus of the workshop</a:t>
+            </a:r>
           </a:p>
         </p:txBody>
       </p:sp>
       <p:pic>
         <p:nvPicPr>
-          <p:cNvPr id="5" name="Content Placeholder 4"/>
+          <p:cNvPr id="4098" name="Picture 2" descr="Image result for hadleyverse"/>
           <p:cNvPicPr>
-            <a:picLocks noGrp="1" noChangeAspect="1"/>
+            <a:picLocks noGrp="1" noChangeAspect="1" noChangeArrowheads="1"/>
           </p:cNvPicPr>
           <p:nvPr>
             <p:ph sz="half" idx="2"/>
           </p:nvPr>
         </p:nvPicPr>
-        <p:blipFill>
-          <a:blip r:embed="rId2"/>
-          <a:stretch>
-            <a:fillRect/>
-          </a:stretch>
+        <p:blipFill rotWithShape="1">
+          <a:blip r:embed="rId2">
+            <a:extLst>
+              <a:ext uri="{28A0092B-C50C-407E-A947-70E740481C1C}">
+                <a14:useLocalDpi xmlns:a14="http://schemas.microsoft.com/office/drawing/2010/main" val="0"/>
+              </a:ext>
+            </a:extLst>
+          </a:blip>
+          <a:srcRect l="39515" t="6220" r="23054" b="26900"/>
+          <a:stretch/>
         </p:blipFill>
-        <p:spPr>
-          <a:xfrm>
-            <a:off x="6349482" y="2194559"/>
-            <a:ext cx="5334000" cy="634205"/>
+        <p:spPr bwMode="auto">
+          <a:xfrm>
+            <a:off x="7281644" y="2237881"/>
+            <a:ext cx="3917659" cy="3937479"/>
           </a:xfrm>
           <a:prstGeom prst="rect">
             <a:avLst/>
           </a:prstGeom>
-        </p:spPr>
-      </p:pic>
-      <p:pic>
-        <p:nvPicPr>
-          <p:cNvPr id="6" name="Picture 5"/>
-          <p:cNvPicPr>
-            <a:picLocks noChangeAspect="1"/>
-          </p:cNvPicPr>
-          <p:nvPr/>
-        </p:nvPicPr>
-        <p:blipFill>
-          <a:blip r:embed="rId3"/>
-          <a:stretch>
-            <a:fillRect/>
-          </a:stretch>
-        </p:blipFill>
-        <p:spPr>
-          <a:xfrm>
-            <a:off x="6420331" y="2965922"/>
-            <a:ext cx="5192302" cy="3648792"/>
-          </a:xfrm>
-          <a:prstGeom prst="rect">
-            <a:avLst/>
-          </a:prstGeom>
+          <a:noFill/>
+          <a:extLst>
+            <a:ext uri="{909E8E84-426E-40DD-AFC4-6F175D3DCCD1}">
+              <a14:hiddenFill xmlns:a14="http://schemas.microsoft.com/office/drawing/2010/main">
+                <a:solidFill>
+                  <a:srgbClr val="FFFFFF"/>
+                </a:solidFill>
+              </a14:hiddenFill>
+            </a:ext>
+          </a:extLst>
         </p:spPr>
       </p:pic>
     </p:spTree>
     <p:extLst>
       <p:ext uri="{BB962C8B-B14F-4D97-AF65-F5344CB8AC3E}">
-        <p14:creationId xmlns:p14="http://schemas.microsoft.com/office/powerpoint/2010/main" val="2486311470"/>
+        <p14:creationId xmlns:p14="http://schemas.microsoft.com/office/powerpoint/2010/main" val="342118335"/>
       </p:ext>
     </p:extLst>
   </p:cSld>
@@ -6178,7 +6248,7 @@
           <a:p>
             <a:r>
               <a:rPr lang="en-US" dirty="0"/>
-              <a:t>Managing data in R</a:t>
+              <a:t>Importing data to R</a:t>
             </a:r>
           </a:p>
         </p:txBody>
@@ -6205,7 +6275,7 @@
     </p:spTree>
     <p:extLst>
       <p:ext uri="{BB962C8B-B14F-4D97-AF65-F5344CB8AC3E}">
-        <p14:creationId xmlns:p14="http://schemas.microsoft.com/office/powerpoint/2010/main" val="3774199347"/>
+        <p14:creationId xmlns:p14="http://schemas.microsoft.com/office/powerpoint/2010/main" val="1806613833"/>
       </p:ext>
     </p:extLst>
   </p:cSld>
@@ -6249,6 +6319,1011 @@
           <a:p>
             <a:r>
               <a:rPr lang="en-US" dirty="0" err="1"/>
+              <a:t>readr</a:t>
+            </a:r>
+            <a:endParaRPr lang="en-US" dirty="0"/>
+          </a:p>
+        </p:txBody>
+      </p:sp>
+      <p:sp>
+        <p:nvSpPr>
+          <p:cNvPr id="3" name="Content Placeholder 2"/>
+          <p:cNvSpPr>
+            <a:spLocks noGrp="1"/>
+          </p:cNvSpPr>
+          <p:nvPr>
+            <p:ph sz="half" idx="1"/>
+          </p:nvPr>
+        </p:nvSpPr>
+        <p:spPr/>
+        <p:txBody>
+          <a:bodyPr/>
+          <a:lstStyle/>
+          <a:p>
+            <a:r>
+              <a:rPr lang="en-US" dirty="0"/>
+              <a:t>Provides fast method for reading and writing in a variety of file types</a:t>
+            </a:r>
+          </a:p>
+          <a:p>
+            <a:pPr lvl="1"/>
+            <a:r>
+              <a:rPr lang="en-US" dirty="0" err="1"/>
+              <a:t>read_csv</a:t>
+            </a:r>
+            <a:endParaRPr lang="en-US" dirty="0"/>
+          </a:p>
+          <a:p>
+            <a:pPr lvl="1"/>
+            <a:r>
+              <a:rPr lang="en-US" dirty="0" err="1"/>
+              <a:t>read_tsv</a:t>
+            </a:r>
+            <a:endParaRPr lang="en-US" dirty="0"/>
+          </a:p>
+          <a:p>
+            <a:pPr lvl="1"/>
+            <a:r>
+              <a:rPr lang="en-US" dirty="0" err="1"/>
+              <a:t>read_table</a:t>
+            </a:r>
+            <a:endParaRPr lang="en-US" dirty="0"/>
+          </a:p>
+          <a:p>
+            <a:pPr lvl="1"/>
+            <a:r>
+              <a:rPr lang="en-US" dirty="0" err="1"/>
+              <a:t>read_delim</a:t>
+            </a:r>
+            <a:endParaRPr lang="en-US" dirty="0"/>
+          </a:p>
+          <a:p>
+            <a:r>
+              <a:rPr lang="en-US" dirty="0"/>
+              <a:t>Guesses at the type of data in each column but also provides the ability to specify column types</a:t>
+            </a:r>
+          </a:p>
+          <a:p>
+            <a:r>
+              <a:rPr lang="en-US" dirty="0"/>
+              <a:t>?</a:t>
+            </a:r>
+            <a:r>
+              <a:rPr lang="en-US" dirty="0" err="1"/>
+              <a:t>read_csv</a:t>
+            </a:r>
+            <a:endParaRPr lang="en-US" dirty="0"/>
+          </a:p>
+        </p:txBody>
+      </p:sp>
+      <p:pic>
+        <p:nvPicPr>
+          <p:cNvPr id="5" name="Content Placeholder 4"/>
+          <p:cNvPicPr>
+            <a:picLocks noGrp="1" noChangeAspect="1"/>
+          </p:cNvPicPr>
+          <p:nvPr>
+            <p:ph sz="half" idx="2"/>
+          </p:nvPr>
+        </p:nvPicPr>
+        <p:blipFill>
+          <a:blip r:embed="rId2"/>
+          <a:stretch>
+            <a:fillRect/>
+          </a:stretch>
+        </p:blipFill>
+        <p:spPr>
+          <a:xfrm>
+            <a:off x="6172200" y="2197039"/>
+            <a:ext cx="5334000" cy="1083733"/>
+          </a:xfrm>
+          <a:prstGeom prst="rect">
+            <a:avLst/>
+          </a:prstGeom>
+        </p:spPr>
+      </p:pic>
+      <p:pic>
+        <p:nvPicPr>
+          <p:cNvPr id="6" name="Picture 5"/>
+          <p:cNvPicPr>
+            <a:picLocks noChangeAspect="1"/>
+          </p:cNvPicPr>
+          <p:nvPr/>
+        </p:nvPicPr>
+        <p:blipFill>
+          <a:blip r:embed="rId3"/>
+          <a:stretch>
+            <a:fillRect/>
+          </a:stretch>
+        </p:blipFill>
+        <p:spPr>
+          <a:xfrm>
+            <a:off x="6568630" y="3364751"/>
+            <a:ext cx="4541139" cy="3103828"/>
+          </a:xfrm>
+          <a:prstGeom prst="rect">
+            <a:avLst/>
+          </a:prstGeom>
+        </p:spPr>
+      </p:pic>
+    </p:spTree>
+    <p:extLst>
+      <p:ext uri="{BB962C8B-B14F-4D97-AF65-F5344CB8AC3E}">
+        <p14:creationId xmlns:p14="http://schemas.microsoft.com/office/powerpoint/2010/main" val="661888297"/>
+      </p:ext>
+    </p:extLst>
+  </p:cSld>
+  <p:clrMapOvr>
+    <a:masterClrMapping/>
+  </p:clrMapOvr>
+</p:sld>
+</file>
+
+<file path=ppt/slides/slide15.xml><?xml version="1.0" encoding="utf-8"?>
+<p:sld xmlns:a="http://schemas.openxmlformats.org/drawingml/2006/main" xmlns:r="http://schemas.openxmlformats.org/officeDocument/2006/relationships" xmlns:p="http://schemas.openxmlformats.org/presentationml/2006/main">
+  <p:cSld>
+    <p:spTree>
+      <p:nvGrpSpPr>
+        <p:cNvPr id="1" name=""/>
+        <p:cNvGrpSpPr/>
+        <p:nvPr/>
+      </p:nvGrpSpPr>
+      <p:grpSpPr>
+        <a:xfrm>
+          <a:off x="0" y="0"/>
+          <a:ext cx="0" cy="0"/>
+          <a:chOff x="0" y="0"/>
+          <a:chExt cx="0" cy="0"/>
+        </a:xfrm>
+      </p:grpSpPr>
+      <p:sp>
+        <p:nvSpPr>
+          <p:cNvPr id="2" name="Title 1"/>
+          <p:cNvSpPr>
+            <a:spLocks noGrp="1"/>
+          </p:cNvSpPr>
+          <p:nvPr>
+            <p:ph type="title"/>
+          </p:nvPr>
+        </p:nvSpPr>
+        <p:spPr/>
+        <p:txBody>
+          <a:bodyPr/>
+          <a:lstStyle/>
+          <a:p>
+            <a:r>
+              <a:rPr lang="en-US" dirty="0" err="1"/>
+              <a:t>readxl</a:t>
+            </a:r>
+            <a:endParaRPr lang="en-US" dirty="0"/>
+          </a:p>
+        </p:txBody>
+      </p:sp>
+      <p:sp>
+        <p:nvSpPr>
+          <p:cNvPr id="3" name="Content Placeholder 2"/>
+          <p:cNvSpPr>
+            <a:spLocks noGrp="1"/>
+          </p:cNvSpPr>
+          <p:nvPr>
+            <p:ph sz="half" idx="1"/>
+          </p:nvPr>
+        </p:nvSpPr>
+        <p:spPr/>
+        <p:txBody>
+          <a:bodyPr/>
+          <a:lstStyle/>
+          <a:p>
+            <a:r>
+              <a:rPr lang="en-US" dirty="0"/>
+              <a:t>Provides function to read in .</a:t>
+            </a:r>
+            <a:r>
+              <a:rPr lang="en-US" dirty="0" err="1"/>
+              <a:t>xls</a:t>
+            </a:r>
+            <a:r>
+              <a:rPr lang="en-US" dirty="0"/>
+              <a:t> and .</a:t>
+            </a:r>
+            <a:r>
+              <a:rPr lang="en-US" dirty="0" err="1"/>
+              <a:t>xlsx</a:t>
+            </a:r>
+            <a:r>
+              <a:rPr lang="en-US" dirty="0"/>
+              <a:t> files</a:t>
+            </a:r>
+          </a:p>
+          <a:p>
+            <a:pPr lvl="1"/>
+            <a:r>
+              <a:rPr lang="en-US" dirty="0" err="1"/>
+              <a:t>read_excel</a:t>
+            </a:r>
+            <a:endParaRPr lang="en-US" dirty="0"/>
+          </a:p>
+          <a:p>
+            <a:r>
+              <a:rPr lang="en-US" dirty="0"/>
+              <a:t>Specify the column types or let the package guess</a:t>
+            </a:r>
+          </a:p>
+          <a:p>
+            <a:r>
+              <a:rPr lang="en-US" dirty="0"/>
+              <a:t>Specify the sheet by name or index</a:t>
+            </a:r>
+          </a:p>
+          <a:p>
+            <a:r>
+              <a:rPr lang="en-US" dirty="0"/>
+              <a:t>?</a:t>
+            </a:r>
+            <a:r>
+              <a:rPr lang="en-US" dirty="0" err="1"/>
+              <a:t>read_excel</a:t>
+            </a:r>
+            <a:endParaRPr lang="en-US" dirty="0"/>
+          </a:p>
+        </p:txBody>
+      </p:sp>
+      <p:pic>
+        <p:nvPicPr>
+          <p:cNvPr id="5" name="Content Placeholder 4"/>
+          <p:cNvPicPr>
+            <a:picLocks noGrp="1" noChangeAspect="1"/>
+          </p:cNvPicPr>
+          <p:nvPr>
+            <p:ph sz="half" idx="2"/>
+          </p:nvPr>
+        </p:nvPicPr>
+        <p:blipFill>
+          <a:blip r:embed="rId2"/>
+          <a:stretch>
+            <a:fillRect/>
+          </a:stretch>
+        </p:blipFill>
+        <p:spPr>
+          <a:xfrm>
+            <a:off x="6349482" y="2194559"/>
+            <a:ext cx="5334000" cy="634205"/>
+          </a:xfrm>
+          <a:prstGeom prst="rect">
+            <a:avLst/>
+          </a:prstGeom>
+        </p:spPr>
+      </p:pic>
+      <p:pic>
+        <p:nvPicPr>
+          <p:cNvPr id="6" name="Picture 5"/>
+          <p:cNvPicPr>
+            <a:picLocks noChangeAspect="1"/>
+          </p:cNvPicPr>
+          <p:nvPr/>
+        </p:nvPicPr>
+        <p:blipFill>
+          <a:blip r:embed="rId3"/>
+          <a:stretch>
+            <a:fillRect/>
+          </a:stretch>
+        </p:blipFill>
+        <p:spPr>
+          <a:xfrm>
+            <a:off x="6420331" y="2965922"/>
+            <a:ext cx="5192302" cy="3648792"/>
+          </a:xfrm>
+          <a:prstGeom prst="rect">
+            <a:avLst/>
+          </a:prstGeom>
+        </p:spPr>
+      </p:pic>
+    </p:spTree>
+    <p:extLst>
+      <p:ext uri="{BB962C8B-B14F-4D97-AF65-F5344CB8AC3E}">
+        <p14:creationId xmlns:p14="http://schemas.microsoft.com/office/powerpoint/2010/main" val="2486311470"/>
+      </p:ext>
+    </p:extLst>
+  </p:cSld>
+  <p:clrMapOvr>
+    <a:masterClrMapping/>
+  </p:clrMapOvr>
+</p:sld>
+</file>
+
+<file path=ppt/slides/slide16.xml><?xml version="1.0" encoding="utf-8"?>
+<p:sld xmlns:a="http://schemas.openxmlformats.org/drawingml/2006/main" xmlns:r="http://schemas.openxmlformats.org/officeDocument/2006/relationships" xmlns:p="http://schemas.openxmlformats.org/presentationml/2006/main">
+  <p:cSld>
+    <p:spTree>
+      <p:nvGrpSpPr>
+        <p:cNvPr id="1" name=""/>
+        <p:cNvGrpSpPr/>
+        <p:nvPr/>
+      </p:nvGrpSpPr>
+      <p:grpSpPr>
+        <a:xfrm>
+          <a:off x="0" y="0"/>
+          <a:ext cx="0" cy="0"/>
+          <a:chOff x="0" y="0"/>
+          <a:chExt cx="0" cy="0"/>
+        </a:xfrm>
+      </p:grpSpPr>
+      <p:sp>
+        <p:nvSpPr>
+          <p:cNvPr id="2" name="Title 1"/>
+          <p:cNvSpPr>
+            <a:spLocks noGrp="1"/>
+          </p:cNvSpPr>
+          <p:nvPr>
+            <p:ph type="title"/>
+          </p:nvPr>
+        </p:nvSpPr>
+        <p:spPr/>
+        <p:txBody>
+          <a:bodyPr/>
+          <a:lstStyle/>
+          <a:p>
+            <a:r>
+              <a:rPr lang="en-US" dirty="0"/>
+              <a:t>Managing data in R</a:t>
+            </a:r>
+          </a:p>
+        </p:txBody>
+      </p:sp>
+      <p:sp>
+        <p:nvSpPr>
+          <p:cNvPr id="3" name="Text Placeholder 2"/>
+          <p:cNvSpPr>
+            <a:spLocks noGrp="1"/>
+          </p:cNvSpPr>
+          <p:nvPr>
+            <p:ph type="body" idx="1"/>
+          </p:nvPr>
+        </p:nvSpPr>
+        <p:spPr/>
+        <p:txBody>
+          <a:bodyPr/>
+          <a:lstStyle/>
+          <a:p>
+            <a:endParaRPr lang="en-US"/>
+          </a:p>
+        </p:txBody>
+      </p:sp>
+    </p:spTree>
+    <p:extLst>
+      <p:ext uri="{BB962C8B-B14F-4D97-AF65-F5344CB8AC3E}">
+        <p14:creationId xmlns:p14="http://schemas.microsoft.com/office/powerpoint/2010/main" val="3774199347"/>
+      </p:ext>
+    </p:extLst>
+  </p:cSld>
+  <p:clrMapOvr>
+    <a:masterClrMapping/>
+  </p:clrMapOvr>
+</p:sld>
+</file>
+
+<file path=ppt/slides/slide17.xml><?xml version="1.0" encoding="utf-8"?>
+<p:sld xmlns:a="http://schemas.openxmlformats.org/drawingml/2006/main" xmlns:r="http://schemas.openxmlformats.org/officeDocument/2006/relationships" xmlns:p="http://schemas.openxmlformats.org/presentationml/2006/main">
+  <p:cSld>
+    <p:spTree>
+      <p:nvGrpSpPr>
+        <p:cNvPr id="1" name=""/>
+        <p:cNvGrpSpPr/>
+        <p:nvPr/>
+      </p:nvGrpSpPr>
+      <p:grpSpPr>
+        <a:xfrm>
+          <a:off x="0" y="0"/>
+          <a:ext cx="0" cy="0"/>
+          <a:chOff x="0" y="0"/>
+          <a:chExt cx="0" cy="0"/>
+        </a:xfrm>
+      </p:grpSpPr>
+      <p:sp>
+        <p:nvSpPr>
+          <p:cNvPr id="2" name="Title 1"/>
+          <p:cNvSpPr>
+            <a:spLocks noGrp="1"/>
+          </p:cNvSpPr>
+          <p:nvPr>
+            <p:ph type="title"/>
+          </p:nvPr>
+        </p:nvSpPr>
+        <p:spPr/>
+        <p:txBody>
+          <a:bodyPr/>
+          <a:lstStyle/>
+          <a:p>
+            <a:r>
+              <a:rPr lang="en-US" dirty="0" smtClean="0"/>
+              <a:t>Rene Magritte’s Contribution</a:t>
+            </a:r>
+            <a:endParaRPr lang="en-US" dirty="0"/>
+          </a:p>
+        </p:txBody>
+      </p:sp>
+      <p:sp>
+        <p:nvSpPr>
+          <p:cNvPr id="3" name="Content Placeholder 2"/>
+          <p:cNvSpPr>
+            <a:spLocks noGrp="1"/>
+          </p:cNvSpPr>
+          <p:nvPr>
+            <p:ph sz="half" idx="1"/>
+          </p:nvPr>
+        </p:nvSpPr>
+        <p:spPr/>
+        <p:txBody>
+          <a:bodyPr/>
+          <a:lstStyle/>
+          <a:p>
+            <a:r>
+              <a:rPr lang="en-US" dirty="0" smtClean="0"/>
+              <a:t>The magic of pipes</a:t>
+            </a:r>
+          </a:p>
+          <a:p>
+            <a:r>
+              <a:rPr lang="en-US" dirty="0" smtClean="0"/>
+              <a:t>%&gt;%</a:t>
+            </a:r>
+          </a:p>
+          <a:p>
+            <a:r>
+              <a:rPr lang="en-US" dirty="0" smtClean="0"/>
+              <a:t>Data %&gt;% function()</a:t>
+            </a:r>
+          </a:p>
+          <a:p>
+            <a:pPr lvl="1"/>
+            <a:r>
+              <a:rPr lang="en-US" dirty="0" smtClean="0"/>
+              <a:t>Data is automatically passed into the first argument of the function</a:t>
+            </a:r>
+          </a:p>
+          <a:p>
+            <a:pPr lvl="1"/>
+            <a:r>
+              <a:rPr lang="en-US" dirty="0" smtClean="0"/>
+              <a:t>Makes code so much more readable</a:t>
+            </a:r>
+          </a:p>
+        </p:txBody>
+      </p:sp>
+      <p:pic>
+        <p:nvPicPr>
+          <p:cNvPr id="5" name="Content Placeholder 4"/>
+          <p:cNvPicPr>
+            <a:picLocks noGrp="1" noChangeAspect="1"/>
+          </p:cNvPicPr>
+          <p:nvPr>
+            <p:ph sz="half" idx="2"/>
+          </p:nvPr>
+        </p:nvPicPr>
+        <p:blipFill>
+          <a:blip r:embed="rId2">
+            <a:extLst>
+              <a:ext uri="{28A0092B-C50C-407E-A947-70E740481C1C}">
+                <a14:useLocalDpi xmlns:a14="http://schemas.microsoft.com/office/drawing/2010/main" val="0"/>
+              </a:ext>
+            </a:extLst>
+          </a:blip>
+          <a:stretch>
+            <a:fillRect/>
+          </a:stretch>
+        </p:blipFill>
+        <p:spPr>
+          <a:xfrm>
+            <a:off x="6438900" y="2529681"/>
+            <a:ext cx="4800600" cy="3352800"/>
+          </a:xfrm>
+        </p:spPr>
+      </p:pic>
+    </p:spTree>
+    <p:extLst>
+      <p:ext uri="{BB962C8B-B14F-4D97-AF65-F5344CB8AC3E}">
+        <p14:creationId xmlns:p14="http://schemas.microsoft.com/office/powerpoint/2010/main" val="911678229"/>
+      </p:ext>
+    </p:extLst>
+  </p:cSld>
+  <p:clrMapOvr>
+    <a:masterClrMapping/>
+  </p:clrMapOvr>
+</p:sld>
+</file>
+
+<file path=ppt/slides/slide18.xml><?xml version="1.0" encoding="utf-8"?>
+<p:sld xmlns:a="http://schemas.openxmlformats.org/drawingml/2006/main" xmlns:r="http://schemas.openxmlformats.org/officeDocument/2006/relationships" xmlns:p="http://schemas.openxmlformats.org/presentationml/2006/main">
+  <p:cSld>
+    <p:spTree>
+      <p:nvGrpSpPr>
+        <p:cNvPr id="1" name=""/>
+        <p:cNvGrpSpPr/>
+        <p:nvPr/>
+      </p:nvGrpSpPr>
+      <p:grpSpPr>
+        <a:xfrm>
+          <a:off x="0" y="0"/>
+          <a:ext cx="0" cy="0"/>
+          <a:chOff x="0" y="0"/>
+          <a:chExt cx="0" cy="0"/>
+        </a:xfrm>
+      </p:grpSpPr>
+      <p:sp>
+        <p:nvSpPr>
+          <p:cNvPr id="2" name="Title 1"/>
+          <p:cNvSpPr>
+            <a:spLocks noGrp="1"/>
+          </p:cNvSpPr>
+          <p:nvPr>
+            <p:ph type="title"/>
+          </p:nvPr>
+        </p:nvSpPr>
+        <p:spPr/>
+        <p:txBody>
+          <a:bodyPr/>
+          <a:lstStyle/>
+          <a:p>
+            <a:r>
+              <a:rPr lang="en-US" dirty="0" smtClean="0"/>
+              <a:t>Rene Magritte’s Contribution</a:t>
+            </a:r>
+            <a:endParaRPr lang="en-US" dirty="0"/>
+          </a:p>
+        </p:txBody>
+      </p:sp>
+      <p:sp>
+        <p:nvSpPr>
+          <p:cNvPr id="3" name="TextBox 2"/>
+          <p:cNvSpPr txBox="1"/>
+          <p:nvPr/>
+        </p:nvSpPr>
+        <p:spPr>
+          <a:xfrm>
+            <a:off x="3755570" y="2085788"/>
+            <a:ext cx="3875315" cy="369332"/>
+          </a:xfrm>
+          <a:prstGeom prst="rect">
+            <a:avLst/>
+          </a:prstGeom>
+          <a:noFill/>
+        </p:spPr>
+        <p:txBody>
+          <a:bodyPr wrap="square" rtlCol="0">
+            <a:spAutoFit/>
+          </a:bodyPr>
+          <a:lstStyle/>
+          <a:p>
+            <a:r>
+              <a:rPr lang="en-US" dirty="0" err="1">
+                <a:latin typeface="Lucida Console" charset="0"/>
+                <a:ea typeface="Lucida Console" charset="0"/>
+                <a:cs typeface="Lucida Console" charset="0"/>
+              </a:rPr>
+              <a:t>foo_foo</a:t>
+            </a:r>
+            <a:r>
+              <a:rPr lang="en-US" dirty="0">
+                <a:latin typeface="Lucida Console" charset="0"/>
+                <a:ea typeface="Lucida Console" charset="0"/>
+                <a:cs typeface="Lucida Console" charset="0"/>
+              </a:rPr>
+              <a:t> =</a:t>
+            </a:r>
+            <a:r>
+              <a:rPr lang="en-US" dirty="0" smtClean="0">
+                <a:latin typeface="Lucida Console" charset="0"/>
+                <a:ea typeface="Lucida Console" charset="0"/>
+                <a:cs typeface="Lucida Console" charset="0"/>
+              </a:rPr>
+              <a:t> </a:t>
+            </a:r>
+            <a:r>
+              <a:rPr lang="en-US" b="1" dirty="0" err="1">
+                <a:latin typeface="Lucida Console" charset="0"/>
+                <a:ea typeface="Lucida Console" charset="0"/>
+                <a:cs typeface="Lucida Console" charset="0"/>
+              </a:rPr>
+              <a:t>little_bunny</a:t>
+            </a:r>
+            <a:r>
+              <a:rPr lang="en-US" dirty="0" smtClean="0">
+                <a:latin typeface="Lucida Console" charset="0"/>
+                <a:ea typeface="Lucida Console" charset="0"/>
+                <a:cs typeface="Lucida Console" charset="0"/>
+              </a:rPr>
+              <a:t>()</a:t>
+            </a:r>
+            <a:endParaRPr lang="en-US" dirty="0">
+              <a:latin typeface="Lucida Console" charset="0"/>
+              <a:ea typeface="Lucida Console" charset="0"/>
+              <a:cs typeface="Lucida Console" charset="0"/>
+            </a:endParaRPr>
+          </a:p>
+        </p:txBody>
+      </p:sp>
+      <p:sp>
+        <p:nvSpPr>
+          <p:cNvPr id="4" name="TextBox 3"/>
+          <p:cNvSpPr txBox="1"/>
+          <p:nvPr/>
+        </p:nvSpPr>
+        <p:spPr>
+          <a:xfrm>
+            <a:off x="3018543" y="3335510"/>
+            <a:ext cx="9552215" cy="369332"/>
+          </a:xfrm>
+          <a:prstGeom prst="rect">
+            <a:avLst/>
+          </a:prstGeom>
+          <a:noFill/>
+        </p:spPr>
+        <p:txBody>
+          <a:bodyPr wrap="square" rtlCol="0">
+            <a:spAutoFit/>
+          </a:bodyPr>
+          <a:lstStyle/>
+          <a:p>
+            <a:r>
+              <a:rPr lang="en-US" b="1" dirty="0" err="1">
+                <a:latin typeface="Lucida Console" charset="0"/>
+                <a:ea typeface="Lucida Console" charset="0"/>
+                <a:cs typeface="Lucida Console" charset="0"/>
+              </a:rPr>
+              <a:t>bop_on</a:t>
+            </a:r>
+            <a:r>
+              <a:rPr lang="en-US" dirty="0">
+                <a:latin typeface="Lucida Console" charset="0"/>
+                <a:ea typeface="Lucida Console" charset="0"/>
+                <a:cs typeface="Lucida Console" charset="0"/>
+              </a:rPr>
+              <a:t>(</a:t>
+            </a:r>
+            <a:r>
+              <a:rPr lang="en-US" b="1" dirty="0" err="1">
+                <a:latin typeface="Lucida Console" charset="0"/>
+                <a:ea typeface="Lucida Console" charset="0"/>
+                <a:cs typeface="Lucida Console" charset="0"/>
+              </a:rPr>
+              <a:t>scoop_up</a:t>
+            </a:r>
+            <a:r>
+              <a:rPr lang="en-US" dirty="0">
+                <a:latin typeface="Lucida Console" charset="0"/>
+                <a:ea typeface="Lucida Console" charset="0"/>
+                <a:cs typeface="Lucida Console" charset="0"/>
+              </a:rPr>
+              <a:t>(</a:t>
+            </a:r>
+            <a:r>
+              <a:rPr lang="en-US" b="1" dirty="0" err="1">
+                <a:latin typeface="Lucida Console" charset="0"/>
+                <a:ea typeface="Lucida Console" charset="0"/>
+                <a:cs typeface="Lucida Console" charset="0"/>
+              </a:rPr>
+              <a:t>hop_through</a:t>
+            </a:r>
+            <a:r>
+              <a:rPr lang="en-US" dirty="0">
+                <a:latin typeface="Lucida Console" charset="0"/>
+                <a:ea typeface="Lucida Console" charset="0"/>
+                <a:cs typeface="Lucida Console" charset="0"/>
+              </a:rPr>
+              <a:t>(</a:t>
+            </a:r>
+            <a:r>
+              <a:rPr lang="en-US" dirty="0" err="1">
+                <a:latin typeface="Lucida Console" charset="0"/>
+                <a:ea typeface="Lucida Console" charset="0"/>
+                <a:cs typeface="Lucida Console" charset="0"/>
+              </a:rPr>
+              <a:t>foo_foo</a:t>
+            </a:r>
+            <a:r>
+              <a:rPr lang="en-US" dirty="0">
+                <a:latin typeface="Lucida Console" charset="0"/>
+                <a:ea typeface="Lucida Console" charset="0"/>
+                <a:cs typeface="Lucida Console" charset="0"/>
+              </a:rPr>
+              <a:t>, forest), </a:t>
+            </a:r>
+            <a:r>
+              <a:rPr lang="en-US" dirty="0" err="1">
+                <a:latin typeface="Lucida Console" charset="0"/>
+                <a:ea typeface="Lucida Console" charset="0"/>
+                <a:cs typeface="Lucida Console" charset="0"/>
+              </a:rPr>
+              <a:t>field_mouse</a:t>
+            </a:r>
+            <a:r>
+              <a:rPr lang="en-US" dirty="0">
+                <a:latin typeface="Lucida Console" charset="0"/>
+                <a:ea typeface="Lucida Console" charset="0"/>
+                <a:cs typeface="Lucida Console" charset="0"/>
+              </a:rPr>
+              <a:t>), head)</a:t>
+            </a:r>
+            <a:endParaRPr lang="en-US" dirty="0">
+              <a:latin typeface="Lucida Console" charset="0"/>
+              <a:ea typeface="Lucida Console" charset="0"/>
+              <a:cs typeface="Lucida Console" charset="0"/>
+            </a:endParaRPr>
+          </a:p>
+        </p:txBody>
+      </p:sp>
+      <p:sp>
+        <p:nvSpPr>
+          <p:cNvPr id="5" name="TextBox 4"/>
+          <p:cNvSpPr txBox="1"/>
+          <p:nvPr/>
+        </p:nvSpPr>
+        <p:spPr>
+          <a:xfrm>
+            <a:off x="7130143" y="4691741"/>
+            <a:ext cx="4376057" cy="1200329"/>
+          </a:xfrm>
+          <a:prstGeom prst="rect">
+            <a:avLst/>
+          </a:prstGeom>
+          <a:noFill/>
+        </p:spPr>
+        <p:txBody>
+          <a:bodyPr wrap="square" rtlCol="0">
+            <a:spAutoFit/>
+          </a:bodyPr>
+          <a:lstStyle/>
+          <a:p>
+            <a:r>
+              <a:rPr lang="en-US" dirty="0" err="1">
+                <a:latin typeface="Lucida Console" charset="0"/>
+                <a:ea typeface="Lucida Console" charset="0"/>
+                <a:cs typeface="Lucida Console" charset="0"/>
+              </a:rPr>
+              <a:t>foo_foo</a:t>
+            </a:r>
+            <a:r>
+              <a:rPr lang="en-US" dirty="0">
+                <a:latin typeface="Lucida Console" charset="0"/>
+                <a:ea typeface="Lucida Console" charset="0"/>
+                <a:cs typeface="Lucida Console" charset="0"/>
+              </a:rPr>
+              <a:t> %&gt;% </a:t>
+            </a:r>
+            <a:endParaRPr lang="en-US" dirty="0" smtClean="0">
+              <a:latin typeface="Lucida Console" charset="0"/>
+              <a:ea typeface="Lucida Console" charset="0"/>
+              <a:cs typeface="Lucida Console" charset="0"/>
+            </a:endParaRPr>
+          </a:p>
+          <a:p>
+            <a:r>
+              <a:rPr lang="en-US" b="1" dirty="0">
+                <a:latin typeface="Lucida Console" charset="0"/>
+                <a:ea typeface="Lucida Console" charset="0"/>
+                <a:cs typeface="Lucida Console" charset="0"/>
+              </a:rPr>
+              <a:t>	</a:t>
+            </a:r>
+            <a:r>
+              <a:rPr lang="en-US" b="1" dirty="0" err="1" smtClean="0">
+                <a:latin typeface="Lucida Console" charset="0"/>
+                <a:ea typeface="Lucida Console" charset="0"/>
+                <a:cs typeface="Lucida Console" charset="0"/>
+              </a:rPr>
+              <a:t>hop_through</a:t>
+            </a:r>
+            <a:r>
+              <a:rPr lang="en-US" dirty="0" smtClean="0">
+                <a:latin typeface="Lucida Console" charset="0"/>
+                <a:ea typeface="Lucida Console" charset="0"/>
+                <a:cs typeface="Lucida Console" charset="0"/>
+              </a:rPr>
+              <a:t>(forest</a:t>
+            </a:r>
+            <a:r>
+              <a:rPr lang="en-US" dirty="0">
+                <a:latin typeface="Lucida Console" charset="0"/>
+                <a:ea typeface="Lucida Console" charset="0"/>
+                <a:cs typeface="Lucida Console" charset="0"/>
+              </a:rPr>
+              <a:t>) %&gt;% </a:t>
+            </a:r>
+            <a:r>
+              <a:rPr lang="en-US" dirty="0" smtClean="0">
+                <a:latin typeface="Lucida Console" charset="0"/>
+                <a:ea typeface="Lucida Console" charset="0"/>
+                <a:cs typeface="Lucida Console" charset="0"/>
+              </a:rPr>
+              <a:t>	</a:t>
+            </a:r>
+            <a:r>
+              <a:rPr lang="en-US" b="1" dirty="0" err="1" smtClean="0">
+                <a:latin typeface="Lucida Console" charset="0"/>
+                <a:ea typeface="Lucida Console" charset="0"/>
+                <a:cs typeface="Lucida Console" charset="0"/>
+              </a:rPr>
+              <a:t>scoop_up</a:t>
+            </a:r>
+            <a:r>
+              <a:rPr lang="en-US" dirty="0" smtClean="0">
+                <a:latin typeface="Lucida Console" charset="0"/>
+                <a:ea typeface="Lucida Console" charset="0"/>
+                <a:cs typeface="Lucida Console" charset="0"/>
+              </a:rPr>
+              <a:t>(</a:t>
+            </a:r>
+            <a:r>
+              <a:rPr lang="en-US" dirty="0" err="1" smtClean="0">
+                <a:latin typeface="Lucida Console" charset="0"/>
+                <a:ea typeface="Lucida Console" charset="0"/>
+                <a:cs typeface="Lucida Console" charset="0"/>
+              </a:rPr>
+              <a:t>field_mouse</a:t>
+            </a:r>
+            <a:r>
+              <a:rPr lang="en-US" dirty="0">
+                <a:latin typeface="Lucida Console" charset="0"/>
+                <a:ea typeface="Lucida Console" charset="0"/>
+                <a:cs typeface="Lucida Console" charset="0"/>
+              </a:rPr>
+              <a:t>) %&gt;% </a:t>
+            </a:r>
+            <a:r>
+              <a:rPr lang="en-US" dirty="0" smtClean="0">
+                <a:latin typeface="Lucida Console" charset="0"/>
+                <a:ea typeface="Lucida Console" charset="0"/>
+                <a:cs typeface="Lucida Console" charset="0"/>
+              </a:rPr>
+              <a:t>	</a:t>
+            </a:r>
+            <a:r>
+              <a:rPr lang="en-US" b="1" dirty="0" err="1" smtClean="0">
+                <a:latin typeface="Lucida Console" charset="0"/>
+                <a:ea typeface="Lucida Console" charset="0"/>
+                <a:cs typeface="Lucida Console" charset="0"/>
+              </a:rPr>
+              <a:t>bop_on</a:t>
+            </a:r>
+            <a:r>
+              <a:rPr lang="en-US" dirty="0" smtClean="0">
+                <a:latin typeface="Lucida Console" charset="0"/>
+                <a:ea typeface="Lucida Console" charset="0"/>
+                <a:cs typeface="Lucida Console" charset="0"/>
+              </a:rPr>
+              <a:t>(head</a:t>
+            </a:r>
+            <a:r>
+              <a:rPr lang="en-US" dirty="0">
+                <a:latin typeface="Lucida Console" charset="0"/>
+                <a:ea typeface="Lucida Console" charset="0"/>
+                <a:cs typeface="Lucida Console" charset="0"/>
+              </a:rPr>
+              <a:t>)</a:t>
+            </a:r>
+          </a:p>
+        </p:txBody>
+      </p:sp>
+      <p:pic>
+        <p:nvPicPr>
+          <p:cNvPr id="6" name="Picture 5"/>
+          <p:cNvPicPr>
+            <a:picLocks noChangeAspect="1"/>
+          </p:cNvPicPr>
+          <p:nvPr/>
+        </p:nvPicPr>
+        <p:blipFill rotWithShape="1">
+          <a:blip r:embed="rId2">
+            <a:extLst>
+              <a:ext uri="{28A0092B-C50C-407E-A947-70E740481C1C}">
+                <a14:useLocalDpi xmlns:a14="http://schemas.microsoft.com/office/drawing/2010/main" val="0"/>
+              </a:ext>
+            </a:extLst>
+          </a:blip>
+          <a:srcRect b="3607"/>
+          <a:stretch/>
+        </p:blipFill>
+        <p:spPr>
+          <a:xfrm>
+            <a:off x="138310" y="2270454"/>
+            <a:ext cx="2880233" cy="4346433"/>
+          </a:xfrm>
+          <a:prstGeom prst="rect">
+            <a:avLst/>
+          </a:prstGeom>
+        </p:spPr>
+      </p:pic>
+      <p:sp>
+        <p:nvSpPr>
+          <p:cNvPr id="7" name="TextBox 6"/>
+          <p:cNvSpPr txBox="1"/>
+          <p:nvPr/>
+        </p:nvSpPr>
+        <p:spPr>
+          <a:xfrm>
+            <a:off x="6559378" y="3442019"/>
+            <a:ext cx="641522" cy="1651606"/>
+          </a:xfrm>
+          <a:prstGeom prst="rect">
+            <a:avLst/>
+          </a:prstGeom>
+          <a:noFill/>
+        </p:spPr>
+        <p:txBody>
+          <a:bodyPr wrap="none" rtlCol="0">
+            <a:spAutoFit/>
+          </a:bodyPr>
+          <a:lstStyle/>
+          <a:p>
+            <a:r>
+              <a:rPr lang="en-US" sz="3600" dirty="0" smtClean="0">
+                <a:solidFill>
+                  <a:srgbClr val="FF0000"/>
+                </a:solidFill>
+                <a:latin typeface="Zapfino" charset="0"/>
+                <a:ea typeface="Zapfino" charset="0"/>
+                <a:cs typeface="Zapfino" charset="0"/>
+              </a:rPr>
+              <a:t>vs</a:t>
+            </a:r>
+            <a:endParaRPr lang="en-US" dirty="0">
+              <a:solidFill>
+                <a:srgbClr val="FF0000"/>
+              </a:solidFill>
+              <a:latin typeface="Zapfino" charset="0"/>
+              <a:ea typeface="Zapfino" charset="0"/>
+              <a:cs typeface="Zapfino" charset="0"/>
+            </a:endParaRPr>
+          </a:p>
+        </p:txBody>
+      </p:sp>
+    </p:spTree>
+    <p:extLst>
+      <p:ext uri="{BB962C8B-B14F-4D97-AF65-F5344CB8AC3E}">
+        <p14:creationId xmlns:p14="http://schemas.microsoft.com/office/powerpoint/2010/main" val="1306786569"/>
+      </p:ext>
+    </p:extLst>
+  </p:cSld>
+  <p:clrMapOvr>
+    <a:masterClrMapping/>
+  </p:clrMapOvr>
+</p:sld>
+</file>
+
+<file path=ppt/slides/slide19.xml><?xml version="1.0" encoding="utf-8"?>
+<p:sld xmlns:a="http://schemas.openxmlformats.org/drawingml/2006/main" xmlns:r="http://schemas.openxmlformats.org/officeDocument/2006/relationships" xmlns:p="http://schemas.openxmlformats.org/presentationml/2006/main">
+  <p:cSld>
+    <p:spTree>
+      <p:nvGrpSpPr>
+        <p:cNvPr id="1" name=""/>
+        <p:cNvGrpSpPr/>
+        <p:nvPr/>
+      </p:nvGrpSpPr>
+      <p:grpSpPr>
+        <a:xfrm>
+          <a:off x="0" y="0"/>
+          <a:ext cx="0" cy="0"/>
+          <a:chOff x="0" y="0"/>
+          <a:chExt cx="0" cy="0"/>
+        </a:xfrm>
+      </p:grpSpPr>
+      <p:sp>
+        <p:nvSpPr>
+          <p:cNvPr id="2" name="Title 1"/>
+          <p:cNvSpPr>
+            <a:spLocks noGrp="1"/>
+          </p:cNvSpPr>
+          <p:nvPr>
+            <p:ph type="title"/>
+          </p:nvPr>
+        </p:nvSpPr>
+        <p:spPr/>
+        <p:txBody>
+          <a:bodyPr/>
+          <a:lstStyle/>
+          <a:p>
+            <a:r>
+              <a:rPr lang="en-US" dirty="0" err="1"/>
               <a:t>dplyr</a:t>
             </a:r>
             <a:endParaRPr lang="en-US" dirty="0"/>
@@ -6270,29 +7345,109 @@
           <a:bodyPr/>
           <a:lstStyle/>
           <a:p>
-            <a:endParaRPr lang="en-US"/>
-          </a:p>
-        </p:txBody>
-      </p:sp>
-      <p:sp>
-        <p:nvSpPr>
-          <p:cNvPr id="5" name="Content Placeholder 4"/>
-          <p:cNvSpPr>
-            <a:spLocks noGrp="1"/>
-          </p:cNvSpPr>
+            <a:r>
+              <a:rPr lang="en-US" dirty="0" smtClean="0"/>
+              <a:t>A grammar of data manipulation</a:t>
+            </a:r>
+          </a:p>
+          <a:p>
+            <a:r>
+              <a:rPr lang="en-US" dirty="0" smtClean="0"/>
+              <a:t>Built around a set of ‘verbs’</a:t>
+            </a:r>
+          </a:p>
+          <a:p>
+            <a:pPr lvl="1"/>
+            <a:r>
+              <a:rPr lang="en-US" dirty="0" err="1" smtClean="0"/>
+              <a:t>Subsetting</a:t>
+            </a:r>
+            <a:r>
+              <a:rPr lang="en-US" dirty="0" smtClean="0"/>
+              <a:t> Observations</a:t>
+            </a:r>
+          </a:p>
+          <a:p>
+            <a:pPr lvl="1"/>
+            <a:r>
+              <a:rPr lang="en-US" dirty="0" err="1" smtClean="0"/>
+              <a:t>Subsetting</a:t>
+            </a:r>
+            <a:r>
+              <a:rPr lang="en-US" dirty="0" smtClean="0"/>
+              <a:t> Variables</a:t>
+            </a:r>
+          </a:p>
+          <a:p>
+            <a:pPr lvl="1"/>
+            <a:r>
+              <a:rPr lang="en-US" dirty="0" smtClean="0"/>
+              <a:t>Grouping Data</a:t>
+            </a:r>
+          </a:p>
+          <a:p>
+            <a:pPr lvl="1"/>
+            <a:r>
+              <a:rPr lang="en-US" dirty="0" smtClean="0"/>
+              <a:t>Summarizing </a:t>
+            </a:r>
+            <a:r>
+              <a:rPr lang="en-US" dirty="0"/>
+              <a:t>Data</a:t>
+            </a:r>
+          </a:p>
+          <a:p>
+            <a:pPr lvl="1"/>
+            <a:r>
+              <a:rPr lang="en-US" dirty="0" smtClean="0"/>
+              <a:t>Making New Variables</a:t>
+            </a:r>
+          </a:p>
+          <a:p>
+            <a:pPr lvl="1"/>
+            <a:r>
+              <a:rPr lang="en-US" dirty="0" smtClean="0"/>
+              <a:t>Combining Data</a:t>
+            </a:r>
+          </a:p>
+          <a:p>
+            <a:pPr lvl="1"/>
+            <a:endParaRPr lang="en-US" dirty="0" smtClean="0"/>
+          </a:p>
+          <a:p>
+            <a:endParaRPr lang="en-US" dirty="0"/>
+          </a:p>
+        </p:txBody>
+      </p:sp>
+      <p:pic>
+        <p:nvPicPr>
+          <p:cNvPr id="7" name="Content Placeholder 6"/>
+          <p:cNvPicPr>
+            <a:picLocks noGrp="1" noChangeAspect="1"/>
+          </p:cNvPicPr>
           <p:nvPr>
             <p:ph sz="half" idx="2"/>
           </p:nvPr>
-        </p:nvSpPr>
-        <p:spPr/>
-        <p:txBody>
-          <a:bodyPr/>
-          <a:lstStyle/>
-          <a:p>
-            <a:endParaRPr lang="en-US"/>
-          </a:p>
-        </p:txBody>
-      </p:sp>
+        </p:nvPicPr>
+        <p:blipFill>
+          <a:blip r:embed="rId2">
+            <a:extLst>
+              <a:ext uri="{28A0092B-C50C-407E-A947-70E740481C1C}">
+                <a14:useLocalDpi xmlns:a14="http://schemas.microsoft.com/office/drawing/2010/main" val="0"/>
+              </a:ext>
+            </a:extLst>
+          </a:blip>
+          <a:stretch>
+            <a:fillRect/>
+          </a:stretch>
+        </p:blipFill>
+        <p:spPr>
+          <a:xfrm>
+            <a:off x="6827043" y="2193925"/>
+            <a:ext cx="4024313" cy="4024313"/>
+          </a:xfrm>
+        </p:spPr>
+      </p:pic>
     </p:spTree>
     <p:extLst>
       <p:ext uri="{BB962C8B-B14F-4D97-AF65-F5344CB8AC3E}">
@@ -6339,20 +7494,21 @@
           <a:lstStyle/>
           <a:p>
             <a:r>
-              <a:rPr lang="en-US" dirty="0"/>
-              <a:t>Introduction to R</a:t>
-            </a:r>
-          </a:p>
-        </p:txBody>
-      </p:sp>
-      <p:sp>
-        <p:nvSpPr>
-          <p:cNvPr id="3" name="Text Placeholder 2"/>
-          <p:cNvSpPr>
-            <a:spLocks noGrp="1"/>
-          </p:cNvSpPr>
-          <p:nvPr>
-            <p:ph type="body" idx="1"/>
+              <a:rPr lang="en-US" dirty="0" smtClean="0"/>
+              <a:t>Reproducible Data analysis</a:t>
+            </a:r>
+            <a:endParaRPr lang="en-US" dirty="0"/>
+          </a:p>
+        </p:txBody>
+      </p:sp>
+      <p:sp>
+        <p:nvSpPr>
+          <p:cNvPr id="4" name="Content Placeholder 3"/>
+          <p:cNvSpPr>
+            <a:spLocks noGrp="1"/>
+          </p:cNvSpPr>
+          <p:nvPr>
+            <p:ph sz="half" idx="1"/>
           </p:nvPr>
         </p:nvSpPr>
         <p:spPr/>
@@ -6360,14 +7516,1963 @@
           <a:bodyPr/>
           <a:lstStyle/>
           <a:p>
-            <a:endParaRPr lang="en-US"/>
+            <a:r>
+              <a:rPr lang="en-US" dirty="0" smtClean="0"/>
+              <a:t>Reproducible</a:t>
+            </a:r>
+          </a:p>
+          <a:p>
+            <a:pPr lvl="1"/>
+            <a:r>
+              <a:rPr lang="en-US" dirty="0" smtClean="0"/>
+              <a:t>Someone else can take your data, your analysis flow and obtain your results</a:t>
+            </a:r>
+          </a:p>
+          <a:p>
+            <a:pPr lvl="1"/>
+            <a:r>
+              <a:rPr lang="en-US" dirty="0" smtClean="0"/>
+              <a:t>Important for science</a:t>
+            </a:r>
+          </a:p>
+          <a:p>
+            <a:pPr lvl="1"/>
+            <a:r>
+              <a:rPr lang="en-US" dirty="0" smtClean="0"/>
+              <a:t>Important for business</a:t>
+            </a:r>
+          </a:p>
+          <a:p>
+            <a:pPr lvl="1"/>
+            <a:r>
+              <a:rPr lang="en-US" dirty="0" smtClean="0"/>
+              <a:t>Important for quality</a:t>
+            </a:r>
+            <a:endParaRPr lang="en-US" dirty="0"/>
+          </a:p>
+        </p:txBody>
+      </p:sp>
+      <p:sp>
+        <p:nvSpPr>
+          <p:cNvPr id="5" name="Content Placeholder 4"/>
+          <p:cNvSpPr>
+            <a:spLocks noGrp="1"/>
+          </p:cNvSpPr>
+          <p:nvPr>
+            <p:ph sz="half" idx="2"/>
+          </p:nvPr>
+        </p:nvSpPr>
+        <p:spPr/>
+        <p:txBody>
+          <a:bodyPr/>
+          <a:lstStyle/>
+          <a:p>
+            <a:r>
+              <a:rPr lang="en-US" dirty="0" err="1" smtClean="0"/>
+              <a:t>Replicatable</a:t>
+            </a:r>
+            <a:endParaRPr lang="en-US" dirty="0" smtClean="0"/>
+          </a:p>
+          <a:p>
+            <a:pPr lvl="1"/>
+            <a:r>
+              <a:rPr lang="en-US" dirty="0" smtClean="0"/>
+              <a:t>Someone else can take your hypothesis, gather their own data, perform their own analysis and arrive at the same conclusion</a:t>
+            </a:r>
+          </a:p>
+          <a:p>
+            <a:pPr lvl="1"/>
+            <a:r>
+              <a:rPr lang="en-US" dirty="0" smtClean="0"/>
+              <a:t>Important for science</a:t>
+            </a:r>
+            <a:endParaRPr lang="en-US" dirty="0"/>
           </a:p>
         </p:txBody>
       </p:sp>
     </p:spTree>
     <p:extLst>
       <p:ext uri="{BB962C8B-B14F-4D97-AF65-F5344CB8AC3E}">
-        <p14:creationId xmlns:p14="http://schemas.microsoft.com/office/powerpoint/2010/main" val="2818559042"/>
+        <p14:creationId xmlns:p14="http://schemas.microsoft.com/office/powerpoint/2010/main" val="2091258138"/>
+      </p:ext>
+    </p:extLst>
+  </p:cSld>
+  <p:clrMapOvr>
+    <a:masterClrMapping/>
+  </p:clrMapOvr>
+</p:sld>
+</file>
+
+<file path=ppt/slides/slide20.xml><?xml version="1.0" encoding="utf-8"?>
+<p:sld xmlns:a="http://schemas.openxmlformats.org/drawingml/2006/main" xmlns:r="http://schemas.openxmlformats.org/officeDocument/2006/relationships" xmlns:p="http://schemas.openxmlformats.org/presentationml/2006/main">
+  <p:cSld>
+    <p:spTree>
+      <p:nvGrpSpPr>
+        <p:cNvPr id="1" name=""/>
+        <p:cNvGrpSpPr/>
+        <p:nvPr/>
+      </p:nvGrpSpPr>
+      <p:grpSpPr>
+        <a:xfrm>
+          <a:off x="0" y="0"/>
+          <a:ext cx="0" cy="0"/>
+          <a:chOff x="0" y="0"/>
+          <a:chExt cx="0" cy="0"/>
+        </a:xfrm>
+      </p:grpSpPr>
+      <p:sp>
+        <p:nvSpPr>
+          <p:cNvPr id="2" name="Title 1"/>
+          <p:cNvSpPr>
+            <a:spLocks noGrp="1"/>
+          </p:cNvSpPr>
+          <p:nvPr>
+            <p:ph type="title"/>
+          </p:nvPr>
+        </p:nvSpPr>
+        <p:spPr/>
+        <p:txBody>
+          <a:bodyPr/>
+          <a:lstStyle/>
+          <a:p>
+            <a:r>
+              <a:rPr lang="en-US" dirty="0" err="1" smtClean="0"/>
+              <a:t>Subsetting</a:t>
+            </a:r>
+            <a:r>
+              <a:rPr lang="en-US" dirty="0" smtClean="0"/>
+              <a:t> Observations</a:t>
+            </a:r>
+            <a:endParaRPr lang="en-US" dirty="0"/>
+          </a:p>
+        </p:txBody>
+      </p:sp>
+      <p:graphicFrame>
+        <p:nvGraphicFramePr>
+          <p:cNvPr id="5" name="Table 4"/>
+          <p:cNvGraphicFramePr>
+            <a:graphicFrameLocks noGrp="1"/>
+          </p:cNvGraphicFramePr>
+          <p:nvPr>
+            <p:extLst>
+              <p:ext uri="{D42A27DB-BD31-4B8C-83A1-F6EECF244321}">
+                <p14:modId xmlns:p14="http://schemas.microsoft.com/office/powerpoint/2010/main" val="1013855592"/>
+              </p:ext>
+            </p:extLst>
+          </p:nvPr>
+        </p:nvGraphicFramePr>
+        <p:xfrm>
+          <a:off x="410029" y="2443238"/>
+          <a:ext cx="5620657" cy="2387600"/>
+        </p:xfrm>
+        <a:graphic>
+          <a:graphicData uri="http://schemas.openxmlformats.org/drawingml/2006/table">
+            <a:tbl>
+              <a:tblPr firstRow="1" bandRow="1">
+                <a:tableStyleId>{5C22544A-7EE6-4342-B048-85BDC9FD1C3A}</a:tableStyleId>
+              </a:tblPr>
+              <a:tblGrid>
+                <a:gridCol w="3541485"/>
+                <a:gridCol w="2079172"/>
+              </a:tblGrid>
+              <a:tr h="0">
+                <a:tc>
+                  <a:txBody>
+                    <a:bodyPr/>
+                    <a:lstStyle/>
+                    <a:p>
+                      <a:r>
+                        <a:rPr lang="en-US" dirty="0" smtClean="0"/>
+                        <a:t>Why do you need to subset?</a:t>
+                      </a:r>
+                      <a:endParaRPr lang="en-US" dirty="0"/>
+                    </a:p>
+                  </a:txBody>
+                  <a:tcPr/>
+                </a:tc>
+                <a:tc>
+                  <a:txBody>
+                    <a:bodyPr/>
+                    <a:lstStyle/>
+                    <a:p>
+                      <a:r>
+                        <a:rPr lang="en-US" dirty="0" err="1" smtClean="0"/>
+                        <a:t>dplyr</a:t>
+                      </a:r>
+                      <a:r>
+                        <a:rPr lang="en-US" dirty="0" smtClean="0"/>
+                        <a:t> verb</a:t>
+                      </a:r>
+                      <a:endParaRPr lang="en-US" dirty="0"/>
+                    </a:p>
+                  </a:txBody>
+                  <a:tcPr/>
+                </a:tc>
+              </a:tr>
+              <a:tr h="400837">
+                <a:tc>
+                  <a:txBody>
+                    <a:bodyPr/>
+                    <a:lstStyle/>
+                    <a:p>
+                      <a:pPr marL="0" marR="0" indent="0" algn="l" defTabSz="914400" rtl="0" eaLnBrk="1" fontAlgn="auto" latinLnBrk="0" hangingPunct="1">
+                        <a:lnSpc>
+                          <a:spcPct val="100000"/>
+                        </a:lnSpc>
+                        <a:spcBef>
+                          <a:spcPts val="0"/>
+                        </a:spcBef>
+                        <a:spcAft>
+                          <a:spcPts val="0"/>
+                        </a:spcAft>
+                        <a:buClrTx/>
+                        <a:buSzTx/>
+                        <a:buFontTx/>
+                        <a:buNone/>
+                        <a:tabLst/>
+                        <a:defRPr/>
+                      </a:pPr>
+                      <a:r>
+                        <a:rPr lang="en-US" dirty="0" smtClean="0"/>
+                        <a:t>A column indicates the rows you need</a:t>
+                      </a:r>
+                    </a:p>
+                  </a:txBody>
+                  <a:tcPr/>
+                </a:tc>
+                <a:tc>
+                  <a:txBody>
+                    <a:bodyPr/>
+                    <a:lstStyle/>
+                    <a:p>
+                      <a:r>
+                        <a:rPr lang="en-US" dirty="0" smtClean="0"/>
+                        <a:t>filter()</a:t>
+                      </a:r>
+                      <a:endParaRPr lang="en-US" dirty="0"/>
+                    </a:p>
+                  </a:txBody>
+                  <a:tcPr/>
+                </a:tc>
+              </a:tr>
+              <a:tr h="370840">
+                <a:tc>
+                  <a:txBody>
+                    <a:bodyPr/>
+                    <a:lstStyle/>
+                    <a:p>
+                      <a:pPr marL="0" marR="0" indent="0" algn="l" defTabSz="914400" rtl="0" eaLnBrk="1" fontAlgn="auto" latinLnBrk="0" hangingPunct="1">
+                        <a:lnSpc>
+                          <a:spcPct val="100000"/>
+                        </a:lnSpc>
+                        <a:spcBef>
+                          <a:spcPts val="0"/>
+                        </a:spcBef>
+                        <a:spcAft>
+                          <a:spcPts val="0"/>
+                        </a:spcAft>
+                        <a:buClrTx/>
+                        <a:buSzTx/>
+                        <a:buFontTx/>
+                        <a:buNone/>
+                        <a:tabLst/>
+                        <a:defRPr/>
+                      </a:pPr>
+                      <a:r>
+                        <a:rPr lang="en-US" dirty="0" smtClean="0"/>
+                        <a:t>You don’t want duplicates</a:t>
+                      </a:r>
+                    </a:p>
+                  </a:txBody>
+                  <a:tcPr/>
+                </a:tc>
+                <a:tc>
+                  <a:txBody>
+                    <a:bodyPr/>
+                    <a:lstStyle/>
+                    <a:p>
+                      <a:r>
+                        <a:rPr lang="en-US" dirty="0" smtClean="0"/>
+                        <a:t>distinct()</a:t>
+                      </a:r>
+                      <a:endParaRPr lang="en-US" dirty="0"/>
+                    </a:p>
+                  </a:txBody>
+                  <a:tcPr/>
+                </a:tc>
+              </a:tr>
+              <a:tr h="370840">
+                <a:tc>
+                  <a:txBody>
+                    <a:bodyPr/>
+                    <a:lstStyle/>
+                    <a:p>
+                      <a:pPr marL="0" marR="0" indent="0" algn="l" defTabSz="914400" rtl="0" eaLnBrk="1" fontAlgn="auto" latinLnBrk="0" hangingPunct="1">
+                        <a:lnSpc>
+                          <a:spcPct val="100000"/>
+                        </a:lnSpc>
+                        <a:spcBef>
+                          <a:spcPts val="0"/>
+                        </a:spcBef>
+                        <a:spcAft>
+                          <a:spcPts val="0"/>
+                        </a:spcAft>
+                        <a:buClrTx/>
+                        <a:buSzTx/>
+                        <a:buFontTx/>
+                        <a:buNone/>
+                        <a:tabLst/>
+                        <a:defRPr/>
+                      </a:pPr>
+                      <a:r>
+                        <a:rPr lang="en-US" dirty="0" smtClean="0"/>
+                        <a:t>You only need a sample of the data</a:t>
+                      </a:r>
+                    </a:p>
+                  </a:txBody>
+                  <a:tcPr/>
+                </a:tc>
+                <a:tc>
+                  <a:txBody>
+                    <a:bodyPr/>
+                    <a:lstStyle/>
+                    <a:p>
+                      <a:r>
+                        <a:rPr lang="en-US" dirty="0" err="1" smtClean="0"/>
+                        <a:t>sample_frac</a:t>
+                      </a:r>
+                      <a:r>
+                        <a:rPr lang="en-US" dirty="0" smtClean="0"/>
+                        <a:t>() or </a:t>
+                      </a:r>
+                      <a:r>
+                        <a:rPr lang="en-US" dirty="0" err="1" smtClean="0"/>
+                        <a:t>sample_n</a:t>
+                      </a:r>
+                      <a:r>
+                        <a:rPr lang="en-US" dirty="0" smtClean="0"/>
+                        <a:t>()</a:t>
+                      </a:r>
+                      <a:endParaRPr lang="en-US" dirty="0"/>
+                    </a:p>
+                  </a:txBody>
+                  <a:tcPr/>
+                </a:tc>
+              </a:tr>
+              <a:tr h="370840">
+                <a:tc>
+                  <a:txBody>
+                    <a:bodyPr/>
+                    <a:lstStyle/>
+                    <a:p>
+                      <a:pPr marL="0" marR="0" indent="0" algn="l" defTabSz="914400" rtl="0" eaLnBrk="1" fontAlgn="auto" latinLnBrk="0" hangingPunct="1">
+                        <a:lnSpc>
+                          <a:spcPct val="100000"/>
+                        </a:lnSpc>
+                        <a:spcBef>
+                          <a:spcPts val="0"/>
+                        </a:spcBef>
+                        <a:spcAft>
+                          <a:spcPts val="0"/>
+                        </a:spcAft>
+                        <a:buClrTx/>
+                        <a:buSzTx/>
+                        <a:buFontTx/>
+                        <a:buNone/>
+                        <a:tabLst/>
+                        <a:defRPr/>
+                      </a:pPr>
+                      <a:r>
+                        <a:rPr lang="en-US" dirty="0" smtClean="0"/>
+                        <a:t>You only need specific rows</a:t>
+                      </a:r>
+                    </a:p>
+                  </a:txBody>
+                  <a:tcPr/>
+                </a:tc>
+                <a:tc>
+                  <a:txBody>
+                    <a:bodyPr/>
+                    <a:lstStyle/>
+                    <a:p>
+                      <a:r>
+                        <a:rPr lang="en-US" dirty="0" smtClean="0"/>
+                        <a:t>slice()</a:t>
+                      </a:r>
+                      <a:endParaRPr lang="en-US" dirty="0"/>
+                    </a:p>
+                  </a:txBody>
+                  <a:tcPr/>
+                </a:tc>
+              </a:tr>
+            </a:tbl>
+          </a:graphicData>
+        </a:graphic>
+      </p:graphicFrame>
+      <p:pic>
+        <p:nvPicPr>
+          <p:cNvPr id="8" name="Picture 7"/>
+          <p:cNvPicPr>
+            <a:picLocks noChangeAspect="1"/>
+          </p:cNvPicPr>
+          <p:nvPr/>
+        </p:nvPicPr>
+        <p:blipFill>
+          <a:blip r:embed="rId2"/>
+          <a:stretch>
+            <a:fillRect/>
+          </a:stretch>
+        </p:blipFill>
+        <p:spPr>
+          <a:xfrm>
+            <a:off x="6427345" y="2189238"/>
+            <a:ext cx="5177474" cy="3032760"/>
+          </a:xfrm>
+          <a:prstGeom prst="rect">
+            <a:avLst/>
+          </a:prstGeom>
+        </p:spPr>
+      </p:pic>
+    </p:spTree>
+    <p:extLst>
+      <p:ext uri="{BB962C8B-B14F-4D97-AF65-F5344CB8AC3E}">
+        <p14:creationId xmlns:p14="http://schemas.microsoft.com/office/powerpoint/2010/main" val="1473010892"/>
+      </p:ext>
+    </p:extLst>
+  </p:cSld>
+  <p:clrMapOvr>
+    <a:masterClrMapping/>
+  </p:clrMapOvr>
+</p:sld>
+</file>
+
+<file path=ppt/slides/slide21.xml><?xml version="1.0" encoding="utf-8"?>
+<p:sld xmlns:a="http://schemas.openxmlformats.org/drawingml/2006/main" xmlns:r="http://schemas.openxmlformats.org/officeDocument/2006/relationships" xmlns:p="http://schemas.openxmlformats.org/presentationml/2006/main">
+  <p:cSld>
+    <p:spTree>
+      <p:nvGrpSpPr>
+        <p:cNvPr id="1" name=""/>
+        <p:cNvGrpSpPr/>
+        <p:nvPr/>
+      </p:nvGrpSpPr>
+      <p:grpSpPr>
+        <a:xfrm>
+          <a:off x="0" y="0"/>
+          <a:ext cx="0" cy="0"/>
+          <a:chOff x="0" y="0"/>
+          <a:chExt cx="0" cy="0"/>
+        </a:xfrm>
+      </p:grpSpPr>
+      <p:sp>
+        <p:nvSpPr>
+          <p:cNvPr id="2" name="Title 1"/>
+          <p:cNvSpPr>
+            <a:spLocks noGrp="1"/>
+          </p:cNvSpPr>
+          <p:nvPr>
+            <p:ph type="title"/>
+          </p:nvPr>
+        </p:nvSpPr>
+        <p:spPr/>
+        <p:txBody>
+          <a:bodyPr/>
+          <a:lstStyle/>
+          <a:p>
+            <a:r>
+              <a:rPr lang="en-US" dirty="0" err="1"/>
+              <a:t>Subsetting</a:t>
+            </a:r>
+            <a:r>
+              <a:rPr lang="en-US" dirty="0"/>
+              <a:t> Observations</a:t>
+            </a:r>
+          </a:p>
+        </p:txBody>
+      </p:sp>
+      <p:sp>
+        <p:nvSpPr>
+          <p:cNvPr id="3" name="Content Placeholder 2"/>
+          <p:cNvSpPr>
+            <a:spLocks noGrp="1"/>
+          </p:cNvSpPr>
+          <p:nvPr>
+            <p:ph sz="half" idx="1"/>
+          </p:nvPr>
+        </p:nvSpPr>
+        <p:spPr>
+          <a:xfrm>
+            <a:off x="685800" y="2194559"/>
+            <a:ext cx="5486400" cy="4024125"/>
+          </a:xfrm>
+        </p:spPr>
+        <p:txBody>
+          <a:bodyPr>
+            <a:normAutofit fontScale="92500" lnSpcReduction="20000"/>
+          </a:bodyPr>
+          <a:lstStyle/>
+          <a:p>
+            <a:r>
+              <a:rPr lang="en-US" dirty="0" smtClean="0"/>
+              <a:t>filter()</a:t>
+            </a:r>
+          </a:p>
+          <a:p>
+            <a:pPr lvl="1"/>
+            <a:r>
+              <a:rPr lang="en-US" dirty="0" smtClean="0"/>
+              <a:t>First argument is the data frame to be subset</a:t>
+            </a:r>
+          </a:p>
+          <a:p>
+            <a:pPr lvl="2"/>
+            <a:r>
+              <a:rPr lang="en-US" dirty="0" smtClean="0"/>
+              <a:t>If using pipes, ignore this</a:t>
+            </a:r>
+          </a:p>
+          <a:p>
+            <a:pPr lvl="1"/>
+            <a:r>
+              <a:rPr lang="en-US" dirty="0" smtClean="0"/>
+              <a:t>Second argument is a single logical evaluation which references column names</a:t>
+            </a:r>
+          </a:p>
+          <a:p>
+            <a:pPr lvl="2"/>
+            <a:r>
+              <a:rPr lang="en-US" dirty="0" smtClean="0"/>
+              <a:t>To test for equality use ==</a:t>
+            </a:r>
+          </a:p>
+          <a:p>
+            <a:pPr lvl="2"/>
+            <a:r>
+              <a:rPr lang="en-US" dirty="0" smtClean="0"/>
+              <a:t>To compare relative values, &gt;, &lt;. &gt;=, &lt;=</a:t>
+            </a:r>
+          </a:p>
+          <a:p>
+            <a:pPr lvl="2"/>
+            <a:r>
+              <a:rPr lang="en-US" dirty="0" smtClean="0"/>
+              <a:t>To test for ’a’ AND ‘b’ use &amp;</a:t>
+            </a:r>
+          </a:p>
+          <a:p>
+            <a:pPr lvl="2"/>
+            <a:r>
+              <a:rPr lang="en-US" dirty="0" smtClean="0"/>
+              <a:t>To test for ‘a’ OR ‘b’ use |</a:t>
+            </a:r>
+          </a:p>
+          <a:p>
+            <a:pPr lvl="2"/>
+            <a:r>
+              <a:rPr lang="en-US" dirty="0" smtClean="0"/>
+              <a:t>Parenthesis can nest arguments</a:t>
+            </a:r>
+          </a:p>
+          <a:p>
+            <a:pPr lvl="2"/>
+            <a:r>
+              <a:rPr lang="en-US" dirty="0" smtClean="0"/>
+              <a:t>Anything which returns a logical value in R can be used here</a:t>
+            </a:r>
+          </a:p>
+          <a:p>
+            <a:pPr lvl="1"/>
+            <a:r>
+              <a:rPr lang="en-US" dirty="0" smtClean="0"/>
+              <a:t>Column names with spaces need to be surrounded by `</a:t>
+            </a:r>
+            <a:endParaRPr lang="en-US" dirty="0"/>
+          </a:p>
+        </p:txBody>
+      </p:sp>
+      <p:pic>
+        <p:nvPicPr>
+          <p:cNvPr id="7" name="Content Placeholder 6"/>
+          <p:cNvPicPr>
+            <a:picLocks noGrp="1" noChangeAspect="1"/>
+          </p:cNvPicPr>
+          <p:nvPr>
+            <p:ph sz="half" idx="2"/>
+          </p:nvPr>
+        </p:nvPicPr>
+        <p:blipFill>
+          <a:blip r:embed="rId2"/>
+          <a:stretch>
+            <a:fillRect/>
+          </a:stretch>
+        </p:blipFill>
+        <p:spPr>
+          <a:xfrm>
+            <a:off x="6172199" y="2728210"/>
+            <a:ext cx="5953749" cy="2677075"/>
+          </a:xfrm>
+          <a:prstGeom prst="rect">
+            <a:avLst/>
+          </a:prstGeom>
+        </p:spPr>
+      </p:pic>
+    </p:spTree>
+    <p:extLst>
+      <p:ext uri="{BB962C8B-B14F-4D97-AF65-F5344CB8AC3E}">
+        <p14:creationId xmlns:p14="http://schemas.microsoft.com/office/powerpoint/2010/main" val="1746665509"/>
+      </p:ext>
+    </p:extLst>
+  </p:cSld>
+  <p:clrMapOvr>
+    <a:masterClrMapping/>
+  </p:clrMapOvr>
+</p:sld>
+</file>
+
+<file path=ppt/slides/slide22.xml><?xml version="1.0" encoding="utf-8"?>
+<p:sld xmlns:a="http://schemas.openxmlformats.org/drawingml/2006/main" xmlns:r="http://schemas.openxmlformats.org/officeDocument/2006/relationships" xmlns:p="http://schemas.openxmlformats.org/presentationml/2006/main">
+  <p:cSld>
+    <p:spTree>
+      <p:nvGrpSpPr>
+        <p:cNvPr id="1" name=""/>
+        <p:cNvGrpSpPr/>
+        <p:nvPr/>
+      </p:nvGrpSpPr>
+      <p:grpSpPr>
+        <a:xfrm>
+          <a:off x="0" y="0"/>
+          <a:ext cx="0" cy="0"/>
+          <a:chOff x="0" y="0"/>
+          <a:chExt cx="0" cy="0"/>
+        </a:xfrm>
+      </p:grpSpPr>
+      <p:sp>
+        <p:nvSpPr>
+          <p:cNvPr id="2" name="Title 1"/>
+          <p:cNvSpPr>
+            <a:spLocks noGrp="1"/>
+          </p:cNvSpPr>
+          <p:nvPr>
+            <p:ph type="title"/>
+          </p:nvPr>
+        </p:nvSpPr>
+        <p:spPr/>
+        <p:txBody>
+          <a:bodyPr/>
+          <a:lstStyle/>
+          <a:p>
+            <a:r>
+              <a:rPr lang="en-US" dirty="0" err="1"/>
+              <a:t>Subsetting</a:t>
+            </a:r>
+            <a:r>
+              <a:rPr lang="en-US" dirty="0"/>
+              <a:t> Observations</a:t>
+            </a:r>
+          </a:p>
+        </p:txBody>
+      </p:sp>
+      <p:sp>
+        <p:nvSpPr>
+          <p:cNvPr id="3" name="Content Placeholder 2"/>
+          <p:cNvSpPr>
+            <a:spLocks noGrp="1"/>
+          </p:cNvSpPr>
+          <p:nvPr>
+            <p:ph sz="half" idx="1"/>
+          </p:nvPr>
+        </p:nvSpPr>
+        <p:spPr/>
+        <p:txBody>
+          <a:bodyPr/>
+          <a:lstStyle/>
+          <a:p>
+            <a:r>
+              <a:rPr lang="en-US" dirty="0" smtClean="0"/>
+              <a:t>distinct()</a:t>
+            </a:r>
+          </a:p>
+          <a:p>
+            <a:pPr lvl="1"/>
+            <a:r>
+              <a:rPr lang="en-US" dirty="0" smtClean="0"/>
+              <a:t>First </a:t>
+            </a:r>
+            <a:r>
+              <a:rPr lang="en-US" dirty="0"/>
+              <a:t>argument is the data frame to be subset</a:t>
+            </a:r>
+          </a:p>
+          <a:p>
+            <a:pPr lvl="2"/>
+            <a:r>
+              <a:rPr lang="en-US" dirty="0"/>
+              <a:t>If using pipes, ignore this</a:t>
+            </a:r>
+          </a:p>
+          <a:p>
+            <a:pPr lvl="1"/>
+            <a:r>
+              <a:rPr lang="en-US" dirty="0" smtClean="0"/>
+              <a:t>You can specify the columns to use for determining distinctness</a:t>
+            </a:r>
+          </a:p>
+          <a:p>
+            <a:pPr lvl="2"/>
+            <a:r>
+              <a:rPr lang="en-US" dirty="0" smtClean="0"/>
+              <a:t>This will only return those columns</a:t>
+            </a:r>
+          </a:p>
+          <a:p>
+            <a:pPr lvl="2"/>
+            <a:r>
+              <a:rPr lang="en-US" dirty="0" smtClean="0"/>
+              <a:t>Use .</a:t>
+            </a:r>
+            <a:r>
+              <a:rPr lang="en-US" dirty="0" err="1" smtClean="0"/>
+              <a:t>keep_all</a:t>
+            </a:r>
+            <a:r>
+              <a:rPr lang="en-US" dirty="0" smtClean="0"/>
+              <a:t> = TRUE to keep all columns</a:t>
+            </a:r>
+          </a:p>
+          <a:p>
+            <a:pPr lvl="2"/>
+            <a:r>
+              <a:rPr lang="en-US" dirty="0" smtClean="0"/>
+              <a:t>This will only keep the first row of each distinct combination</a:t>
+            </a:r>
+            <a:endParaRPr lang="en-US" dirty="0"/>
+          </a:p>
+        </p:txBody>
+      </p:sp>
+      <p:pic>
+        <p:nvPicPr>
+          <p:cNvPr id="5" name="Content Placeholder 4"/>
+          <p:cNvPicPr>
+            <a:picLocks noGrp="1" noChangeAspect="1"/>
+          </p:cNvPicPr>
+          <p:nvPr>
+            <p:ph sz="half" idx="2"/>
+          </p:nvPr>
+        </p:nvPicPr>
+        <p:blipFill>
+          <a:blip r:embed="rId2"/>
+          <a:stretch>
+            <a:fillRect/>
+          </a:stretch>
+        </p:blipFill>
+        <p:spPr>
+          <a:xfrm>
+            <a:off x="6668290" y="1715480"/>
+            <a:ext cx="4315396" cy="5011891"/>
+          </a:xfrm>
+          <a:prstGeom prst="rect">
+            <a:avLst/>
+          </a:prstGeom>
+        </p:spPr>
+      </p:pic>
+    </p:spTree>
+    <p:extLst>
+      <p:ext uri="{BB962C8B-B14F-4D97-AF65-F5344CB8AC3E}">
+        <p14:creationId xmlns:p14="http://schemas.microsoft.com/office/powerpoint/2010/main" val="1452355343"/>
+      </p:ext>
+    </p:extLst>
+  </p:cSld>
+  <p:clrMapOvr>
+    <a:masterClrMapping/>
+  </p:clrMapOvr>
+</p:sld>
+</file>
+
+<file path=ppt/slides/slide23.xml><?xml version="1.0" encoding="utf-8"?>
+<p:sld xmlns:a="http://schemas.openxmlformats.org/drawingml/2006/main" xmlns:r="http://schemas.openxmlformats.org/officeDocument/2006/relationships" xmlns:p="http://schemas.openxmlformats.org/presentationml/2006/main">
+  <p:cSld>
+    <p:spTree>
+      <p:nvGrpSpPr>
+        <p:cNvPr id="1" name=""/>
+        <p:cNvGrpSpPr/>
+        <p:nvPr/>
+      </p:nvGrpSpPr>
+      <p:grpSpPr>
+        <a:xfrm>
+          <a:off x="0" y="0"/>
+          <a:ext cx="0" cy="0"/>
+          <a:chOff x="0" y="0"/>
+          <a:chExt cx="0" cy="0"/>
+        </a:xfrm>
+      </p:grpSpPr>
+      <p:sp>
+        <p:nvSpPr>
+          <p:cNvPr id="2" name="Title 1"/>
+          <p:cNvSpPr>
+            <a:spLocks noGrp="1"/>
+          </p:cNvSpPr>
+          <p:nvPr>
+            <p:ph type="title"/>
+          </p:nvPr>
+        </p:nvSpPr>
+        <p:spPr/>
+        <p:txBody>
+          <a:bodyPr/>
+          <a:lstStyle/>
+          <a:p>
+            <a:r>
+              <a:rPr lang="en-US" dirty="0" err="1"/>
+              <a:t>Subsetting</a:t>
+            </a:r>
+            <a:r>
+              <a:rPr lang="en-US" dirty="0"/>
+              <a:t> Observations</a:t>
+            </a:r>
+          </a:p>
+        </p:txBody>
+      </p:sp>
+      <p:sp>
+        <p:nvSpPr>
+          <p:cNvPr id="3" name="Content Placeholder 2"/>
+          <p:cNvSpPr>
+            <a:spLocks noGrp="1"/>
+          </p:cNvSpPr>
+          <p:nvPr>
+            <p:ph sz="half" idx="1"/>
+          </p:nvPr>
+        </p:nvSpPr>
+        <p:spPr/>
+        <p:txBody>
+          <a:bodyPr>
+            <a:normAutofit/>
+          </a:bodyPr>
+          <a:lstStyle/>
+          <a:p>
+            <a:r>
+              <a:rPr lang="en-US" dirty="0" err="1" smtClean="0"/>
+              <a:t>sample_n</a:t>
+            </a:r>
+            <a:r>
+              <a:rPr lang="en-US" dirty="0" smtClean="0"/>
+              <a:t>() and </a:t>
+            </a:r>
+            <a:r>
+              <a:rPr lang="en-US" dirty="0" err="1" smtClean="0"/>
+              <a:t>sample_frac</a:t>
+            </a:r>
+            <a:r>
+              <a:rPr lang="en-US" dirty="0" smtClean="0"/>
+              <a:t>()</a:t>
+            </a:r>
+          </a:p>
+          <a:p>
+            <a:pPr lvl="1"/>
+            <a:r>
+              <a:rPr lang="en-US" dirty="0" smtClean="0"/>
+              <a:t>First argument </a:t>
+            </a:r>
+            <a:r>
+              <a:rPr lang="en-US" dirty="0"/>
+              <a:t>is the data frame to be subset</a:t>
+            </a:r>
+          </a:p>
+          <a:p>
+            <a:pPr lvl="2"/>
+            <a:r>
+              <a:rPr lang="en-US" dirty="0"/>
+              <a:t>If using pipes, ignore this</a:t>
+            </a:r>
+          </a:p>
+          <a:p>
+            <a:pPr lvl="1"/>
+            <a:r>
+              <a:rPr lang="en-US" dirty="0"/>
+              <a:t>Second </a:t>
+            </a:r>
+            <a:r>
+              <a:rPr lang="en-US" dirty="0" smtClean="0"/>
+              <a:t>argument is the appropriate size</a:t>
+            </a:r>
+          </a:p>
+          <a:p>
+            <a:pPr lvl="2"/>
+            <a:r>
+              <a:rPr lang="en-US" dirty="0" smtClean="0"/>
+              <a:t>Integer if </a:t>
+            </a:r>
+            <a:r>
+              <a:rPr lang="en-US" dirty="0" err="1" smtClean="0"/>
+              <a:t>sample_n</a:t>
+            </a:r>
+            <a:r>
+              <a:rPr lang="en-US" dirty="0" smtClean="0"/>
+              <a:t>()</a:t>
+            </a:r>
+          </a:p>
+          <a:p>
+            <a:pPr lvl="2"/>
+            <a:r>
+              <a:rPr lang="en-US" dirty="0" smtClean="0"/>
+              <a:t>Decimal between 0 and 1 if </a:t>
+            </a:r>
+            <a:r>
+              <a:rPr lang="en-US" dirty="0" err="1" smtClean="0"/>
+              <a:t>sample_frac</a:t>
+            </a:r>
+            <a:r>
+              <a:rPr lang="en-US" dirty="0" smtClean="0"/>
+              <a:t>()</a:t>
+            </a:r>
+          </a:p>
+          <a:p>
+            <a:pPr lvl="1"/>
+            <a:r>
+              <a:rPr lang="en-US" dirty="0" smtClean="0"/>
+              <a:t>Third argument is if you want to sample with replacement (TRUE/FALSE)</a:t>
+            </a:r>
+            <a:endParaRPr lang="en-US" dirty="0"/>
+          </a:p>
+        </p:txBody>
+      </p:sp>
+      <p:pic>
+        <p:nvPicPr>
+          <p:cNvPr id="5" name="Picture 4"/>
+          <p:cNvPicPr>
+            <a:picLocks noChangeAspect="1"/>
+          </p:cNvPicPr>
+          <p:nvPr/>
+        </p:nvPicPr>
+        <p:blipFill>
+          <a:blip r:embed="rId2"/>
+          <a:stretch>
+            <a:fillRect/>
+          </a:stretch>
+        </p:blipFill>
+        <p:spPr>
+          <a:xfrm>
+            <a:off x="6149923" y="2194559"/>
+            <a:ext cx="5918200" cy="1625600"/>
+          </a:xfrm>
+          <a:prstGeom prst="rect">
+            <a:avLst/>
+          </a:prstGeom>
+        </p:spPr>
+      </p:pic>
+      <p:pic>
+        <p:nvPicPr>
+          <p:cNvPr id="6" name="Picture 5"/>
+          <p:cNvPicPr>
+            <a:picLocks noChangeAspect="1"/>
+          </p:cNvPicPr>
+          <p:nvPr/>
+        </p:nvPicPr>
+        <p:blipFill>
+          <a:blip r:embed="rId3"/>
+          <a:stretch>
+            <a:fillRect/>
+          </a:stretch>
+        </p:blipFill>
+        <p:spPr>
+          <a:xfrm>
+            <a:off x="5641923" y="3957317"/>
+            <a:ext cx="6426200" cy="2082800"/>
+          </a:xfrm>
+          <a:prstGeom prst="rect">
+            <a:avLst/>
+          </a:prstGeom>
+        </p:spPr>
+      </p:pic>
+    </p:spTree>
+    <p:extLst>
+      <p:ext uri="{BB962C8B-B14F-4D97-AF65-F5344CB8AC3E}">
+        <p14:creationId xmlns:p14="http://schemas.microsoft.com/office/powerpoint/2010/main" val="730441484"/>
+      </p:ext>
+    </p:extLst>
+  </p:cSld>
+  <p:clrMapOvr>
+    <a:masterClrMapping/>
+  </p:clrMapOvr>
+</p:sld>
+</file>
+
+<file path=ppt/slides/slide24.xml><?xml version="1.0" encoding="utf-8"?>
+<p:sld xmlns:a="http://schemas.openxmlformats.org/drawingml/2006/main" xmlns:r="http://schemas.openxmlformats.org/officeDocument/2006/relationships" xmlns:p="http://schemas.openxmlformats.org/presentationml/2006/main">
+  <p:cSld>
+    <p:spTree>
+      <p:nvGrpSpPr>
+        <p:cNvPr id="1" name=""/>
+        <p:cNvGrpSpPr/>
+        <p:nvPr/>
+      </p:nvGrpSpPr>
+      <p:grpSpPr>
+        <a:xfrm>
+          <a:off x="0" y="0"/>
+          <a:ext cx="0" cy="0"/>
+          <a:chOff x="0" y="0"/>
+          <a:chExt cx="0" cy="0"/>
+        </a:xfrm>
+      </p:grpSpPr>
+      <p:sp>
+        <p:nvSpPr>
+          <p:cNvPr id="2" name="Title 1"/>
+          <p:cNvSpPr>
+            <a:spLocks noGrp="1"/>
+          </p:cNvSpPr>
+          <p:nvPr>
+            <p:ph type="title"/>
+          </p:nvPr>
+        </p:nvSpPr>
+        <p:spPr/>
+        <p:txBody>
+          <a:bodyPr/>
+          <a:lstStyle/>
+          <a:p>
+            <a:r>
+              <a:rPr lang="en-US" dirty="0" err="1"/>
+              <a:t>Subsetting</a:t>
+            </a:r>
+            <a:r>
+              <a:rPr lang="en-US" dirty="0"/>
+              <a:t> Observations</a:t>
+            </a:r>
+          </a:p>
+        </p:txBody>
+      </p:sp>
+      <p:sp>
+        <p:nvSpPr>
+          <p:cNvPr id="3" name="Content Placeholder 2"/>
+          <p:cNvSpPr>
+            <a:spLocks noGrp="1"/>
+          </p:cNvSpPr>
+          <p:nvPr>
+            <p:ph sz="half" idx="1"/>
+          </p:nvPr>
+        </p:nvSpPr>
+        <p:spPr/>
+        <p:txBody>
+          <a:bodyPr/>
+          <a:lstStyle/>
+          <a:p>
+            <a:r>
+              <a:rPr lang="en-US" dirty="0" smtClean="0"/>
+              <a:t>slice()</a:t>
+            </a:r>
+          </a:p>
+          <a:p>
+            <a:pPr lvl="1"/>
+            <a:r>
+              <a:rPr lang="en-US" dirty="0" smtClean="0"/>
+              <a:t>First </a:t>
+            </a:r>
+            <a:r>
+              <a:rPr lang="en-US" dirty="0"/>
+              <a:t>argument is the data frame to be subset</a:t>
+            </a:r>
+          </a:p>
+          <a:p>
+            <a:pPr lvl="2"/>
+            <a:r>
+              <a:rPr lang="en-US" dirty="0"/>
+              <a:t>If using pipes, ignore this</a:t>
+            </a:r>
+          </a:p>
+          <a:p>
+            <a:pPr lvl="1"/>
+            <a:r>
+              <a:rPr lang="en-US" dirty="0" smtClean="0"/>
+              <a:t>Second argument is a vector of the rows to keep</a:t>
+            </a:r>
+          </a:p>
+          <a:p>
+            <a:pPr lvl="1"/>
+            <a:r>
+              <a:rPr lang="en-US" dirty="0" smtClean="0"/>
+              <a:t>This is based on the current ordering of data</a:t>
+            </a:r>
+            <a:endParaRPr lang="en-US" dirty="0"/>
+          </a:p>
+        </p:txBody>
+      </p:sp>
+      <p:pic>
+        <p:nvPicPr>
+          <p:cNvPr id="6" name="Picture 5"/>
+          <p:cNvPicPr>
+            <a:picLocks noChangeAspect="1"/>
+          </p:cNvPicPr>
+          <p:nvPr/>
+        </p:nvPicPr>
+        <p:blipFill>
+          <a:blip r:embed="rId2"/>
+          <a:stretch>
+            <a:fillRect/>
+          </a:stretch>
+        </p:blipFill>
+        <p:spPr>
+          <a:xfrm>
+            <a:off x="6815562" y="1785256"/>
+            <a:ext cx="4690638" cy="4769757"/>
+          </a:xfrm>
+          <a:prstGeom prst="rect">
+            <a:avLst/>
+          </a:prstGeom>
+        </p:spPr>
+      </p:pic>
+    </p:spTree>
+    <p:extLst>
+      <p:ext uri="{BB962C8B-B14F-4D97-AF65-F5344CB8AC3E}">
+        <p14:creationId xmlns:p14="http://schemas.microsoft.com/office/powerpoint/2010/main" val="225520172"/>
+      </p:ext>
+    </p:extLst>
+  </p:cSld>
+  <p:clrMapOvr>
+    <a:masterClrMapping/>
+  </p:clrMapOvr>
+</p:sld>
+</file>
+
+<file path=ppt/slides/slide25.xml><?xml version="1.0" encoding="utf-8"?>
+<p:sld xmlns:a="http://schemas.openxmlformats.org/drawingml/2006/main" xmlns:r="http://schemas.openxmlformats.org/officeDocument/2006/relationships" xmlns:p="http://schemas.openxmlformats.org/presentationml/2006/main">
+  <p:cSld>
+    <p:spTree>
+      <p:nvGrpSpPr>
+        <p:cNvPr id="1" name=""/>
+        <p:cNvGrpSpPr/>
+        <p:nvPr/>
+      </p:nvGrpSpPr>
+      <p:grpSpPr>
+        <a:xfrm>
+          <a:off x="0" y="0"/>
+          <a:ext cx="0" cy="0"/>
+          <a:chOff x="0" y="0"/>
+          <a:chExt cx="0" cy="0"/>
+        </a:xfrm>
+      </p:grpSpPr>
+      <p:sp>
+        <p:nvSpPr>
+          <p:cNvPr id="2" name="Title 1"/>
+          <p:cNvSpPr>
+            <a:spLocks noGrp="1"/>
+          </p:cNvSpPr>
+          <p:nvPr>
+            <p:ph type="title"/>
+          </p:nvPr>
+        </p:nvSpPr>
+        <p:spPr/>
+        <p:txBody>
+          <a:bodyPr/>
+          <a:lstStyle/>
+          <a:p>
+            <a:r>
+              <a:rPr lang="en-US" dirty="0" err="1" smtClean="0"/>
+              <a:t>Subsetting</a:t>
+            </a:r>
+            <a:r>
+              <a:rPr lang="en-US" dirty="0" smtClean="0"/>
+              <a:t> variables</a:t>
+            </a:r>
+            <a:endParaRPr lang="en-US" dirty="0"/>
+          </a:p>
+        </p:txBody>
+      </p:sp>
+      <p:sp>
+        <p:nvSpPr>
+          <p:cNvPr id="3" name="Content Placeholder 2"/>
+          <p:cNvSpPr>
+            <a:spLocks noGrp="1"/>
+          </p:cNvSpPr>
+          <p:nvPr>
+            <p:ph sz="half" idx="1"/>
+          </p:nvPr>
+        </p:nvSpPr>
+        <p:spPr>
+          <a:xfrm>
+            <a:off x="685800" y="2194559"/>
+            <a:ext cx="5334000" cy="4456612"/>
+          </a:xfrm>
+        </p:spPr>
+        <p:txBody>
+          <a:bodyPr>
+            <a:normAutofit fontScale="92500" lnSpcReduction="10000"/>
+          </a:bodyPr>
+          <a:lstStyle/>
+          <a:p>
+            <a:r>
+              <a:rPr lang="en-US" dirty="0" smtClean="0"/>
+              <a:t>select()</a:t>
+            </a:r>
+          </a:p>
+          <a:p>
+            <a:pPr lvl="1"/>
+            <a:r>
+              <a:rPr lang="en-US" dirty="0" smtClean="0"/>
+              <a:t>First argument is a data frame – ignore if using pipes</a:t>
+            </a:r>
+          </a:p>
+          <a:p>
+            <a:pPr lvl="1"/>
+            <a:r>
+              <a:rPr lang="en-US" dirty="0" smtClean="0"/>
+              <a:t>Comma separated list of columns to keep or drop</a:t>
+            </a:r>
+          </a:p>
+          <a:p>
+            <a:pPr lvl="2"/>
+            <a:r>
+              <a:rPr lang="en-US" dirty="0" smtClean="0"/>
+              <a:t>You can only keep or drop in a single select statement</a:t>
+            </a:r>
+          </a:p>
+          <a:p>
+            <a:pPr lvl="2"/>
+            <a:r>
+              <a:rPr lang="en-US" dirty="0" smtClean="0"/>
+              <a:t>You can rename columns</a:t>
+            </a:r>
+          </a:p>
+          <a:p>
+            <a:pPr lvl="3"/>
+            <a:r>
+              <a:rPr lang="en-US" dirty="0" err="1" smtClean="0"/>
+              <a:t>newName</a:t>
+            </a:r>
+            <a:r>
+              <a:rPr lang="en-US" dirty="0" smtClean="0"/>
+              <a:t> = `Old name`</a:t>
+            </a:r>
+          </a:p>
+          <a:p>
+            <a:pPr lvl="2"/>
+            <a:r>
+              <a:rPr lang="en-US" dirty="0" smtClean="0"/>
+              <a:t>Special functions to get groups of columns</a:t>
+            </a:r>
+          </a:p>
+          <a:p>
+            <a:pPr lvl="3"/>
+            <a:r>
+              <a:rPr lang="en-US" dirty="0" err="1" smtClean="0"/>
+              <a:t>starts_with</a:t>
+            </a:r>
+            <a:r>
+              <a:rPr lang="en-US" dirty="0" smtClean="0"/>
+              <a:t> / </a:t>
+            </a:r>
+            <a:r>
+              <a:rPr lang="en-US" dirty="0" err="1" smtClean="0"/>
+              <a:t>ends_with</a:t>
+            </a:r>
+            <a:endParaRPr lang="en-US" dirty="0" smtClean="0"/>
+          </a:p>
+          <a:p>
+            <a:pPr lvl="3"/>
+            <a:r>
+              <a:rPr lang="en-US" dirty="0" smtClean="0"/>
+              <a:t>contains</a:t>
+            </a:r>
+          </a:p>
+          <a:p>
+            <a:pPr lvl="3"/>
+            <a:r>
+              <a:rPr lang="en-US" dirty="0" smtClean="0"/>
+              <a:t>everything</a:t>
+            </a:r>
+          </a:p>
+          <a:p>
+            <a:pPr lvl="2"/>
+            <a:r>
+              <a:rPr lang="en-US" dirty="0" smtClean="0"/>
+              <a:t>Column names containing spaces need to be wrapped with `</a:t>
+            </a:r>
+            <a:endParaRPr lang="en-US" dirty="0"/>
+          </a:p>
+        </p:txBody>
+      </p:sp>
+      <p:pic>
+        <p:nvPicPr>
+          <p:cNvPr id="5" name="Content Placeholder 4"/>
+          <p:cNvPicPr>
+            <a:picLocks noGrp="1" noChangeAspect="1"/>
+          </p:cNvPicPr>
+          <p:nvPr>
+            <p:ph sz="half" idx="2"/>
+          </p:nvPr>
+        </p:nvPicPr>
+        <p:blipFill>
+          <a:blip r:embed="rId2"/>
+          <a:stretch>
+            <a:fillRect/>
+          </a:stretch>
+        </p:blipFill>
+        <p:spPr>
+          <a:xfrm>
+            <a:off x="6172200" y="2476833"/>
+            <a:ext cx="5334000" cy="3458496"/>
+          </a:xfrm>
+          <a:prstGeom prst="rect">
+            <a:avLst/>
+          </a:prstGeom>
+        </p:spPr>
+      </p:pic>
+    </p:spTree>
+    <p:extLst>
+      <p:ext uri="{BB962C8B-B14F-4D97-AF65-F5344CB8AC3E}">
+        <p14:creationId xmlns:p14="http://schemas.microsoft.com/office/powerpoint/2010/main" val="477923839"/>
+      </p:ext>
+    </p:extLst>
+  </p:cSld>
+  <p:clrMapOvr>
+    <a:masterClrMapping/>
+  </p:clrMapOvr>
+</p:sld>
+</file>
+
+<file path=ppt/slides/slide26.xml><?xml version="1.0" encoding="utf-8"?>
+<p:sld xmlns:a="http://schemas.openxmlformats.org/drawingml/2006/main" xmlns:r="http://schemas.openxmlformats.org/officeDocument/2006/relationships" xmlns:p="http://schemas.openxmlformats.org/presentationml/2006/main">
+  <p:cSld>
+    <p:spTree>
+      <p:nvGrpSpPr>
+        <p:cNvPr id="1" name=""/>
+        <p:cNvGrpSpPr/>
+        <p:nvPr/>
+      </p:nvGrpSpPr>
+      <p:grpSpPr>
+        <a:xfrm>
+          <a:off x="0" y="0"/>
+          <a:ext cx="0" cy="0"/>
+          <a:chOff x="0" y="0"/>
+          <a:chExt cx="0" cy="0"/>
+        </a:xfrm>
+      </p:grpSpPr>
+      <p:sp>
+        <p:nvSpPr>
+          <p:cNvPr id="2" name="Title 1"/>
+          <p:cNvSpPr>
+            <a:spLocks noGrp="1"/>
+          </p:cNvSpPr>
+          <p:nvPr>
+            <p:ph type="title"/>
+          </p:nvPr>
+        </p:nvSpPr>
+        <p:spPr/>
+        <p:txBody>
+          <a:bodyPr/>
+          <a:lstStyle/>
+          <a:p>
+            <a:r>
+              <a:rPr lang="en-US" dirty="0" smtClean="0"/>
+              <a:t>Grouping Data</a:t>
+            </a:r>
+            <a:endParaRPr lang="en-US" dirty="0"/>
+          </a:p>
+        </p:txBody>
+      </p:sp>
+      <p:sp>
+        <p:nvSpPr>
+          <p:cNvPr id="3" name="Content Placeholder 2"/>
+          <p:cNvSpPr>
+            <a:spLocks noGrp="1"/>
+          </p:cNvSpPr>
+          <p:nvPr>
+            <p:ph sz="half" idx="1"/>
+          </p:nvPr>
+        </p:nvSpPr>
+        <p:spPr/>
+        <p:txBody>
+          <a:bodyPr/>
+          <a:lstStyle/>
+          <a:p>
+            <a:r>
+              <a:rPr lang="en-US" dirty="0" err="1" smtClean="0"/>
+              <a:t>group_by</a:t>
+            </a:r>
+            <a:r>
+              <a:rPr lang="en-US" dirty="0" smtClean="0"/>
+              <a:t>()</a:t>
+            </a:r>
+            <a:endParaRPr lang="en-US" dirty="0"/>
+          </a:p>
+          <a:p>
+            <a:pPr lvl="1"/>
+            <a:r>
+              <a:rPr lang="en-US" dirty="0"/>
+              <a:t>First argument is a data frame – ignore if using </a:t>
+            </a:r>
+            <a:r>
+              <a:rPr lang="en-US" dirty="0" smtClean="0"/>
+              <a:t>pipes</a:t>
+            </a:r>
+          </a:p>
+          <a:p>
+            <a:pPr lvl="1"/>
+            <a:r>
+              <a:rPr lang="en-US" dirty="0"/>
+              <a:t>Comma separated list of columns to </a:t>
+            </a:r>
+            <a:r>
+              <a:rPr lang="en-US" dirty="0" smtClean="0"/>
+              <a:t>group by</a:t>
+            </a:r>
+          </a:p>
+          <a:p>
+            <a:pPr lvl="2"/>
+            <a:r>
+              <a:rPr lang="en-US" dirty="0" smtClean="0"/>
+              <a:t>Order implies hierarchy</a:t>
+            </a:r>
+          </a:p>
+          <a:p>
+            <a:pPr lvl="2"/>
+            <a:r>
+              <a:rPr lang="en-US" dirty="0" smtClean="0"/>
+              <a:t>Column </a:t>
+            </a:r>
+            <a:r>
+              <a:rPr lang="en-US" dirty="0"/>
+              <a:t>names containing spaces need to be wrapped with </a:t>
+            </a:r>
+            <a:r>
+              <a:rPr lang="en-US" dirty="0" smtClean="0"/>
+              <a:t>`</a:t>
+            </a:r>
+          </a:p>
+          <a:p>
+            <a:pPr lvl="1"/>
+            <a:r>
+              <a:rPr lang="en-US" b="1" dirty="0" smtClean="0"/>
+              <a:t>IMPORTANT!</a:t>
+            </a:r>
+            <a:r>
+              <a:rPr lang="en-US" dirty="0" smtClean="0"/>
+              <a:t> Most </a:t>
+            </a:r>
+            <a:r>
+              <a:rPr lang="en-US" dirty="0" err="1" smtClean="0"/>
+              <a:t>dplyr</a:t>
+            </a:r>
+            <a:r>
+              <a:rPr lang="en-US" dirty="0" smtClean="0"/>
+              <a:t> functions evaluate with respect to grouping</a:t>
+            </a:r>
+            <a:endParaRPr lang="en-US" dirty="0"/>
+          </a:p>
+          <a:p>
+            <a:r>
+              <a:rPr lang="en-US" dirty="0" smtClean="0"/>
+              <a:t>ungroup()</a:t>
+            </a:r>
+          </a:p>
+          <a:p>
+            <a:pPr lvl="1"/>
+            <a:r>
+              <a:rPr lang="en-US" dirty="0" smtClean="0"/>
+              <a:t>Removes all grouping information</a:t>
+            </a:r>
+          </a:p>
+          <a:p>
+            <a:pPr lvl="2"/>
+            <a:endParaRPr lang="en-US" dirty="0"/>
+          </a:p>
+          <a:p>
+            <a:pPr lvl="1"/>
+            <a:endParaRPr lang="en-US" dirty="0"/>
+          </a:p>
+          <a:p>
+            <a:endParaRPr lang="en-US" dirty="0"/>
+          </a:p>
+        </p:txBody>
+      </p:sp>
+      <p:pic>
+        <p:nvPicPr>
+          <p:cNvPr id="6" name="Picture 5"/>
+          <p:cNvPicPr>
+            <a:picLocks noChangeAspect="1"/>
+          </p:cNvPicPr>
+          <p:nvPr/>
+        </p:nvPicPr>
+        <p:blipFill>
+          <a:blip r:embed="rId2"/>
+          <a:stretch>
+            <a:fillRect/>
+          </a:stretch>
+        </p:blipFill>
+        <p:spPr>
+          <a:xfrm>
+            <a:off x="6019800" y="2062554"/>
+            <a:ext cx="6048828" cy="4156130"/>
+          </a:xfrm>
+          <a:prstGeom prst="rect">
+            <a:avLst/>
+          </a:prstGeom>
+        </p:spPr>
+      </p:pic>
+    </p:spTree>
+    <p:extLst>
+      <p:ext uri="{BB962C8B-B14F-4D97-AF65-F5344CB8AC3E}">
+        <p14:creationId xmlns:p14="http://schemas.microsoft.com/office/powerpoint/2010/main" val="862998141"/>
+      </p:ext>
+    </p:extLst>
+  </p:cSld>
+  <p:clrMapOvr>
+    <a:masterClrMapping/>
+  </p:clrMapOvr>
+</p:sld>
+</file>
+
+<file path=ppt/slides/slide27.xml><?xml version="1.0" encoding="utf-8"?>
+<p:sld xmlns:a="http://schemas.openxmlformats.org/drawingml/2006/main" xmlns:r="http://schemas.openxmlformats.org/officeDocument/2006/relationships" xmlns:p="http://schemas.openxmlformats.org/presentationml/2006/main">
+  <p:cSld>
+    <p:spTree>
+      <p:nvGrpSpPr>
+        <p:cNvPr id="1" name=""/>
+        <p:cNvGrpSpPr/>
+        <p:nvPr/>
+      </p:nvGrpSpPr>
+      <p:grpSpPr>
+        <a:xfrm>
+          <a:off x="0" y="0"/>
+          <a:ext cx="0" cy="0"/>
+          <a:chOff x="0" y="0"/>
+          <a:chExt cx="0" cy="0"/>
+        </a:xfrm>
+      </p:grpSpPr>
+      <p:sp>
+        <p:nvSpPr>
+          <p:cNvPr id="2" name="Title 1"/>
+          <p:cNvSpPr>
+            <a:spLocks noGrp="1"/>
+          </p:cNvSpPr>
+          <p:nvPr>
+            <p:ph type="title"/>
+          </p:nvPr>
+        </p:nvSpPr>
+        <p:spPr/>
+        <p:txBody>
+          <a:bodyPr/>
+          <a:lstStyle/>
+          <a:p>
+            <a:r>
+              <a:rPr lang="en-US" dirty="0" smtClean="0"/>
+              <a:t>Summarizing Data</a:t>
+            </a:r>
+            <a:endParaRPr lang="en-US" dirty="0"/>
+          </a:p>
+        </p:txBody>
+      </p:sp>
+      <p:sp>
+        <p:nvSpPr>
+          <p:cNvPr id="3" name="Content Placeholder 2"/>
+          <p:cNvSpPr>
+            <a:spLocks noGrp="1"/>
+          </p:cNvSpPr>
+          <p:nvPr>
+            <p:ph sz="half" idx="1"/>
+          </p:nvPr>
+        </p:nvSpPr>
+        <p:spPr/>
+        <p:txBody>
+          <a:bodyPr/>
+          <a:lstStyle/>
+          <a:p>
+            <a:r>
+              <a:rPr lang="en-US" dirty="0" err="1" smtClean="0"/>
+              <a:t>summarise</a:t>
+            </a:r>
+            <a:r>
+              <a:rPr lang="en-US" dirty="0" smtClean="0"/>
+              <a:t>() or summarize()</a:t>
+            </a:r>
+            <a:endParaRPr lang="en-US" dirty="0"/>
+          </a:p>
+          <a:p>
+            <a:pPr lvl="1"/>
+            <a:r>
+              <a:rPr lang="en-US" dirty="0"/>
+              <a:t>First argument is a data frame – ignore if using pipes</a:t>
+            </a:r>
+          </a:p>
+          <a:p>
+            <a:pPr lvl="1"/>
+            <a:r>
+              <a:rPr lang="en-US" dirty="0"/>
+              <a:t>Comma separated list of </a:t>
+            </a:r>
+            <a:r>
+              <a:rPr lang="en-US" dirty="0" smtClean="0"/>
+              <a:t>summarizations to compute</a:t>
+            </a:r>
+          </a:p>
+          <a:p>
+            <a:pPr lvl="2"/>
+            <a:r>
+              <a:rPr lang="en-US" dirty="0"/>
+              <a:t>s</a:t>
+            </a:r>
+            <a:r>
+              <a:rPr lang="en-US" dirty="0" smtClean="0"/>
+              <a:t>ummary = </a:t>
+            </a:r>
+            <a:r>
+              <a:rPr lang="en-US" dirty="0" err="1" smtClean="0"/>
+              <a:t>someOperation</a:t>
+            </a:r>
+            <a:endParaRPr lang="en-US" dirty="0" smtClean="0"/>
+          </a:p>
+          <a:p>
+            <a:pPr lvl="1"/>
+            <a:r>
+              <a:rPr lang="en-US" dirty="0" smtClean="0"/>
+              <a:t>Relies on </a:t>
+            </a:r>
+            <a:r>
+              <a:rPr lang="en-US" dirty="0" err="1" smtClean="0"/>
+              <a:t>group_by</a:t>
+            </a:r>
+            <a:r>
+              <a:rPr lang="en-US" dirty="0" smtClean="0"/>
+              <a:t> to be effective</a:t>
+            </a:r>
+          </a:p>
+          <a:p>
+            <a:pPr lvl="2"/>
+            <a:r>
+              <a:rPr lang="en-US" dirty="0" smtClean="0"/>
+              <a:t>After summarization is complete, the </a:t>
+            </a:r>
+            <a:r>
+              <a:rPr lang="en-US" dirty="0" err="1" smtClean="0"/>
+              <a:t>group_by</a:t>
+            </a:r>
+            <a:r>
+              <a:rPr lang="en-US" dirty="0" smtClean="0"/>
+              <a:t> hierarchy has it’s lowest level dropped</a:t>
+            </a:r>
+            <a:endParaRPr lang="en-US" dirty="0"/>
+          </a:p>
+          <a:p>
+            <a:pPr lvl="2"/>
+            <a:endParaRPr lang="en-US" dirty="0"/>
+          </a:p>
+          <a:p>
+            <a:endParaRPr lang="en-US" dirty="0"/>
+          </a:p>
+        </p:txBody>
+      </p:sp>
+      <p:pic>
+        <p:nvPicPr>
+          <p:cNvPr id="5" name="Content Placeholder 4"/>
+          <p:cNvPicPr>
+            <a:picLocks noGrp="1" noChangeAspect="1"/>
+          </p:cNvPicPr>
+          <p:nvPr>
+            <p:ph sz="half" idx="2"/>
+          </p:nvPr>
+        </p:nvPicPr>
+        <p:blipFill>
+          <a:blip r:embed="rId2"/>
+          <a:stretch>
+            <a:fillRect/>
+          </a:stretch>
+        </p:blipFill>
+        <p:spPr>
+          <a:xfrm>
+            <a:off x="6704391" y="2193925"/>
+            <a:ext cx="4798236" cy="4522561"/>
+          </a:xfrm>
+          <a:prstGeom prst="rect">
+            <a:avLst/>
+          </a:prstGeom>
+        </p:spPr>
+      </p:pic>
+    </p:spTree>
+    <p:extLst>
+      <p:ext uri="{BB962C8B-B14F-4D97-AF65-F5344CB8AC3E}">
+        <p14:creationId xmlns:p14="http://schemas.microsoft.com/office/powerpoint/2010/main" val="558159122"/>
+      </p:ext>
+    </p:extLst>
+  </p:cSld>
+  <p:clrMapOvr>
+    <a:masterClrMapping/>
+  </p:clrMapOvr>
+</p:sld>
+</file>
+
+<file path=ppt/slides/slide28.xml><?xml version="1.0" encoding="utf-8"?>
+<p:sld xmlns:a="http://schemas.openxmlformats.org/drawingml/2006/main" xmlns:r="http://schemas.openxmlformats.org/officeDocument/2006/relationships" xmlns:p="http://schemas.openxmlformats.org/presentationml/2006/main">
+  <p:cSld>
+    <p:spTree>
+      <p:nvGrpSpPr>
+        <p:cNvPr id="1" name=""/>
+        <p:cNvGrpSpPr/>
+        <p:nvPr/>
+      </p:nvGrpSpPr>
+      <p:grpSpPr>
+        <a:xfrm>
+          <a:off x="0" y="0"/>
+          <a:ext cx="0" cy="0"/>
+          <a:chOff x="0" y="0"/>
+          <a:chExt cx="0" cy="0"/>
+        </a:xfrm>
+      </p:grpSpPr>
+      <p:sp>
+        <p:nvSpPr>
+          <p:cNvPr id="2" name="Title 1"/>
+          <p:cNvSpPr>
+            <a:spLocks noGrp="1"/>
+          </p:cNvSpPr>
+          <p:nvPr>
+            <p:ph type="title"/>
+          </p:nvPr>
+        </p:nvSpPr>
+        <p:spPr/>
+        <p:txBody>
+          <a:bodyPr/>
+          <a:lstStyle/>
+          <a:p>
+            <a:r>
+              <a:rPr lang="en-US" dirty="0" smtClean="0"/>
+              <a:t>Making new variables</a:t>
+            </a:r>
+            <a:endParaRPr lang="en-US" dirty="0"/>
+          </a:p>
+        </p:txBody>
+      </p:sp>
+      <p:sp>
+        <p:nvSpPr>
+          <p:cNvPr id="3" name="Content Placeholder 2"/>
+          <p:cNvSpPr>
+            <a:spLocks noGrp="1"/>
+          </p:cNvSpPr>
+          <p:nvPr>
+            <p:ph sz="half" idx="1"/>
+          </p:nvPr>
+        </p:nvSpPr>
+        <p:spPr/>
+        <p:txBody>
+          <a:bodyPr>
+            <a:normAutofit lnSpcReduction="10000"/>
+          </a:bodyPr>
+          <a:lstStyle/>
+          <a:p>
+            <a:r>
+              <a:rPr lang="en-US" dirty="0" smtClean="0"/>
+              <a:t>mutate()</a:t>
+            </a:r>
+          </a:p>
+          <a:p>
+            <a:pPr lvl="1"/>
+            <a:r>
+              <a:rPr lang="en-US" dirty="0"/>
+              <a:t>First argument is a data frame – ignore if using pipes</a:t>
+            </a:r>
+          </a:p>
+          <a:p>
+            <a:pPr lvl="1"/>
+            <a:r>
+              <a:rPr lang="en-US" dirty="0"/>
+              <a:t>Comma separated list of </a:t>
+            </a:r>
+            <a:r>
+              <a:rPr lang="en-US" dirty="0" smtClean="0"/>
+              <a:t>changes to make</a:t>
+            </a:r>
+          </a:p>
+          <a:p>
+            <a:pPr lvl="2"/>
+            <a:r>
+              <a:rPr lang="en-US" dirty="0" err="1" smtClean="0"/>
+              <a:t>newColumn</a:t>
+            </a:r>
+            <a:r>
+              <a:rPr lang="en-US" dirty="0" smtClean="0"/>
+              <a:t> = </a:t>
+            </a:r>
+            <a:r>
+              <a:rPr lang="en-US" dirty="0" err="1" smtClean="0"/>
+              <a:t>someOperation</a:t>
+            </a:r>
+            <a:endParaRPr lang="en-US" dirty="0" smtClean="0"/>
+          </a:p>
+          <a:p>
+            <a:pPr lvl="1"/>
+            <a:r>
+              <a:rPr lang="en-US" dirty="0" smtClean="0"/>
+              <a:t>While multiple mutations can be applied in single statement, they happen simultaneously so you cannot chain them together</a:t>
+            </a:r>
+          </a:p>
+          <a:p>
+            <a:pPr lvl="1"/>
+            <a:r>
+              <a:rPr lang="en-US" dirty="0" smtClean="0"/>
+              <a:t>Respects </a:t>
+            </a:r>
+            <a:r>
+              <a:rPr lang="en-US" dirty="0" err="1" smtClean="0"/>
+              <a:t>group_by</a:t>
+            </a:r>
+            <a:r>
+              <a:rPr lang="en-US" dirty="0" smtClean="0"/>
+              <a:t>()</a:t>
+            </a:r>
+          </a:p>
+          <a:p>
+            <a:pPr lvl="1"/>
+            <a:r>
+              <a:rPr lang="en-US" dirty="0" smtClean="0"/>
+              <a:t>Mutations work exactly as they do in base R</a:t>
+            </a:r>
+            <a:endParaRPr lang="en-US" dirty="0"/>
+          </a:p>
+          <a:p>
+            <a:pPr lvl="1"/>
+            <a:endParaRPr lang="en-US" dirty="0"/>
+          </a:p>
+        </p:txBody>
+      </p:sp>
+      <p:pic>
+        <p:nvPicPr>
+          <p:cNvPr id="5" name="Content Placeholder 4"/>
+          <p:cNvPicPr>
+            <a:picLocks noGrp="1" noChangeAspect="1"/>
+          </p:cNvPicPr>
+          <p:nvPr>
+            <p:ph sz="half" idx="2"/>
+          </p:nvPr>
+        </p:nvPicPr>
+        <p:blipFill>
+          <a:blip r:embed="rId2"/>
+          <a:stretch>
+            <a:fillRect/>
+          </a:stretch>
+        </p:blipFill>
+        <p:spPr>
+          <a:xfrm>
+            <a:off x="6150428" y="2057401"/>
+            <a:ext cx="5952899" cy="4365965"/>
+          </a:xfrm>
+          <a:prstGeom prst="rect">
+            <a:avLst/>
+          </a:prstGeom>
+        </p:spPr>
+      </p:pic>
+    </p:spTree>
+    <p:extLst>
+      <p:ext uri="{BB962C8B-B14F-4D97-AF65-F5344CB8AC3E}">
+        <p14:creationId xmlns:p14="http://schemas.microsoft.com/office/powerpoint/2010/main" val="314675402"/>
+      </p:ext>
+    </p:extLst>
+  </p:cSld>
+  <p:clrMapOvr>
+    <a:masterClrMapping/>
+  </p:clrMapOvr>
+</p:sld>
+</file>
+
+<file path=ppt/slides/slide29.xml><?xml version="1.0" encoding="utf-8"?>
+<p:sld xmlns:a="http://schemas.openxmlformats.org/drawingml/2006/main" xmlns:r="http://schemas.openxmlformats.org/officeDocument/2006/relationships" xmlns:p="http://schemas.openxmlformats.org/presentationml/2006/main">
+  <p:cSld>
+    <p:spTree>
+      <p:nvGrpSpPr>
+        <p:cNvPr id="1" name=""/>
+        <p:cNvGrpSpPr/>
+        <p:nvPr/>
+      </p:nvGrpSpPr>
+      <p:grpSpPr>
+        <a:xfrm>
+          <a:off x="0" y="0"/>
+          <a:ext cx="0" cy="0"/>
+          <a:chOff x="0" y="0"/>
+          <a:chExt cx="0" cy="0"/>
+        </a:xfrm>
+      </p:grpSpPr>
+      <p:sp>
+        <p:nvSpPr>
+          <p:cNvPr id="2" name="Title 1"/>
+          <p:cNvSpPr>
+            <a:spLocks noGrp="1"/>
+          </p:cNvSpPr>
+          <p:nvPr>
+            <p:ph type="title"/>
+          </p:nvPr>
+        </p:nvSpPr>
+        <p:spPr/>
+        <p:txBody>
+          <a:bodyPr/>
+          <a:lstStyle/>
+          <a:p>
+            <a:r>
+              <a:rPr lang="en-US" dirty="0" smtClean="0"/>
+              <a:t>Combining data</a:t>
+            </a:r>
+            <a:endParaRPr lang="en-US" dirty="0"/>
+          </a:p>
+        </p:txBody>
+      </p:sp>
+      <p:sp>
+        <p:nvSpPr>
+          <p:cNvPr id="6" name="Content Placeholder 5"/>
+          <p:cNvSpPr>
+            <a:spLocks noGrp="1"/>
+          </p:cNvSpPr>
+          <p:nvPr>
+            <p:ph idx="1"/>
+          </p:nvPr>
+        </p:nvSpPr>
+        <p:spPr/>
+        <p:txBody>
+          <a:bodyPr/>
+          <a:lstStyle/>
+          <a:p>
+            <a:r>
+              <a:rPr lang="en-US" dirty="0" smtClean="0"/>
+              <a:t>Advanced Topic</a:t>
+            </a:r>
+          </a:p>
+          <a:p>
+            <a:r>
+              <a:rPr lang="en-US" dirty="0" smtClean="0"/>
+              <a:t>Provides access to SQL-like joins</a:t>
+            </a:r>
+          </a:p>
+          <a:p>
+            <a:pPr lvl="1"/>
+            <a:r>
+              <a:rPr lang="en-US" dirty="0" smtClean="0"/>
+              <a:t>Left joins</a:t>
+            </a:r>
+          </a:p>
+          <a:p>
+            <a:pPr lvl="1"/>
+            <a:r>
+              <a:rPr lang="en-US" dirty="0" smtClean="0"/>
+              <a:t>Inner joins</a:t>
+            </a:r>
+          </a:p>
+          <a:p>
+            <a:pPr lvl="1"/>
+            <a:r>
+              <a:rPr lang="en-US" dirty="0" smtClean="0"/>
+              <a:t>Outer joins</a:t>
+            </a:r>
+          </a:p>
+          <a:p>
+            <a:pPr lvl="1"/>
+            <a:r>
+              <a:rPr lang="en-US" dirty="0" smtClean="0"/>
+              <a:t>Anti joins</a:t>
+            </a:r>
+          </a:p>
+          <a:p>
+            <a:r>
+              <a:rPr lang="en-US" dirty="0" smtClean="0"/>
+              <a:t>Lots of examples online</a:t>
+            </a:r>
+            <a:endParaRPr lang="en-US" dirty="0"/>
+          </a:p>
+        </p:txBody>
+      </p:sp>
+    </p:spTree>
+    <p:extLst>
+      <p:ext uri="{BB962C8B-B14F-4D97-AF65-F5344CB8AC3E}">
+        <p14:creationId xmlns:p14="http://schemas.microsoft.com/office/powerpoint/2010/main" val="1175026642"/>
       </p:ext>
     </p:extLst>
   </p:cSld>
@@ -6410,9 +9515,10 @@
           <a:lstStyle/>
           <a:p>
             <a:r>
-              <a:rPr lang="en-US" dirty="0"/>
-              <a:t>What is R?</a:t>
-            </a:r>
+              <a:rPr lang="en-US" dirty="0" smtClean="0"/>
+              <a:t>The problem with Excel</a:t>
+            </a:r>
+            <a:endParaRPr lang="en-US" dirty="0"/>
           </a:p>
         </p:txBody>
       </p:sp>
@@ -6423,6 +9529,114 @@
             <a:spLocks noGrp="1"/>
           </p:cNvSpPr>
           <p:nvPr>
+            <p:ph idx="1"/>
+          </p:nvPr>
+        </p:nvSpPr>
+        <p:spPr/>
+        <p:txBody>
+          <a:bodyPr/>
+          <a:lstStyle/>
+          <a:p>
+            <a:r>
+              <a:rPr lang="en-US" dirty="0" smtClean="0"/>
+              <a:t>No log of what steps were taken to arrive at an answer</a:t>
+            </a:r>
+            <a:endParaRPr lang="en-US" dirty="0"/>
+          </a:p>
+          <a:p>
+            <a:pPr lvl="1"/>
+            <a:r>
+              <a:rPr lang="en-US" dirty="0"/>
+              <a:t>If </a:t>
+            </a:r>
+            <a:r>
+              <a:rPr lang="en-US" dirty="0" smtClean="0"/>
+              <a:t>any </a:t>
+            </a:r>
+            <a:r>
+              <a:rPr lang="en-US" dirty="0"/>
+              <a:t>iteration is required to obtain all results (adjusting filters, etc.) </a:t>
+            </a:r>
+            <a:r>
+              <a:rPr lang="en-US" dirty="0" smtClean="0"/>
+              <a:t>this can result in numbers that can’t be reproduced</a:t>
+            </a:r>
+          </a:p>
+          <a:p>
+            <a:r>
+              <a:rPr lang="en-US" dirty="0" smtClean="0"/>
+              <a:t>Any number can just be typed into any cell – where’d it come from?</a:t>
+            </a:r>
+          </a:p>
+          <a:p>
+            <a:r>
+              <a:rPr lang="en-US" dirty="0" smtClean="0"/>
+              <a:t>Not an uncommon problem</a:t>
+            </a:r>
+            <a:endParaRPr lang="en-US" dirty="0"/>
+          </a:p>
+        </p:txBody>
+      </p:sp>
+    </p:spTree>
+    <p:extLst>
+      <p:ext uri="{BB962C8B-B14F-4D97-AF65-F5344CB8AC3E}">
+        <p14:creationId xmlns:p14="http://schemas.microsoft.com/office/powerpoint/2010/main" val="1081881958"/>
+      </p:ext>
+    </p:extLst>
+  </p:cSld>
+  <p:clrMapOvr>
+    <a:masterClrMapping/>
+  </p:clrMapOvr>
+</p:sld>
+</file>
+
+<file path=ppt/slides/slide30.xml><?xml version="1.0" encoding="utf-8"?>
+<p:sld xmlns:a="http://schemas.openxmlformats.org/drawingml/2006/main" xmlns:r="http://schemas.openxmlformats.org/officeDocument/2006/relationships" xmlns:p="http://schemas.openxmlformats.org/presentationml/2006/main">
+  <p:cSld>
+    <p:spTree>
+      <p:nvGrpSpPr>
+        <p:cNvPr id="1" name=""/>
+        <p:cNvGrpSpPr/>
+        <p:nvPr/>
+      </p:nvGrpSpPr>
+      <p:grpSpPr>
+        <a:xfrm>
+          <a:off x="0" y="0"/>
+          <a:ext cx="0" cy="0"/>
+          <a:chOff x="0" y="0"/>
+          <a:chExt cx="0" cy="0"/>
+        </a:xfrm>
+      </p:grpSpPr>
+      <p:sp>
+        <p:nvSpPr>
+          <p:cNvPr id="2" name="Title 1"/>
+          <p:cNvSpPr>
+            <a:spLocks noGrp="1"/>
+          </p:cNvSpPr>
+          <p:nvPr>
+            <p:ph type="title"/>
+          </p:nvPr>
+        </p:nvSpPr>
+        <p:spPr/>
+        <p:txBody>
+          <a:bodyPr/>
+          <a:lstStyle/>
+          <a:p>
+            <a:r>
+              <a:rPr lang="en-US" dirty="0" err="1" smtClean="0"/>
+              <a:t>tidyr</a:t>
+            </a:r>
+            <a:endParaRPr lang="en-US" dirty="0"/>
+          </a:p>
+        </p:txBody>
+      </p:sp>
+      <p:sp>
+        <p:nvSpPr>
+          <p:cNvPr id="3" name="Content Placeholder 2"/>
+          <p:cNvSpPr>
+            <a:spLocks noGrp="1"/>
+          </p:cNvSpPr>
+          <p:nvPr>
             <p:ph sz="half" idx="1"/>
           </p:nvPr>
         </p:nvSpPr>
@@ -6432,43 +9646,44 @@
           <a:lstStyle/>
           <a:p>
             <a:r>
-              <a:rPr lang="en-US" dirty="0"/>
-              <a:t>Free and open-source software</a:t>
+              <a:rPr lang="en-US" dirty="0" smtClean="0"/>
+              <a:t>A grammar of data wrangling</a:t>
+            </a:r>
+          </a:p>
+          <a:p>
+            <a:r>
+              <a:rPr lang="en-US" dirty="0" smtClean="0"/>
+              <a:t>Built around a set of ‘verbs’</a:t>
             </a:r>
           </a:p>
           <a:p>
             <a:pPr lvl="1"/>
             <a:r>
-              <a:rPr lang="en-US" dirty="0"/>
-              <a:t>Free as in speech</a:t>
+              <a:rPr lang="en-US" dirty="0" smtClean="0"/>
+              <a:t>spread()</a:t>
             </a:r>
           </a:p>
           <a:p>
             <a:pPr lvl="1"/>
             <a:r>
-              <a:rPr lang="en-US" dirty="0"/>
-              <a:t>Free as in beer</a:t>
-            </a:r>
-          </a:p>
-          <a:p>
-            <a:r>
-              <a:rPr lang="en-US" dirty="0"/>
-              <a:t>Statistical Programming Language</a:t>
-            </a:r>
-          </a:p>
-          <a:p>
-            <a:r>
-              <a:rPr lang="en-US" dirty="0"/>
-              <a:t>One of the most popular programming languages in the world</a:t>
-            </a:r>
+              <a:rPr lang="en-US" dirty="0" smtClean="0"/>
+              <a:t>gather()</a:t>
+            </a:r>
+          </a:p>
+          <a:p>
+            <a:pPr lvl="1"/>
+            <a:endParaRPr lang="en-US" dirty="0" smtClean="0"/>
+          </a:p>
+          <a:p>
+            <a:endParaRPr lang="en-US" dirty="0"/>
           </a:p>
         </p:txBody>
       </p:sp>
       <p:pic>
         <p:nvPicPr>
-          <p:cNvPr id="1026" name="Picture 2" descr="https://www.r-project.org/logo/Rlogo.png"/>
+          <p:cNvPr id="5" name="Content Placeholder 4"/>
           <p:cNvPicPr>
-            <a:picLocks noGrp="1" noChangeAspect="1" noChangeArrowheads="1"/>
+            <a:picLocks noGrp="1" noChangeAspect="1"/>
           </p:cNvPicPr>
           <p:nvPr>
             <p:ph sz="half" idx="2"/>
@@ -6482,35 +9697,1137 @@
               </a:ext>
             </a:extLst>
           </a:blip>
-          <a:srcRect/>
           <a:stretch>
             <a:fillRect/>
           </a:stretch>
         </p:blipFill>
-        <p:spPr bwMode="auto">
-          <a:xfrm>
-            <a:off x="6539593" y="2193925"/>
-            <a:ext cx="4599214" cy="4024313"/>
-          </a:xfrm>
-          <a:prstGeom prst="rect">
-            <a:avLst/>
-          </a:prstGeom>
-          <a:noFill/>
-          <a:extLst>
-            <a:ext uri="{909E8E84-426E-40DD-AFC4-6F175D3DCCD1}">
-              <a14:hiddenFill xmlns:a14="http://schemas.microsoft.com/office/drawing/2010/main">
-                <a:solidFill>
-                  <a:srgbClr val="FFFFFF"/>
-                </a:solidFill>
-              </a14:hiddenFill>
-            </a:ext>
-          </a:extLst>
+        <p:spPr>
+          <a:xfrm>
+            <a:off x="7664450" y="2885281"/>
+            <a:ext cx="2349500" cy="2641600"/>
+          </a:xfrm>
         </p:spPr>
       </p:pic>
     </p:spTree>
     <p:extLst>
       <p:ext uri="{BB962C8B-B14F-4D97-AF65-F5344CB8AC3E}">
-        <p14:creationId xmlns:p14="http://schemas.microsoft.com/office/powerpoint/2010/main" val="2969464665"/>
+        <p14:creationId xmlns:p14="http://schemas.microsoft.com/office/powerpoint/2010/main" val="197678994"/>
+      </p:ext>
+    </p:extLst>
+  </p:cSld>
+  <p:clrMapOvr>
+    <a:masterClrMapping/>
+  </p:clrMapOvr>
+</p:sld>
+</file>
+
+<file path=ppt/slides/slide31.xml><?xml version="1.0" encoding="utf-8"?>
+<p:sld xmlns:a="http://schemas.openxmlformats.org/drawingml/2006/main" xmlns:r="http://schemas.openxmlformats.org/officeDocument/2006/relationships" xmlns:p="http://schemas.openxmlformats.org/presentationml/2006/main">
+  <p:cSld>
+    <p:spTree>
+      <p:nvGrpSpPr>
+        <p:cNvPr id="1" name=""/>
+        <p:cNvGrpSpPr/>
+        <p:nvPr/>
+      </p:nvGrpSpPr>
+      <p:grpSpPr>
+        <a:xfrm>
+          <a:off x="0" y="0"/>
+          <a:ext cx="0" cy="0"/>
+          <a:chOff x="0" y="0"/>
+          <a:chExt cx="0" cy="0"/>
+        </a:xfrm>
+      </p:grpSpPr>
+      <p:sp>
+        <p:nvSpPr>
+          <p:cNvPr id="2" name="Title 1"/>
+          <p:cNvSpPr>
+            <a:spLocks noGrp="1"/>
+          </p:cNvSpPr>
+          <p:nvPr>
+            <p:ph type="title"/>
+          </p:nvPr>
+        </p:nvSpPr>
+        <p:spPr/>
+        <p:txBody>
+          <a:bodyPr/>
+          <a:lstStyle/>
+          <a:p>
+            <a:r>
+              <a:rPr lang="en-US" dirty="0" smtClean="0"/>
+              <a:t>Tidy data</a:t>
+            </a:r>
+            <a:endParaRPr lang="en-US" dirty="0"/>
+          </a:p>
+        </p:txBody>
+      </p:sp>
+      <p:sp>
+        <p:nvSpPr>
+          <p:cNvPr id="3" name="Content Placeholder 2"/>
+          <p:cNvSpPr>
+            <a:spLocks noGrp="1"/>
+          </p:cNvSpPr>
+          <p:nvPr>
+            <p:ph sz="half" idx="1"/>
+          </p:nvPr>
+        </p:nvSpPr>
+        <p:spPr/>
+        <p:txBody>
+          <a:bodyPr/>
+          <a:lstStyle/>
+          <a:p>
+            <a:r>
+              <a:rPr lang="en-US" dirty="0"/>
+              <a:t>A dataset is said to be tidy if it satisfies the following conditions</a:t>
+            </a:r>
+          </a:p>
+          <a:p>
+            <a:pPr lvl="1"/>
+            <a:r>
+              <a:rPr lang="en-US" dirty="0"/>
+              <a:t>observations are in rows</a:t>
+            </a:r>
+          </a:p>
+          <a:p>
+            <a:pPr lvl="1"/>
+            <a:r>
+              <a:rPr lang="en-US" dirty="0"/>
+              <a:t>variables are in columns</a:t>
+            </a:r>
+          </a:p>
+          <a:p>
+            <a:pPr lvl="1"/>
+            <a:r>
+              <a:rPr lang="en-US" dirty="0"/>
+              <a:t>contained in a single dataset.</a:t>
+            </a:r>
+          </a:p>
+          <a:p>
+            <a:r>
+              <a:rPr lang="en-US" dirty="0"/>
+              <a:t>Tidy data makes it easy to carry out data analysis.</a:t>
+            </a:r>
+          </a:p>
+          <a:p>
+            <a:endParaRPr lang="en-US" dirty="0"/>
+          </a:p>
+        </p:txBody>
+      </p:sp>
+      <p:pic>
+        <p:nvPicPr>
+          <p:cNvPr id="5" name="Content Placeholder 4"/>
+          <p:cNvPicPr>
+            <a:picLocks noGrp="1" noChangeAspect="1"/>
+          </p:cNvPicPr>
+          <p:nvPr>
+            <p:ph sz="half" idx="2"/>
+          </p:nvPr>
+        </p:nvPicPr>
+        <p:blipFill>
+          <a:blip r:embed="rId2"/>
+          <a:stretch>
+            <a:fillRect/>
+          </a:stretch>
+        </p:blipFill>
+        <p:spPr>
+          <a:xfrm>
+            <a:off x="6346371" y="2400922"/>
+            <a:ext cx="5334000" cy="1563805"/>
+          </a:xfrm>
+          <a:prstGeom prst="rect">
+            <a:avLst/>
+          </a:prstGeom>
+        </p:spPr>
+      </p:pic>
+    </p:spTree>
+    <p:extLst>
+      <p:ext uri="{BB962C8B-B14F-4D97-AF65-F5344CB8AC3E}">
+        <p14:creationId xmlns:p14="http://schemas.microsoft.com/office/powerpoint/2010/main" val="470927146"/>
+      </p:ext>
+    </p:extLst>
+  </p:cSld>
+  <p:clrMapOvr>
+    <a:masterClrMapping/>
+  </p:clrMapOvr>
+</p:sld>
+</file>
+
+<file path=ppt/slides/slide32.xml><?xml version="1.0" encoding="utf-8"?>
+<p:sld xmlns:a="http://schemas.openxmlformats.org/drawingml/2006/main" xmlns:r="http://schemas.openxmlformats.org/officeDocument/2006/relationships" xmlns:p="http://schemas.openxmlformats.org/presentationml/2006/main">
+  <p:cSld>
+    <p:spTree>
+      <p:nvGrpSpPr>
+        <p:cNvPr id="1" name=""/>
+        <p:cNvGrpSpPr/>
+        <p:nvPr/>
+      </p:nvGrpSpPr>
+      <p:grpSpPr>
+        <a:xfrm>
+          <a:off x="0" y="0"/>
+          <a:ext cx="0" cy="0"/>
+          <a:chOff x="0" y="0"/>
+          <a:chExt cx="0" cy="0"/>
+        </a:xfrm>
+      </p:grpSpPr>
+      <p:sp>
+        <p:nvSpPr>
+          <p:cNvPr id="2" name="Title 1"/>
+          <p:cNvSpPr>
+            <a:spLocks noGrp="1"/>
+          </p:cNvSpPr>
+          <p:nvPr>
+            <p:ph type="title"/>
+          </p:nvPr>
+        </p:nvSpPr>
+        <p:spPr/>
+        <p:txBody>
+          <a:bodyPr/>
+          <a:lstStyle/>
+          <a:p>
+            <a:r>
+              <a:rPr lang="en-US" dirty="0" smtClean="0"/>
+              <a:t>Pivot Data</a:t>
+            </a:r>
+            <a:endParaRPr lang="en-US" dirty="0"/>
+          </a:p>
+        </p:txBody>
+      </p:sp>
+      <p:sp>
+        <p:nvSpPr>
+          <p:cNvPr id="3" name="Content Placeholder 2"/>
+          <p:cNvSpPr>
+            <a:spLocks noGrp="1"/>
+          </p:cNvSpPr>
+          <p:nvPr>
+            <p:ph sz="half" idx="1"/>
+          </p:nvPr>
+        </p:nvSpPr>
+        <p:spPr/>
+        <p:txBody>
+          <a:bodyPr/>
+          <a:lstStyle/>
+          <a:p>
+            <a:r>
+              <a:rPr lang="en-US" dirty="0" smtClean="0"/>
+              <a:t>spread()</a:t>
+            </a:r>
+          </a:p>
+          <a:p>
+            <a:pPr lvl="1"/>
+            <a:r>
+              <a:rPr lang="en-US" dirty="0"/>
+              <a:t>First argument is a data frame – ignore if using pipes</a:t>
+            </a:r>
+          </a:p>
+          <a:p>
+            <a:pPr lvl="1"/>
+            <a:r>
+              <a:rPr lang="en-US" dirty="0" smtClean="0"/>
+              <a:t>Second argument is the column which contains values which need to be turned into columns</a:t>
+            </a:r>
+          </a:p>
+          <a:p>
+            <a:pPr lvl="1"/>
+            <a:r>
+              <a:rPr lang="en-US" dirty="0" smtClean="0"/>
+              <a:t>Third argument is the column which contains the values to populate the new columns</a:t>
+            </a:r>
+          </a:p>
+          <a:p>
+            <a:pPr lvl="1"/>
+            <a:r>
+              <a:rPr lang="en-US" dirty="0" smtClean="0"/>
+              <a:t>Optional argument ’fill’ allows you to specify what value to use when no value exists in the original data</a:t>
+            </a:r>
+            <a:endParaRPr lang="en-US" dirty="0"/>
+          </a:p>
+        </p:txBody>
+      </p:sp>
+      <p:pic>
+        <p:nvPicPr>
+          <p:cNvPr id="5" name="Content Placeholder 4"/>
+          <p:cNvPicPr>
+            <a:picLocks noGrp="1" noChangeAspect="1"/>
+          </p:cNvPicPr>
+          <p:nvPr>
+            <p:ph sz="half" idx="2"/>
+          </p:nvPr>
+        </p:nvPicPr>
+        <p:blipFill>
+          <a:blip r:embed="rId2"/>
+          <a:stretch>
+            <a:fillRect/>
+          </a:stretch>
+        </p:blipFill>
+        <p:spPr>
+          <a:xfrm>
+            <a:off x="6172200" y="2938271"/>
+            <a:ext cx="5334000" cy="2535620"/>
+          </a:xfrm>
+          <a:prstGeom prst="rect">
+            <a:avLst/>
+          </a:prstGeom>
+        </p:spPr>
+      </p:pic>
+    </p:spTree>
+    <p:extLst>
+      <p:ext uri="{BB962C8B-B14F-4D97-AF65-F5344CB8AC3E}">
+        <p14:creationId xmlns:p14="http://schemas.microsoft.com/office/powerpoint/2010/main" val="607687038"/>
+      </p:ext>
+    </p:extLst>
+  </p:cSld>
+  <p:clrMapOvr>
+    <a:masterClrMapping/>
+  </p:clrMapOvr>
+</p:sld>
+</file>
+
+<file path=ppt/slides/slide33.xml><?xml version="1.0" encoding="utf-8"?>
+<p:sld xmlns:a="http://schemas.openxmlformats.org/drawingml/2006/main" xmlns:r="http://schemas.openxmlformats.org/officeDocument/2006/relationships" xmlns:p="http://schemas.openxmlformats.org/presentationml/2006/main">
+  <p:cSld>
+    <p:spTree>
+      <p:nvGrpSpPr>
+        <p:cNvPr id="1" name=""/>
+        <p:cNvGrpSpPr/>
+        <p:nvPr/>
+      </p:nvGrpSpPr>
+      <p:grpSpPr>
+        <a:xfrm>
+          <a:off x="0" y="0"/>
+          <a:ext cx="0" cy="0"/>
+          <a:chOff x="0" y="0"/>
+          <a:chExt cx="0" cy="0"/>
+        </a:xfrm>
+      </p:grpSpPr>
+      <p:sp>
+        <p:nvSpPr>
+          <p:cNvPr id="2" name="Title 1"/>
+          <p:cNvSpPr>
+            <a:spLocks noGrp="1"/>
+          </p:cNvSpPr>
+          <p:nvPr>
+            <p:ph type="title"/>
+          </p:nvPr>
+        </p:nvSpPr>
+        <p:spPr/>
+        <p:txBody>
+          <a:bodyPr/>
+          <a:lstStyle/>
+          <a:p>
+            <a:r>
+              <a:rPr lang="en-US" dirty="0" smtClean="0"/>
+              <a:t>Pivot Data</a:t>
+            </a:r>
+            <a:endParaRPr lang="en-US" dirty="0"/>
+          </a:p>
+        </p:txBody>
+      </p:sp>
+      <p:sp>
+        <p:nvSpPr>
+          <p:cNvPr id="3" name="Content Placeholder 2"/>
+          <p:cNvSpPr>
+            <a:spLocks noGrp="1"/>
+          </p:cNvSpPr>
+          <p:nvPr>
+            <p:ph sz="half" idx="1"/>
+          </p:nvPr>
+        </p:nvSpPr>
+        <p:spPr>
+          <a:xfrm>
+            <a:off x="685800" y="2194559"/>
+            <a:ext cx="4953000" cy="4024125"/>
+          </a:xfrm>
+        </p:spPr>
+        <p:txBody>
+          <a:bodyPr/>
+          <a:lstStyle/>
+          <a:p>
+            <a:r>
+              <a:rPr lang="en-US" dirty="0" smtClean="0"/>
+              <a:t>Wanted to understand how the use of MCC affected cost of treatments</a:t>
+            </a:r>
+          </a:p>
+          <a:p>
+            <a:r>
+              <a:rPr lang="en-US" dirty="0" smtClean="0"/>
+              <a:t>Did some filtering, mutating to get variables correct</a:t>
+            </a:r>
+          </a:p>
+          <a:p>
+            <a:r>
+              <a:rPr lang="en-US" dirty="0" smtClean="0"/>
+              <a:t>Summarized the data</a:t>
+            </a:r>
+          </a:p>
+          <a:p>
+            <a:r>
+              <a:rPr lang="en-US" dirty="0" smtClean="0"/>
+              <a:t>Spread allows the direct comparison of w/MCC and w/o MCC treatments</a:t>
+            </a:r>
+          </a:p>
+        </p:txBody>
+      </p:sp>
+      <p:pic>
+        <p:nvPicPr>
+          <p:cNvPr id="8" name="Content Placeholder 7"/>
+          <p:cNvPicPr>
+            <a:picLocks noGrp="1" noChangeAspect="1"/>
+          </p:cNvPicPr>
+          <p:nvPr>
+            <p:ph sz="half" idx="2"/>
+          </p:nvPr>
+        </p:nvPicPr>
+        <p:blipFill>
+          <a:blip r:embed="rId2"/>
+          <a:stretch>
+            <a:fillRect/>
+          </a:stretch>
+        </p:blipFill>
+        <p:spPr>
+          <a:xfrm>
+            <a:off x="5781357" y="2057402"/>
+            <a:ext cx="6322438" cy="4161282"/>
+          </a:xfrm>
+          <a:prstGeom prst="rect">
+            <a:avLst/>
+          </a:prstGeom>
+        </p:spPr>
+      </p:pic>
+    </p:spTree>
+    <p:extLst>
+      <p:ext uri="{BB962C8B-B14F-4D97-AF65-F5344CB8AC3E}">
+        <p14:creationId xmlns:p14="http://schemas.microsoft.com/office/powerpoint/2010/main" val="1864092135"/>
+      </p:ext>
+    </p:extLst>
+  </p:cSld>
+  <p:clrMapOvr>
+    <a:masterClrMapping/>
+  </p:clrMapOvr>
+</p:sld>
+</file>
+
+<file path=ppt/slides/slide34.xml><?xml version="1.0" encoding="utf-8"?>
+<p:sld xmlns:a="http://schemas.openxmlformats.org/drawingml/2006/main" xmlns:r="http://schemas.openxmlformats.org/officeDocument/2006/relationships" xmlns:p="http://schemas.openxmlformats.org/presentationml/2006/main">
+  <p:cSld>
+    <p:spTree>
+      <p:nvGrpSpPr>
+        <p:cNvPr id="1" name=""/>
+        <p:cNvGrpSpPr/>
+        <p:nvPr/>
+      </p:nvGrpSpPr>
+      <p:grpSpPr>
+        <a:xfrm>
+          <a:off x="0" y="0"/>
+          <a:ext cx="0" cy="0"/>
+          <a:chOff x="0" y="0"/>
+          <a:chExt cx="0" cy="0"/>
+        </a:xfrm>
+      </p:grpSpPr>
+      <p:sp>
+        <p:nvSpPr>
+          <p:cNvPr id="2" name="Title 1"/>
+          <p:cNvSpPr>
+            <a:spLocks noGrp="1"/>
+          </p:cNvSpPr>
+          <p:nvPr>
+            <p:ph type="title"/>
+          </p:nvPr>
+        </p:nvSpPr>
+        <p:spPr/>
+        <p:txBody>
+          <a:bodyPr/>
+          <a:lstStyle/>
+          <a:p>
+            <a:r>
+              <a:rPr lang="en-US" dirty="0" err="1" smtClean="0"/>
+              <a:t>UnPivot</a:t>
+            </a:r>
+            <a:r>
+              <a:rPr lang="en-US" dirty="0" smtClean="0"/>
+              <a:t> Data</a:t>
+            </a:r>
+            <a:endParaRPr lang="en-US" dirty="0"/>
+          </a:p>
+        </p:txBody>
+      </p:sp>
+      <p:sp>
+        <p:nvSpPr>
+          <p:cNvPr id="3" name="Content Placeholder 2"/>
+          <p:cNvSpPr>
+            <a:spLocks noGrp="1"/>
+          </p:cNvSpPr>
+          <p:nvPr>
+            <p:ph sz="half" idx="1"/>
+          </p:nvPr>
+        </p:nvSpPr>
+        <p:spPr/>
+        <p:txBody>
+          <a:bodyPr/>
+          <a:lstStyle/>
+          <a:p>
+            <a:r>
+              <a:rPr lang="en-US" dirty="0" smtClean="0"/>
+              <a:t>gather()</a:t>
+            </a:r>
+          </a:p>
+          <a:p>
+            <a:pPr lvl="1"/>
+            <a:r>
+              <a:rPr lang="en-US" dirty="0"/>
+              <a:t>First argument is a data frame – ignore if using pipes</a:t>
+            </a:r>
+          </a:p>
+          <a:p>
+            <a:pPr lvl="1"/>
+            <a:r>
+              <a:rPr lang="en-US" dirty="0" smtClean="0"/>
+              <a:t>Second argument is the name of the new column which will contain all the existing column names</a:t>
+            </a:r>
+          </a:p>
+          <a:p>
+            <a:pPr lvl="1"/>
+            <a:r>
+              <a:rPr lang="en-US" dirty="0" smtClean="0"/>
+              <a:t>Third argument is the name of the new column which will contain the values</a:t>
+            </a:r>
+          </a:p>
+          <a:p>
+            <a:pPr lvl="1"/>
+            <a:r>
+              <a:rPr lang="en-US" dirty="0" smtClean="0"/>
+              <a:t>Fourth argument is which columns to gather</a:t>
+            </a:r>
+            <a:endParaRPr lang="en-US" dirty="0"/>
+          </a:p>
+        </p:txBody>
+      </p:sp>
+      <p:pic>
+        <p:nvPicPr>
+          <p:cNvPr id="6" name="Content Placeholder 5"/>
+          <p:cNvPicPr>
+            <a:picLocks noGrp="1" noChangeAspect="1"/>
+          </p:cNvPicPr>
+          <p:nvPr>
+            <p:ph sz="half" idx="2"/>
+          </p:nvPr>
+        </p:nvPicPr>
+        <p:blipFill>
+          <a:blip r:embed="rId2"/>
+          <a:stretch>
+            <a:fillRect/>
+          </a:stretch>
+        </p:blipFill>
+        <p:spPr>
+          <a:xfrm>
+            <a:off x="6172200" y="2597791"/>
+            <a:ext cx="5334000" cy="2628750"/>
+          </a:xfrm>
+          <a:prstGeom prst="rect">
+            <a:avLst/>
+          </a:prstGeom>
+        </p:spPr>
+      </p:pic>
+    </p:spTree>
+    <p:extLst>
+      <p:ext uri="{BB962C8B-B14F-4D97-AF65-F5344CB8AC3E}">
+        <p14:creationId xmlns:p14="http://schemas.microsoft.com/office/powerpoint/2010/main" val="2123038632"/>
+      </p:ext>
+    </p:extLst>
+  </p:cSld>
+  <p:clrMapOvr>
+    <a:masterClrMapping/>
+  </p:clrMapOvr>
+</p:sld>
+</file>
+
+<file path=ppt/slides/slide35.xml><?xml version="1.0" encoding="utf-8"?>
+<p:sld xmlns:a="http://schemas.openxmlformats.org/drawingml/2006/main" xmlns:r="http://schemas.openxmlformats.org/officeDocument/2006/relationships" xmlns:p="http://schemas.openxmlformats.org/presentationml/2006/main">
+  <p:cSld>
+    <p:spTree>
+      <p:nvGrpSpPr>
+        <p:cNvPr id="1" name=""/>
+        <p:cNvGrpSpPr/>
+        <p:nvPr/>
+      </p:nvGrpSpPr>
+      <p:grpSpPr>
+        <a:xfrm>
+          <a:off x="0" y="0"/>
+          <a:ext cx="0" cy="0"/>
+          <a:chOff x="0" y="0"/>
+          <a:chExt cx="0" cy="0"/>
+        </a:xfrm>
+      </p:grpSpPr>
+      <p:sp>
+        <p:nvSpPr>
+          <p:cNvPr id="2" name="Title 1"/>
+          <p:cNvSpPr>
+            <a:spLocks noGrp="1"/>
+          </p:cNvSpPr>
+          <p:nvPr>
+            <p:ph type="title"/>
+          </p:nvPr>
+        </p:nvSpPr>
+        <p:spPr/>
+        <p:txBody>
+          <a:bodyPr/>
+          <a:lstStyle/>
+          <a:p>
+            <a:r>
+              <a:rPr lang="en-US" dirty="0" err="1" smtClean="0"/>
+              <a:t>UnPivot</a:t>
+            </a:r>
+            <a:r>
+              <a:rPr lang="en-US" dirty="0" smtClean="0"/>
+              <a:t> Data</a:t>
+            </a:r>
+            <a:endParaRPr lang="en-US" dirty="0"/>
+          </a:p>
+        </p:txBody>
+      </p:sp>
+      <p:sp>
+        <p:nvSpPr>
+          <p:cNvPr id="3" name="Content Placeholder 2"/>
+          <p:cNvSpPr>
+            <a:spLocks noGrp="1"/>
+          </p:cNvSpPr>
+          <p:nvPr>
+            <p:ph sz="half" idx="1"/>
+          </p:nvPr>
+        </p:nvSpPr>
+        <p:spPr>
+          <a:xfrm>
+            <a:off x="685800" y="2194559"/>
+            <a:ext cx="4953000" cy="4024125"/>
+          </a:xfrm>
+        </p:spPr>
+        <p:txBody>
+          <a:bodyPr/>
+          <a:lstStyle/>
+          <a:p>
+            <a:r>
+              <a:rPr lang="en-US" dirty="0" smtClean="0"/>
+              <a:t>Pivoted data is typically summarized data, so there’s been a loss of detail</a:t>
+            </a:r>
+          </a:p>
+          <a:p>
+            <a:r>
+              <a:rPr lang="en-US" dirty="0" smtClean="0"/>
+              <a:t>Pivoted data can be difficult to work with, especially from a modeling perspective</a:t>
+            </a:r>
+          </a:p>
+          <a:p>
+            <a:r>
+              <a:rPr lang="en-US" dirty="0" err="1" smtClean="0"/>
+              <a:t>Unpivoting</a:t>
+            </a:r>
+            <a:r>
+              <a:rPr lang="en-US" dirty="0" smtClean="0"/>
+              <a:t> reduces the number of columns we need to work with and makes things like mutate easier to use</a:t>
+            </a:r>
+          </a:p>
+        </p:txBody>
+      </p:sp>
+      <p:pic>
+        <p:nvPicPr>
+          <p:cNvPr id="6" name="Content Placeholder 5"/>
+          <p:cNvPicPr>
+            <a:picLocks noGrp="1" noChangeAspect="1"/>
+          </p:cNvPicPr>
+          <p:nvPr>
+            <p:ph sz="half" idx="2"/>
+          </p:nvPr>
+        </p:nvPicPr>
+        <p:blipFill>
+          <a:blip r:embed="rId2"/>
+          <a:stretch>
+            <a:fillRect/>
+          </a:stretch>
+        </p:blipFill>
+        <p:spPr>
+          <a:xfrm>
+            <a:off x="6172199" y="1932177"/>
+            <a:ext cx="5887717" cy="4392423"/>
+          </a:xfrm>
+          <a:prstGeom prst="rect">
+            <a:avLst/>
+          </a:prstGeom>
+        </p:spPr>
+      </p:pic>
+    </p:spTree>
+    <p:extLst>
+      <p:ext uri="{BB962C8B-B14F-4D97-AF65-F5344CB8AC3E}">
+        <p14:creationId xmlns:p14="http://schemas.microsoft.com/office/powerpoint/2010/main" val="1469493119"/>
+      </p:ext>
+    </p:extLst>
+  </p:cSld>
+  <p:clrMapOvr>
+    <a:masterClrMapping/>
+  </p:clrMapOvr>
+</p:sld>
+</file>
+
+<file path=ppt/slides/slide36.xml><?xml version="1.0" encoding="utf-8"?>
+<p:sld xmlns:a="http://schemas.openxmlformats.org/drawingml/2006/main" xmlns:r="http://schemas.openxmlformats.org/officeDocument/2006/relationships" xmlns:p="http://schemas.openxmlformats.org/presentationml/2006/main">
+  <p:cSld>
+    <p:spTree>
+      <p:nvGrpSpPr>
+        <p:cNvPr id="1" name=""/>
+        <p:cNvGrpSpPr/>
+        <p:nvPr/>
+      </p:nvGrpSpPr>
+      <p:grpSpPr>
+        <a:xfrm>
+          <a:off x="0" y="0"/>
+          <a:ext cx="0" cy="0"/>
+          <a:chOff x="0" y="0"/>
+          <a:chExt cx="0" cy="0"/>
+        </a:xfrm>
+      </p:grpSpPr>
+      <p:sp>
+        <p:nvSpPr>
+          <p:cNvPr id="2" name="Title 1"/>
+          <p:cNvSpPr>
+            <a:spLocks noGrp="1"/>
+          </p:cNvSpPr>
+          <p:nvPr>
+            <p:ph type="title"/>
+          </p:nvPr>
+        </p:nvSpPr>
+        <p:spPr/>
+        <p:txBody>
+          <a:bodyPr/>
+          <a:lstStyle/>
+          <a:p>
+            <a:r>
+              <a:rPr lang="en-US" dirty="0" err="1" smtClean="0"/>
+              <a:t>RMarkdown</a:t>
+            </a:r>
+            <a:endParaRPr lang="en-US" dirty="0"/>
+          </a:p>
+        </p:txBody>
+      </p:sp>
+      <p:sp>
+        <p:nvSpPr>
+          <p:cNvPr id="3" name="Text Placeholder 2"/>
+          <p:cNvSpPr>
+            <a:spLocks noGrp="1"/>
+          </p:cNvSpPr>
+          <p:nvPr>
+            <p:ph type="body" idx="1"/>
+          </p:nvPr>
+        </p:nvSpPr>
+        <p:spPr/>
+        <p:txBody>
+          <a:bodyPr/>
+          <a:lstStyle/>
+          <a:p>
+            <a:r>
+              <a:rPr lang="en-US" dirty="0" smtClean="0"/>
+              <a:t>Making making reports fast and easy</a:t>
+            </a:r>
+            <a:endParaRPr lang="en-US" dirty="0"/>
+          </a:p>
+        </p:txBody>
+      </p:sp>
+    </p:spTree>
+    <p:extLst>
+      <p:ext uri="{BB962C8B-B14F-4D97-AF65-F5344CB8AC3E}">
+        <p14:creationId xmlns:p14="http://schemas.microsoft.com/office/powerpoint/2010/main" val="2122346677"/>
+      </p:ext>
+    </p:extLst>
+  </p:cSld>
+  <p:clrMapOvr>
+    <a:masterClrMapping/>
+  </p:clrMapOvr>
+</p:sld>
+</file>
+
+<file path=ppt/slides/slide37.xml><?xml version="1.0" encoding="utf-8"?>
+<p:sld xmlns:a="http://schemas.openxmlformats.org/drawingml/2006/main" xmlns:r="http://schemas.openxmlformats.org/officeDocument/2006/relationships" xmlns:p="http://schemas.openxmlformats.org/presentationml/2006/main">
+  <p:cSld>
+    <p:spTree>
+      <p:nvGrpSpPr>
+        <p:cNvPr id="1" name=""/>
+        <p:cNvGrpSpPr/>
+        <p:nvPr/>
+      </p:nvGrpSpPr>
+      <p:grpSpPr>
+        <a:xfrm>
+          <a:off x="0" y="0"/>
+          <a:ext cx="0" cy="0"/>
+          <a:chOff x="0" y="0"/>
+          <a:chExt cx="0" cy="0"/>
+        </a:xfrm>
+      </p:grpSpPr>
+      <p:sp>
+        <p:nvSpPr>
+          <p:cNvPr id="4" name="Title 3"/>
+          <p:cNvSpPr>
+            <a:spLocks noGrp="1"/>
+          </p:cNvSpPr>
+          <p:nvPr>
+            <p:ph type="title"/>
+          </p:nvPr>
+        </p:nvSpPr>
+        <p:spPr/>
+        <p:txBody>
+          <a:bodyPr/>
+          <a:lstStyle/>
+          <a:p>
+            <a:r>
+              <a:rPr lang="en-US" dirty="0" err="1" smtClean="0"/>
+              <a:t>RMarkdown</a:t>
+            </a:r>
+            <a:endParaRPr lang="en-US" dirty="0"/>
+          </a:p>
+        </p:txBody>
+      </p:sp>
+      <p:pic>
+        <p:nvPicPr>
+          <p:cNvPr id="9" name="Content Placeholder 8"/>
+          <p:cNvPicPr>
+            <a:picLocks noGrp="1" noChangeAspect="1"/>
+          </p:cNvPicPr>
+          <p:nvPr>
+            <p:ph sz="half" idx="2"/>
+          </p:nvPr>
+        </p:nvPicPr>
+        <p:blipFill>
+          <a:blip r:embed="rId2"/>
+          <a:stretch>
+            <a:fillRect/>
+          </a:stretch>
+        </p:blipFill>
+        <p:spPr>
+          <a:xfrm>
+            <a:off x="1807029" y="1683689"/>
+            <a:ext cx="8859757" cy="4849921"/>
+          </a:xfrm>
+          <a:prstGeom prst="rect">
+            <a:avLst/>
+          </a:prstGeom>
+        </p:spPr>
+      </p:pic>
+    </p:spTree>
+    <p:extLst>
+      <p:ext uri="{BB962C8B-B14F-4D97-AF65-F5344CB8AC3E}">
+        <p14:creationId xmlns:p14="http://schemas.microsoft.com/office/powerpoint/2010/main" val="302571991"/>
+      </p:ext>
+    </p:extLst>
+  </p:cSld>
+  <p:clrMapOvr>
+    <a:masterClrMapping/>
+  </p:clrMapOvr>
+</p:sld>
+</file>
+
+<file path=ppt/slides/slide38.xml><?xml version="1.0" encoding="utf-8"?>
+<p:sld xmlns:a="http://schemas.openxmlformats.org/drawingml/2006/main" xmlns:r="http://schemas.openxmlformats.org/officeDocument/2006/relationships" xmlns:p="http://schemas.openxmlformats.org/presentationml/2006/main">
+  <p:cSld>
+    <p:spTree>
+      <p:nvGrpSpPr>
+        <p:cNvPr id="1" name=""/>
+        <p:cNvGrpSpPr/>
+        <p:nvPr/>
+      </p:nvGrpSpPr>
+      <p:grpSpPr>
+        <a:xfrm>
+          <a:off x="0" y="0"/>
+          <a:ext cx="0" cy="0"/>
+          <a:chOff x="0" y="0"/>
+          <a:chExt cx="0" cy="0"/>
+        </a:xfrm>
+      </p:grpSpPr>
+      <p:sp>
+        <p:nvSpPr>
+          <p:cNvPr id="2" name="Title 1"/>
+          <p:cNvSpPr>
+            <a:spLocks noGrp="1"/>
+          </p:cNvSpPr>
+          <p:nvPr>
+            <p:ph type="title"/>
+          </p:nvPr>
+        </p:nvSpPr>
+        <p:spPr/>
+        <p:txBody>
+          <a:bodyPr/>
+          <a:lstStyle/>
+          <a:p>
+            <a:r>
+              <a:rPr lang="en-US" dirty="0" smtClean="0"/>
+              <a:t>Resources</a:t>
+            </a:r>
+            <a:endParaRPr lang="en-US" dirty="0"/>
+          </a:p>
+        </p:txBody>
+      </p:sp>
+      <p:sp>
+        <p:nvSpPr>
+          <p:cNvPr id="3" name="Text Placeholder 2"/>
+          <p:cNvSpPr>
+            <a:spLocks noGrp="1"/>
+          </p:cNvSpPr>
+          <p:nvPr>
+            <p:ph type="body" idx="1"/>
+          </p:nvPr>
+        </p:nvSpPr>
+        <p:spPr/>
+        <p:txBody>
+          <a:bodyPr/>
+          <a:lstStyle/>
+          <a:p>
+            <a:endParaRPr lang="en-US"/>
+          </a:p>
+        </p:txBody>
+      </p:sp>
+    </p:spTree>
+    <p:extLst>
+      <p:ext uri="{BB962C8B-B14F-4D97-AF65-F5344CB8AC3E}">
+        <p14:creationId xmlns:p14="http://schemas.microsoft.com/office/powerpoint/2010/main" val="806204884"/>
+      </p:ext>
+    </p:extLst>
+  </p:cSld>
+  <p:clrMapOvr>
+    <a:masterClrMapping/>
+  </p:clrMapOvr>
+</p:sld>
+</file>
+
+<file path=ppt/slides/slide39.xml><?xml version="1.0" encoding="utf-8"?>
+<p:sld xmlns:a="http://schemas.openxmlformats.org/drawingml/2006/main" xmlns:r="http://schemas.openxmlformats.org/officeDocument/2006/relationships" xmlns:p="http://schemas.openxmlformats.org/presentationml/2006/main">
+  <p:cSld>
+    <p:spTree>
+      <p:nvGrpSpPr>
+        <p:cNvPr id="1" name=""/>
+        <p:cNvGrpSpPr/>
+        <p:nvPr/>
+      </p:nvGrpSpPr>
+      <p:grpSpPr>
+        <a:xfrm>
+          <a:off x="0" y="0"/>
+          <a:ext cx="0" cy="0"/>
+          <a:chOff x="0" y="0"/>
+          <a:chExt cx="0" cy="0"/>
+        </a:xfrm>
+      </p:grpSpPr>
+      <p:sp>
+        <p:nvSpPr>
+          <p:cNvPr id="2" name="Title 1"/>
+          <p:cNvSpPr>
+            <a:spLocks noGrp="1"/>
+          </p:cNvSpPr>
+          <p:nvPr>
+            <p:ph type="title"/>
+          </p:nvPr>
+        </p:nvSpPr>
+        <p:spPr/>
+        <p:txBody>
+          <a:bodyPr/>
+          <a:lstStyle/>
+          <a:p>
+            <a:endParaRPr lang="en-US"/>
+          </a:p>
+        </p:txBody>
+      </p:sp>
+      <p:sp>
+        <p:nvSpPr>
+          <p:cNvPr id="3" name="Content Placeholder 2"/>
+          <p:cNvSpPr>
+            <a:spLocks noGrp="1"/>
+          </p:cNvSpPr>
+          <p:nvPr>
+            <p:ph idx="1"/>
+          </p:nvPr>
+        </p:nvSpPr>
+        <p:spPr/>
+        <p:txBody>
+          <a:bodyPr/>
+          <a:lstStyle/>
+          <a:p>
+            <a:r>
+              <a:rPr lang="en-US" dirty="0"/>
+              <a:t>Download </a:t>
+            </a:r>
+            <a:r>
+              <a:rPr lang="en-US" dirty="0" smtClean="0"/>
+              <a:t>R </a:t>
+            </a:r>
+          </a:p>
+          <a:p>
+            <a:pPr lvl="1"/>
+            <a:r>
+              <a:rPr lang="en-US" dirty="0" smtClean="0">
+                <a:hlinkClick r:id="rId2"/>
+              </a:rPr>
+              <a:t>https</a:t>
+            </a:r>
+            <a:r>
+              <a:rPr lang="en-US" dirty="0">
+                <a:hlinkClick r:id="rId2"/>
+              </a:rPr>
+              <a:t>://cran.rstudio.com</a:t>
+            </a:r>
+            <a:r>
+              <a:rPr lang="en-US" dirty="0" smtClean="0">
+                <a:hlinkClick r:id="rId2"/>
+              </a:rPr>
+              <a:t>/</a:t>
+            </a:r>
+            <a:endParaRPr lang="en-US" dirty="0" smtClean="0"/>
+          </a:p>
+          <a:p>
+            <a:r>
+              <a:rPr lang="en-US" dirty="0" smtClean="0"/>
+              <a:t>Download </a:t>
+            </a:r>
+            <a:r>
+              <a:rPr lang="en-US" dirty="0" err="1" smtClean="0"/>
+              <a:t>RStudio</a:t>
+            </a:r>
+            <a:r>
+              <a:rPr lang="en-US" dirty="0"/>
+              <a:t> </a:t>
+            </a:r>
+            <a:endParaRPr lang="en-US" dirty="0" smtClean="0"/>
+          </a:p>
+          <a:p>
+            <a:pPr lvl="1"/>
+            <a:r>
+              <a:rPr lang="en-US" dirty="0" smtClean="0">
+                <a:hlinkClick r:id="rId3"/>
+              </a:rPr>
+              <a:t>https</a:t>
+            </a:r>
+            <a:r>
+              <a:rPr lang="en-US" dirty="0">
+                <a:hlinkClick r:id="rId3"/>
+              </a:rPr>
+              <a:t>://www.rstudio.com/products/rstudio</a:t>
+            </a:r>
+            <a:r>
+              <a:rPr lang="en-US" dirty="0" smtClean="0">
+                <a:hlinkClick r:id="rId3"/>
+              </a:rPr>
+              <a:t>/</a:t>
+            </a:r>
+            <a:endParaRPr lang="en-US" dirty="0" smtClean="0"/>
+          </a:p>
+          <a:p>
+            <a:r>
+              <a:rPr lang="en-US" dirty="0" err="1" smtClean="0"/>
+              <a:t>RStudio</a:t>
+            </a:r>
+            <a:r>
+              <a:rPr lang="en-US" dirty="0" smtClean="0"/>
+              <a:t> Webinars (additional learning)</a:t>
+            </a:r>
+          </a:p>
+          <a:p>
+            <a:pPr lvl="1"/>
+            <a:r>
+              <a:rPr lang="en-US" dirty="0">
+                <a:hlinkClick r:id="rId4"/>
+              </a:rPr>
+              <a:t>https://www.rstudio.com/resources/webinars</a:t>
+            </a:r>
+            <a:r>
+              <a:rPr lang="en-US" dirty="0" smtClean="0">
+                <a:hlinkClick r:id="rId4"/>
+              </a:rPr>
+              <a:t>/</a:t>
+            </a:r>
+            <a:r>
+              <a:rPr lang="en-US" dirty="0" smtClean="0"/>
+              <a:t> </a:t>
+            </a:r>
+          </a:p>
+          <a:p>
+            <a:pPr lvl="1"/>
+            <a:r>
+              <a:rPr lang="en-US" dirty="0">
+                <a:hlinkClick r:id="rId5"/>
+              </a:rPr>
+              <a:t>https://www.rstudio.com/resources/webinars/data-wrangling-with-r-and-rstudio</a:t>
+            </a:r>
+            <a:r>
+              <a:rPr lang="en-US" dirty="0" smtClean="0">
+                <a:hlinkClick r:id="rId5"/>
+              </a:rPr>
+              <a:t>/</a:t>
+            </a:r>
+            <a:r>
+              <a:rPr lang="en-US" dirty="0" smtClean="0"/>
+              <a:t> </a:t>
+            </a:r>
+          </a:p>
+          <a:p>
+            <a:pPr lvl="1"/>
+            <a:r>
+              <a:rPr lang="en-US" dirty="0">
+                <a:hlinkClick r:id="rId6"/>
+              </a:rPr>
+              <a:t>https://www.rstudio.com</a:t>
+            </a:r>
+            <a:r>
+              <a:rPr lang="en-US">
+                <a:hlinkClick r:id="rId6"/>
+              </a:rPr>
+              <a:t>/resources/webinars/reproducible-reporting</a:t>
+            </a:r>
+            <a:r>
+              <a:rPr lang="en-US" smtClean="0">
+                <a:hlinkClick r:id="rId6"/>
+              </a:rPr>
+              <a:t>/</a:t>
+            </a:r>
+            <a:r>
+              <a:rPr lang="en-US" smtClean="0"/>
+              <a:t> </a:t>
+            </a:r>
+            <a:endParaRPr lang="en-US"/>
+          </a:p>
+          <a:p>
+            <a:r>
+              <a:rPr lang="en-US" dirty="0" err="1" smtClean="0"/>
+              <a:t>Cheatsheets</a:t>
+            </a:r>
+            <a:r>
+              <a:rPr lang="en-US" dirty="0"/>
+              <a:t>, example code and this </a:t>
+            </a:r>
+            <a:r>
+              <a:rPr lang="en-US" dirty="0" smtClean="0"/>
+              <a:t>presentation</a:t>
+            </a:r>
+          </a:p>
+          <a:p>
+            <a:pPr lvl="1"/>
+            <a:r>
+              <a:rPr lang="en-US" dirty="0" smtClean="0">
+                <a:hlinkClick r:id="rId7"/>
+              </a:rPr>
+              <a:t>https</a:t>
+            </a:r>
+            <a:r>
+              <a:rPr lang="en-US" dirty="0">
+                <a:hlinkClick r:id="rId7"/>
+              </a:rPr>
+              <a:t>://</a:t>
+            </a:r>
+            <a:r>
+              <a:rPr lang="en-US" dirty="0" smtClean="0">
+                <a:hlinkClick r:id="rId7"/>
+              </a:rPr>
+              <a:t>github.com/bmewing/TCQF2016</a:t>
+            </a:r>
+            <a:endParaRPr lang="en-US" dirty="0"/>
+          </a:p>
+        </p:txBody>
+      </p:sp>
+    </p:spTree>
+    <p:extLst>
+      <p:ext uri="{BB962C8B-B14F-4D97-AF65-F5344CB8AC3E}">
+        <p14:creationId xmlns:p14="http://schemas.microsoft.com/office/powerpoint/2010/main" val="600268451"/>
       </p:ext>
     </p:extLst>
   </p:cSld>
@@ -6547,129 +10864,81 @@
             <p:ph type="title"/>
           </p:nvPr>
         </p:nvSpPr>
+        <p:spPr>
+          <a:xfrm>
+            <a:off x="2024743" y="764373"/>
+            <a:ext cx="9481457" cy="1293028"/>
+          </a:xfrm>
+        </p:spPr>
+        <p:txBody>
+          <a:bodyPr/>
+          <a:lstStyle/>
+          <a:p>
+            <a:r>
+              <a:rPr lang="en-US" dirty="0" smtClean="0"/>
+              <a:t>Why a </a:t>
+            </a:r>
+            <a:r>
+              <a:rPr lang="en-US" smtClean="0"/>
+              <a:t>programming language?</a:t>
+            </a:r>
+            <a:endParaRPr lang="en-US"/>
+          </a:p>
+        </p:txBody>
+      </p:sp>
+      <p:sp>
+        <p:nvSpPr>
+          <p:cNvPr id="3" name="Content Placeholder 2"/>
+          <p:cNvSpPr>
+            <a:spLocks noGrp="1"/>
+          </p:cNvSpPr>
+          <p:nvPr>
+            <p:ph idx="1"/>
+          </p:nvPr>
+        </p:nvSpPr>
         <p:spPr/>
         <p:txBody>
           <a:bodyPr/>
           <a:lstStyle/>
           <a:p>
             <a:r>
-              <a:rPr lang="en-US" dirty="0"/>
-              <a:t>Why use </a:t>
-            </a:r>
-            <a:r>
-              <a:rPr lang="en-US" dirty="0" err="1"/>
-              <a:t>Rstudio</a:t>
-            </a:r>
-            <a:r>
-              <a:rPr lang="en-US" dirty="0"/>
-              <a:t>?</a:t>
-            </a:r>
-          </a:p>
-        </p:txBody>
-      </p:sp>
-      <p:sp>
-        <p:nvSpPr>
-          <p:cNvPr id="3" name="Content Placeholder 2"/>
-          <p:cNvSpPr>
-            <a:spLocks noGrp="1"/>
-          </p:cNvSpPr>
-          <p:nvPr>
-            <p:ph sz="half" idx="1"/>
-          </p:nvPr>
-        </p:nvSpPr>
-        <p:spPr/>
-        <p:txBody>
-          <a:bodyPr/>
-          <a:lstStyle/>
-          <a:p>
-            <a:r>
-              <a:rPr lang="en-US" dirty="0"/>
-              <a:t>Integrated development environment</a:t>
+              <a:rPr lang="en-US" dirty="0" smtClean="0"/>
+              <a:t>With a programming language, every step is explicitly listed</a:t>
             </a:r>
           </a:p>
           <a:p>
             <a:pPr lvl="1"/>
             <a:r>
-              <a:rPr lang="en-US" dirty="0"/>
-              <a:t>Syntax highlighting</a:t>
+              <a:rPr lang="en-US" dirty="0" smtClean="0"/>
+              <a:t>Can be commented to provide insight to each step</a:t>
+            </a:r>
+          </a:p>
+          <a:p>
+            <a:r>
+              <a:rPr lang="en-US" dirty="0" smtClean="0"/>
+              <a:t>Code can be run on updated data with (usually) no extra effort</a:t>
+            </a:r>
+          </a:p>
+          <a:p>
+            <a:r>
+              <a:rPr lang="en-US" dirty="0" smtClean="0"/>
+              <a:t>Programming languages are computer agnostic – what runs on your computer will run other other computers too</a:t>
             </a:r>
           </a:p>
           <a:p>
             <a:pPr lvl="1"/>
             <a:r>
-              <a:rPr lang="en-US" dirty="0"/>
-              <a:t>Error warnings</a:t>
-            </a:r>
-          </a:p>
-          <a:p>
-            <a:pPr lvl="1"/>
-            <a:r>
-              <a:rPr lang="en-US" dirty="0"/>
-              <a:t>Auto completion</a:t>
-            </a:r>
-          </a:p>
-          <a:p>
-            <a:pPr lvl="1"/>
-            <a:r>
-              <a:rPr lang="en-US" dirty="0"/>
-              <a:t>Visual environments</a:t>
-            </a:r>
-          </a:p>
-          <a:p>
-            <a:r>
-              <a:rPr lang="en-US" dirty="0"/>
-              <a:t>Free as in beer*</a:t>
-            </a:r>
-          </a:p>
-        </p:txBody>
-      </p:sp>
-      <p:pic>
-        <p:nvPicPr>
-          <p:cNvPr id="2050" name="Picture 2" descr="Image result for rstudio logo"/>
-          <p:cNvPicPr>
-            <a:picLocks noGrp="1" noChangeAspect="1" noChangeArrowheads="1"/>
-          </p:cNvPicPr>
-          <p:nvPr>
-            <p:ph sz="half" idx="2"/>
-          </p:nvPr>
-        </p:nvPicPr>
-        <p:blipFill>
-          <a:blip r:embed="rId2">
-            <a:extLst>
-              <a:ext uri="{28A0092B-C50C-407E-A947-70E740481C1C}">
-                <a14:useLocalDpi xmlns:a14="http://schemas.microsoft.com/office/drawing/2010/main" val="0"/>
-              </a:ext>
-            </a:extLst>
-          </a:blip>
-          <a:srcRect/>
-          <a:stretch>
-            <a:fillRect/>
-          </a:stretch>
-        </p:blipFill>
-        <p:spPr bwMode="auto">
-          <a:xfrm>
-            <a:off x="6172200" y="3269964"/>
-            <a:ext cx="5334000" cy="1872234"/>
-          </a:xfrm>
-          <a:prstGeom prst="rect">
-            <a:avLst/>
-          </a:prstGeom>
-          <a:noFill/>
-          <a:extLst>
-            <a:ext uri="{909E8E84-426E-40DD-AFC4-6F175D3DCCD1}">
-              <a14:hiddenFill xmlns:a14="http://schemas.microsoft.com/office/drawing/2010/main">
-                <a:solidFill>
-                  <a:srgbClr val="FFFFFF"/>
-                </a:solidFill>
-              </a14:hiddenFill>
-            </a:ext>
-          </a:extLst>
-        </p:spPr>
-      </p:pic>
+              <a:rPr lang="en-US" dirty="0" smtClean="0"/>
+              <a:t>Often free, so there’s no need for them to own potentially expensive software</a:t>
+            </a:r>
+            <a:endParaRPr lang="en-US" dirty="0"/>
+          </a:p>
+        </p:txBody>
+      </p:sp>
     </p:spTree>
     <p:extLst>
       <p:ext uri="{BB962C8B-B14F-4D97-AF65-F5344CB8AC3E}">
-        <p14:creationId xmlns:p14="http://schemas.microsoft.com/office/powerpoint/2010/main" val="809443666"/>
+        <p14:creationId xmlns:p14="http://schemas.microsoft.com/office/powerpoint/2010/main" val="1539948451"/>
       </p:ext>
     </p:extLst>
   </p:cSld>
@@ -6713,24 +10982,19 @@
           <a:p>
             <a:r>
               <a:rPr lang="en-US" dirty="0"/>
-              <a:t>Projects in </a:t>
-            </a:r>
-            <a:r>
-              <a:rPr lang="en-US" dirty="0" err="1"/>
-              <a:t>Rstudio</a:t>
-            </a:r>
-            <a:endParaRPr lang="en-US" dirty="0"/>
-          </a:p>
-        </p:txBody>
-      </p:sp>
-      <p:sp>
-        <p:nvSpPr>
-          <p:cNvPr id="3" name="Content Placeholder 2"/>
-          <p:cNvSpPr>
-            <a:spLocks noGrp="1"/>
-          </p:cNvSpPr>
-          <p:nvPr>
-            <p:ph sz="half" idx="1"/>
+              <a:t>Introduction to R</a:t>
+            </a:r>
+          </a:p>
+        </p:txBody>
+      </p:sp>
+      <p:sp>
+        <p:nvSpPr>
+          <p:cNvPr id="3" name="Text Placeholder 2"/>
+          <p:cNvSpPr>
+            <a:spLocks noGrp="1"/>
+          </p:cNvSpPr>
+          <p:nvPr>
+            <p:ph type="body" idx="1"/>
           </p:nvPr>
         </p:nvSpPr>
         <p:spPr/>
@@ -6738,52 +11002,14 @@
           <a:bodyPr/>
           <a:lstStyle/>
           <a:p>
-            <a:r>
-              <a:rPr lang="en-US" dirty="0"/>
-              <a:t>Projects help you keep everything organized</a:t>
-            </a:r>
-          </a:p>
-          <a:p>
-            <a:r>
-              <a:rPr lang="en-US" dirty="0"/>
-              <a:t>Critical to achieving reproducible analysis</a:t>
-            </a:r>
-          </a:p>
-          <a:p>
-            <a:endParaRPr lang="en-US" dirty="0"/>
-          </a:p>
-        </p:txBody>
-      </p:sp>
-      <p:pic>
-        <p:nvPicPr>
-          <p:cNvPr id="5" name="Content Placeholder 4"/>
-          <p:cNvPicPr>
-            <a:picLocks noGrp="1" noChangeAspect="1"/>
-          </p:cNvPicPr>
-          <p:nvPr>
-            <p:ph sz="half" idx="2"/>
-          </p:nvPr>
-        </p:nvPicPr>
-        <p:blipFill>
-          <a:blip r:embed="rId2"/>
-          <a:stretch>
-            <a:fillRect/>
-          </a:stretch>
-        </p:blipFill>
-        <p:spPr>
-          <a:xfrm>
-            <a:off x="6258247" y="2363224"/>
-            <a:ext cx="5161905" cy="3685714"/>
-          </a:xfrm>
-          <a:prstGeom prst="rect">
-            <a:avLst/>
-          </a:prstGeom>
-        </p:spPr>
-      </p:pic>
+            <a:endParaRPr lang="en-US"/>
+          </a:p>
+        </p:txBody>
+      </p:sp>
     </p:spTree>
     <p:extLst>
       <p:ext uri="{BB962C8B-B14F-4D97-AF65-F5344CB8AC3E}">
-        <p14:creationId xmlns:p14="http://schemas.microsoft.com/office/powerpoint/2010/main" val="3927777770"/>
+        <p14:creationId xmlns:p14="http://schemas.microsoft.com/office/powerpoint/2010/main" val="2818559042"/>
       </p:ext>
     </p:extLst>
   </p:cSld>
@@ -6827,7 +11053,7 @@
           <a:p>
             <a:r>
               <a:rPr lang="en-US" dirty="0"/>
-              <a:t>Variables in R</a:t>
+              <a:t>What is R?</a:t>
             </a:r>
           </a:p>
         </p:txBody>
@@ -6849,71 +11075,84 @@
           <a:p>
             <a:r>
               <a:rPr lang="en-US" dirty="0"/>
-              <a:t>Must begin with a letter</a:t>
-            </a:r>
-          </a:p>
-          <a:p>
-            <a:r>
-              <a:rPr lang="en-US" dirty="0"/>
-              <a:t>May contain numbers, ‘_’ and ‘.’</a:t>
-            </a:r>
-          </a:p>
-          <a:p>
-            <a:r>
-              <a:rPr lang="en-US" dirty="0"/>
-              <a:t>Case sensitive</a:t>
-            </a:r>
-          </a:p>
-          <a:p>
-            <a:r>
-              <a:rPr lang="en-US" dirty="0"/>
-              <a:t>Use &lt;- or = to assign names to values</a:t>
-            </a:r>
-          </a:p>
-          <a:p>
-            <a:r>
-              <a:rPr lang="en-US" dirty="0"/>
-              <a:t>Variables do not have a type</a:t>
-            </a:r>
-          </a:p>
-          <a:p>
-            <a:r>
-              <a:rPr lang="en-US" dirty="0"/>
-              <a:t>Functions and variables can have the same name – R will intuit which one you want based on how you use it</a:t>
+              <a:t>Free and open-source software</a:t>
+            </a:r>
+          </a:p>
+          <a:p>
+            <a:pPr lvl="1"/>
+            <a:r>
+              <a:rPr lang="en-US" dirty="0"/>
+              <a:t>Free as in speech</a:t>
+            </a:r>
+          </a:p>
+          <a:p>
+            <a:pPr lvl="1"/>
+            <a:r>
+              <a:rPr lang="en-US" dirty="0"/>
+              <a:t>Free as in beer</a:t>
+            </a:r>
+          </a:p>
+          <a:p>
+            <a:r>
+              <a:rPr lang="en-US" dirty="0"/>
+              <a:t>Statistical Programming Language</a:t>
+            </a:r>
+          </a:p>
+          <a:p>
+            <a:r>
+              <a:rPr lang="en-US" dirty="0"/>
+              <a:t>One of the most popular programming languages in the world</a:t>
             </a:r>
           </a:p>
         </p:txBody>
       </p:sp>
       <p:pic>
         <p:nvPicPr>
-          <p:cNvPr id="6" name="Content Placeholder 5"/>
+          <p:cNvPr id="1026" name="Picture 2" descr="https://www.r-project.org/logo/Rlogo.png"/>
           <p:cNvPicPr>
-            <a:picLocks noGrp="1" noChangeAspect="1"/>
+            <a:picLocks noGrp="1" noChangeAspect="1" noChangeArrowheads="1"/>
           </p:cNvPicPr>
           <p:nvPr>
             <p:ph sz="half" idx="2"/>
           </p:nvPr>
         </p:nvPicPr>
         <p:blipFill>
-          <a:blip r:embed="rId2"/>
+          <a:blip r:embed="rId2">
+            <a:extLst>
+              <a:ext uri="{28A0092B-C50C-407E-A947-70E740481C1C}">
+                <a14:useLocalDpi xmlns:a14="http://schemas.microsoft.com/office/drawing/2010/main" val="0"/>
+              </a:ext>
+            </a:extLst>
+          </a:blip>
+          <a:srcRect/>
           <a:stretch>
             <a:fillRect/>
           </a:stretch>
         </p:blipFill>
-        <p:spPr>
-          <a:xfrm>
-            <a:off x="7668393" y="2271264"/>
-            <a:ext cx="2660550" cy="3638868"/>
+        <p:spPr bwMode="auto">
+          <a:xfrm>
+            <a:off x="6539593" y="2193925"/>
+            <a:ext cx="4599214" cy="4024313"/>
           </a:xfrm>
           <a:prstGeom prst="rect">
             <a:avLst/>
           </a:prstGeom>
+          <a:noFill/>
+          <a:extLst>
+            <a:ext uri="{909E8E84-426E-40DD-AFC4-6F175D3DCCD1}">
+              <a14:hiddenFill xmlns:a14="http://schemas.microsoft.com/office/drawing/2010/main">
+                <a:solidFill>
+                  <a:srgbClr val="FFFFFF"/>
+                </a:solidFill>
+              </a14:hiddenFill>
+            </a:ext>
+          </a:extLst>
         </p:spPr>
       </p:pic>
     </p:spTree>
     <p:extLst>
       <p:ext uri="{BB962C8B-B14F-4D97-AF65-F5344CB8AC3E}">
-        <p14:creationId xmlns:p14="http://schemas.microsoft.com/office/powerpoint/2010/main" val="370233415"/>
+        <p14:creationId xmlns:p14="http://schemas.microsoft.com/office/powerpoint/2010/main" val="2969464665"/>
       </p:ext>
     </p:extLst>
   </p:cSld>
@@ -6957,7 +11196,15 @@
           <a:p>
             <a:r>
               <a:rPr lang="en-US" dirty="0"/>
-              <a:t>Data storage in R</a:t>
+              <a:t>Why use </a:t>
+            </a:r>
+            <a:r>
+              <a:rPr lang="en-US" dirty="0" err="1"/>
+              <a:t>Rstudio</a:t>
+            </a:r>
+            <a:r>
+              <a:rPr lang="en-US" dirty="0"/>
+              <a:t>?</a:t>
             </a:r>
           </a:p>
         </p:txBody>
@@ -6979,83 +11226,92 @@
           <a:p>
             <a:r>
               <a:rPr lang="en-US" dirty="0"/>
-              <a:t>Tables of data can be stored in data frames</a:t>
-            </a:r>
-          </a:p>
-          <a:p>
-            <a:r>
-              <a:rPr lang="en-US" dirty="0"/>
-              <a:t>Data frames have columns and rows</a:t>
-            </a:r>
-          </a:p>
-          <a:p>
-            <a:r>
-              <a:rPr lang="en-US" dirty="0"/>
-              <a:t>A column has only one type of data (numbers, letters, etc.)</a:t>
-            </a:r>
-          </a:p>
-          <a:p>
-            <a:r>
-              <a:rPr lang="en-US" dirty="0"/>
-              <a:t>Columns have names – rows do not</a:t>
+              <a:t>Integrated development environment</a:t>
+            </a:r>
+          </a:p>
+          <a:p>
+            <a:pPr lvl="1"/>
+            <a:r>
+              <a:rPr lang="en-US" dirty="0"/>
+              <a:t>Syntax highlighting</a:t>
+            </a:r>
+          </a:p>
+          <a:p>
+            <a:pPr lvl="1"/>
+            <a:r>
+              <a:rPr lang="en-US" dirty="0"/>
+              <a:t>Error warnings</a:t>
+            </a:r>
+          </a:p>
+          <a:p>
+            <a:pPr lvl="1"/>
+            <a:r>
+              <a:rPr lang="en-US" dirty="0"/>
+              <a:t>Auto completion</a:t>
+            </a:r>
+          </a:p>
+          <a:p>
+            <a:pPr lvl="1"/>
+            <a:r>
+              <a:rPr lang="en-US" dirty="0"/>
+              <a:t>Visual environments</a:t>
+            </a:r>
+          </a:p>
+          <a:p>
+            <a:r>
+              <a:rPr lang="en-US" dirty="0"/>
+              <a:t>Free as in beer*</a:t>
             </a:r>
           </a:p>
         </p:txBody>
       </p:sp>
       <p:pic>
         <p:nvPicPr>
-          <p:cNvPr id="5" name="Content Placeholder 4"/>
+          <p:cNvPr id="2050" name="Picture 2" descr="Image result for rstudio logo"/>
           <p:cNvPicPr>
-            <a:picLocks noGrp="1" noChangeAspect="1"/>
+            <a:picLocks noGrp="1" noChangeAspect="1" noChangeArrowheads="1"/>
           </p:cNvPicPr>
           <p:nvPr>
             <p:ph sz="half" idx="2"/>
           </p:nvPr>
         </p:nvPicPr>
         <p:blipFill>
-          <a:blip r:embed="rId2"/>
+          <a:blip r:embed="rId2">
+            <a:extLst>
+              <a:ext uri="{28A0092B-C50C-407E-A947-70E740481C1C}">
+                <a14:useLocalDpi xmlns:a14="http://schemas.microsoft.com/office/drawing/2010/main" val="0"/>
+              </a:ext>
+            </a:extLst>
+          </a:blip>
+          <a:srcRect/>
           <a:stretch>
             <a:fillRect/>
           </a:stretch>
         </p:blipFill>
-        <p:spPr>
-          <a:xfrm>
-            <a:off x="6405866" y="2016839"/>
-            <a:ext cx="4866667" cy="2161905"/>
+        <p:spPr bwMode="auto">
+          <a:xfrm>
+            <a:off x="6172200" y="3269964"/>
+            <a:ext cx="5334000" cy="1872234"/>
           </a:xfrm>
           <a:prstGeom prst="rect">
             <a:avLst/>
           </a:prstGeom>
-        </p:spPr>
-      </p:pic>
-      <p:pic>
-        <p:nvPicPr>
-          <p:cNvPr id="6" name="Picture 5"/>
-          <p:cNvPicPr>
-            <a:picLocks noChangeAspect="1"/>
-          </p:cNvPicPr>
-          <p:nvPr/>
-        </p:nvPicPr>
-        <p:blipFill>
-          <a:blip r:embed="rId3"/>
-          <a:stretch>
-            <a:fillRect/>
-          </a:stretch>
-        </p:blipFill>
-        <p:spPr>
-          <a:xfrm>
-            <a:off x="6929675" y="4375302"/>
-            <a:ext cx="3819048" cy="1914286"/>
-          </a:xfrm>
-          <a:prstGeom prst="rect">
-            <a:avLst/>
-          </a:prstGeom>
+          <a:noFill/>
+          <a:extLst>
+            <a:ext uri="{909E8E84-426E-40DD-AFC4-6F175D3DCCD1}">
+              <a14:hiddenFill xmlns:a14="http://schemas.microsoft.com/office/drawing/2010/main">
+                <a:solidFill>
+                  <a:srgbClr val="FFFFFF"/>
+                </a:solidFill>
+              </a14:hiddenFill>
+            </a:ext>
+          </a:extLst>
         </p:spPr>
       </p:pic>
     </p:spTree>
     <p:extLst>
       <p:ext uri="{BB962C8B-B14F-4D97-AF65-F5344CB8AC3E}">
-        <p14:creationId xmlns:p14="http://schemas.microsoft.com/office/powerpoint/2010/main" val="1154432991"/>
+        <p14:creationId xmlns:p14="http://schemas.microsoft.com/office/powerpoint/2010/main" val="809443666"/>
       </p:ext>
     </p:extLst>
   </p:cSld>
@@ -7099,8 +11355,13 @@
           <a:p>
             <a:r>
               <a:rPr lang="en-US" dirty="0"/>
-              <a:t>Libraries / Packages</a:t>
-            </a:r>
+              <a:t>Projects in </a:t>
+            </a:r>
+            <a:r>
+              <a:rPr lang="en-US" dirty="0" err="1"/>
+              <a:t>Rstudio</a:t>
+            </a:r>
+            <a:endParaRPr lang="en-US" dirty="0"/>
           </a:p>
         </p:txBody>
       </p:sp>
@@ -7116,70 +11377,18 @@
         </p:nvSpPr>
         <p:spPr/>
         <p:txBody>
-          <a:bodyPr>
-            <a:normAutofit lnSpcReduction="10000"/>
-          </a:bodyPr>
-          <a:lstStyle/>
-          <a:p>
-            <a:r>
-              <a:rPr lang="en-US" dirty="0"/>
-              <a:t>Library means the same thing as Package as far as we’re concerned</a:t>
-            </a:r>
-          </a:p>
-          <a:p>
-            <a:r>
-              <a:rPr lang="en-US" dirty="0"/>
-              <a:t>Packages contain pre-built functions that make certain tasks easier in R</a:t>
-            </a:r>
-          </a:p>
-          <a:p>
-            <a:r>
-              <a:rPr lang="en-US" dirty="0"/>
-              <a:t>Sometimes they make R faster</a:t>
-            </a:r>
-          </a:p>
-          <a:p>
-            <a:r>
-              <a:rPr lang="en-US" dirty="0"/>
-              <a:t>Packages are built by volunteers</a:t>
-            </a:r>
-          </a:p>
-          <a:p>
-            <a:r>
-              <a:rPr lang="en-US" dirty="0"/>
-              <a:t>Packages are FOSS</a:t>
-            </a:r>
-          </a:p>
-          <a:p>
-            <a:pPr lvl="1"/>
-            <a:r>
-              <a:rPr lang="en-US" dirty="0"/>
-              <a:t>Free as in beer</a:t>
-            </a:r>
-          </a:p>
-          <a:p>
-            <a:pPr lvl="1"/>
-            <a:r>
-              <a:rPr lang="en-US" dirty="0"/>
-              <a:t>Free as in speech</a:t>
-            </a:r>
-          </a:p>
-          <a:p>
-            <a:r>
-              <a:rPr lang="en-US" dirty="0" err="1"/>
-              <a:t>install.packages</a:t>
-            </a:r>
-            <a:r>
-              <a:rPr lang="en-US" dirty="0"/>
-              <a:t>(“</a:t>
-            </a:r>
-            <a:r>
-              <a:rPr lang="en-US" dirty="0" err="1"/>
-              <a:t>packagename</a:t>
-            </a:r>
-            <a:r>
-              <a:rPr lang="en-US" dirty="0"/>
-              <a:t>”)</a:t>
+          <a:bodyPr/>
+          <a:lstStyle/>
+          <a:p>
+            <a:r>
+              <a:rPr lang="en-US" dirty="0"/>
+              <a:t>Projects help you keep everything organized</a:t>
+            </a:r>
+          </a:p>
+          <a:p>
+            <a:r>
+              <a:rPr lang="en-US" dirty="0"/>
+              <a:t>Critical to achieving reproducible analysis</a:t>
             </a:r>
           </a:p>
           <a:p>
@@ -7189,49 +11398,34 @@
       </p:sp>
       <p:pic>
         <p:nvPicPr>
-          <p:cNvPr id="3074" name="Picture 2" descr="http://a3.typepad.com/6a017d41eeee1a970c01bb08ef2103970d-pi"/>
+          <p:cNvPr id="5" name="Content Placeholder 4"/>
           <p:cNvPicPr>
-            <a:picLocks noChangeAspect="1" noChangeArrowheads="1"/>
+            <a:picLocks noGrp="1" noChangeAspect="1"/>
           </p:cNvPicPr>
-          <p:nvPr/>
+          <p:nvPr>
+            <p:ph sz="half" idx="2"/>
+          </p:nvPr>
         </p:nvPicPr>
         <p:blipFill>
-          <a:blip r:embed="rId2">
-            <a:extLst>
-              <a:ext uri="{28A0092B-C50C-407E-A947-70E740481C1C}">
-                <a14:useLocalDpi xmlns:a14="http://schemas.microsoft.com/office/drawing/2010/main" val="0"/>
-              </a:ext>
-            </a:extLst>
-          </a:blip>
-          <a:srcRect/>
+          <a:blip r:embed="rId2"/>
           <a:stretch>
             <a:fillRect/>
           </a:stretch>
         </p:blipFill>
-        <p:spPr bwMode="auto">
-          <a:xfrm>
-            <a:off x="7014517" y="2315361"/>
-            <a:ext cx="3715938" cy="3715938"/>
+        <p:spPr>
+          <a:xfrm>
+            <a:off x="6258247" y="2363224"/>
+            <a:ext cx="5161905" cy="3685714"/>
           </a:xfrm>
           <a:prstGeom prst="rect">
             <a:avLst/>
           </a:prstGeom>
-          <a:noFill/>
-          <a:extLst>
-            <a:ext uri="{909E8E84-426E-40DD-AFC4-6F175D3DCCD1}">
-              <a14:hiddenFill xmlns:a14="http://schemas.microsoft.com/office/drawing/2010/main">
-                <a:solidFill>
-                  <a:srgbClr val="FFFFFF"/>
-                </a:solidFill>
-              </a14:hiddenFill>
-            </a:ext>
-          </a:extLst>
         </p:spPr>
       </p:pic>
     </p:spTree>
     <p:extLst>
       <p:ext uri="{BB962C8B-B14F-4D97-AF65-F5344CB8AC3E}">
-        <p14:creationId xmlns:p14="http://schemas.microsoft.com/office/powerpoint/2010/main" val="3504651886"/>
+        <p14:creationId xmlns:p14="http://schemas.microsoft.com/office/powerpoint/2010/main" val="3927777770"/>
       </p:ext>
     </p:extLst>
   </p:cSld>
@@ -7274,10 +11468,9 @@
           <a:lstStyle/>
           <a:p>
             <a:r>
-              <a:rPr lang="en-US" dirty="0" err="1"/>
-              <a:t>Hadleyverse</a:t>
-            </a:r>
-            <a:endParaRPr lang="en-US" dirty="0"/>
+              <a:rPr lang="en-US" dirty="0"/>
+              <a:t>Variables in R</a:t>
+            </a:r>
           </a:p>
         </p:txBody>
       </p:sp>
@@ -7298,79 +11491,71 @@
           <a:p>
             <a:r>
               <a:rPr lang="en-US" dirty="0"/>
-              <a:t>Hadley Wickham is a prolific package developer</a:t>
-            </a:r>
-          </a:p>
-          <a:p>
-            <a:r>
-              <a:rPr lang="en-US" dirty="0"/>
-              <a:t>Works for </a:t>
-            </a:r>
-            <a:r>
-              <a:rPr lang="en-US" dirty="0" err="1"/>
-              <a:t>RStudio</a:t>
-            </a:r>
-            <a:endParaRPr lang="en-US" dirty="0"/>
-          </a:p>
-          <a:p>
-            <a:r>
-              <a:rPr lang="en-US" dirty="0"/>
-              <a:t>His big focus is ease of data manipulation and visualization</a:t>
-            </a:r>
-          </a:p>
-          <a:p>
-            <a:r>
-              <a:rPr lang="en-US" dirty="0"/>
-              <a:t>His packages will be the focus of the workshop</a:t>
+              <a:t>Must begin with a letter</a:t>
+            </a:r>
+          </a:p>
+          <a:p>
+            <a:r>
+              <a:rPr lang="en-US" dirty="0"/>
+              <a:t>May contain numbers, ‘_’ and ‘.’</a:t>
+            </a:r>
+          </a:p>
+          <a:p>
+            <a:r>
+              <a:rPr lang="en-US" dirty="0"/>
+              <a:t>Case sensitive</a:t>
+            </a:r>
+          </a:p>
+          <a:p>
+            <a:r>
+              <a:rPr lang="en-US" dirty="0"/>
+              <a:t>Use &lt;- or = to assign names to values</a:t>
+            </a:r>
+          </a:p>
+          <a:p>
+            <a:r>
+              <a:rPr lang="en-US" dirty="0"/>
+              <a:t>Variables do not have a type</a:t>
+            </a:r>
+          </a:p>
+          <a:p>
+            <a:r>
+              <a:rPr lang="en-US" dirty="0"/>
+              <a:t>Functions and variables can have the same name – R will intuit which one you want based on how you use it</a:t>
             </a:r>
           </a:p>
         </p:txBody>
       </p:sp>
       <p:pic>
         <p:nvPicPr>
-          <p:cNvPr id="4098" name="Picture 2" descr="Image result for hadleyverse"/>
+          <p:cNvPr id="6" name="Content Placeholder 5"/>
           <p:cNvPicPr>
-            <a:picLocks noGrp="1" noChangeAspect="1" noChangeArrowheads="1"/>
+            <a:picLocks noGrp="1" noChangeAspect="1"/>
           </p:cNvPicPr>
           <p:nvPr>
             <p:ph sz="half" idx="2"/>
           </p:nvPr>
         </p:nvPicPr>
-        <p:blipFill rotWithShape="1">
-          <a:blip r:embed="rId2">
-            <a:extLst>
-              <a:ext uri="{28A0092B-C50C-407E-A947-70E740481C1C}">
-                <a14:useLocalDpi xmlns:a14="http://schemas.microsoft.com/office/drawing/2010/main" val="0"/>
-              </a:ext>
-            </a:extLst>
-          </a:blip>
-          <a:srcRect l="39515" t="6220" r="23054" b="26900"/>
-          <a:stretch/>
+        <p:blipFill>
+          <a:blip r:embed="rId2"/>
+          <a:stretch>
+            <a:fillRect/>
+          </a:stretch>
         </p:blipFill>
-        <p:spPr bwMode="auto">
-          <a:xfrm>
-            <a:off x="7281644" y="2237881"/>
-            <a:ext cx="3917659" cy="3937479"/>
+        <p:spPr>
+          <a:xfrm>
+            <a:off x="7668393" y="2271264"/>
+            <a:ext cx="2660550" cy="3638868"/>
           </a:xfrm>
           <a:prstGeom prst="rect">
             <a:avLst/>
           </a:prstGeom>
-          <a:noFill/>
-          <a:extLst>
-            <a:ext uri="{909E8E84-426E-40DD-AFC4-6F175D3DCCD1}">
-              <a14:hiddenFill xmlns:a14="http://schemas.microsoft.com/office/drawing/2010/main">
-                <a:solidFill>
-                  <a:srgbClr val="FFFFFF"/>
-                </a:solidFill>
-              </a14:hiddenFill>
-            </a:ext>
-          </a:extLst>
         </p:spPr>
       </p:pic>
     </p:spTree>
     <p:extLst>
       <p:ext uri="{BB962C8B-B14F-4D97-AF65-F5344CB8AC3E}">
-        <p14:creationId xmlns:p14="http://schemas.microsoft.com/office/powerpoint/2010/main" val="342118335"/>
+        <p14:creationId xmlns:p14="http://schemas.microsoft.com/office/powerpoint/2010/main" val="370233415"/>
       </p:ext>
     </p:extLst>
   </p:cSld>

--- a/Reproducible data analysis.pptx
+++ b/Reproducible data analysis.pptx
@@ -320,7 +320,7 @@
           <a:p>
             <a:fld id="{48A87A34-81AB-432B-8DAE-1953F412C126}" type="datetimeFigureOut">
               <a:rPr lang="en-US" dirty="0"/>
-              <a:t>10/9/16</a:t>
+              <a:t>10/11/16</a:t>
             </a:fld>
             <a:endParaRPr lang="en-US" dirty="0"/>
           </a:p>
@@ -582,7 +582,7 @@
           <a:p>
             <a:fld id="{48A87A34-81AB-432B-8DAE-1953F412C126}" type="datetimeFigureOut">
               <a:rPr lang="en-US" dirty="0"/>
-              <a:t>10/9/16</a:t>
+              <a:t>10/11/16</a:t>
             </a:fld>
             <a:endParaRPr lang="en-US" dirty="0"/>
           </a:p>
@@ -809,7 +809,7 @@
             <a:fld id="{48A87A34-81AB-432B-8DAE-1953F412C126}" type="datetimeFigureOut">
               <a:rPr lang="en-US" dirty="0"/>
               <a:pPr/>
-              <a:t>10/9/16</a:t>
+              <a:t>10/11/16</a:t>
             </a:fld>
             <a:endParaRPr lang="en-US" dirty="0"/>
           </a:p>
@@ -1115,7 +1115,7 @@
             <a:fld id="{48A87A34-81AB-432B-8DAE-1953F412C126}" type="datetimeFigureOut">
               <a:rPr lang="en-US" dirty="0"/>
               <a:pPr/>
-              <a:t>10/9/16</a:t>
+              <a:t>10/11/16</a:t>
             </a:fld>
             <a:endParaRPr lang="en-US" dirty="0"/>
           </a:p>
@@ -1584,7 +1584,7 @@
             <a:fld id="{48A87A34-81AB-432B-8DAE-1953F412C126}" type="datetimeFigureOut">
               <a:rPr lang="en-US" dirty="0"/>
               <a:pPr/>
-              <a:t>10/9/16</a:t>
+              <a:t>10/11/16</a:t>
             </a:fld>
             <a:endParaRPr lang="en-US" dirty="0"/>
           </a:p>
@@ -2126,7 +2126,7 @@
           <a:p>
             <a:fld id="{48A87A34-81AB-432B-8DAE-1953F412C126}" type="datetimeFigureOut">
               <a:rPr lang="en-US" dirty="0"/>
-              <a:t>10/9/16</a:t>
+              <a:t>10/11/16</a:t>
             </a:fld>
             <a:endParaRPr lang="en-US" dirty="0"/>
           </a:p>
@@ -2895,7 +2895,7 @@
           <a:p>
             <a:fld id="{48A87A34-81AB-432B-8DAE-1953F412C126}" type="datetimeFigureOut">
               <a:rPr lang="en-US" dirty="0"/>
-              <a:t>10/9/16</a:t>
+              <a:t>10/11/16</a:t>
             </a:fld>
             <a:endParaRPr lang="en-US" dirty="0"/>
           </a:p>
@@ -3065,7 +3065,7 @@
           <a:p>
             <a:fld id="{48A87A34-81AB-432B-8DAE-1953F412C126}" type="datetimeFigureOut">
               <a:rPr lang="en-US" dirty="0"/>
-              <a:t>10/9/16</a:t>
+              <a:t>10/11/16</a:t>
             </a:fld>
             <a:endParaRPr lang="en-US" dirty="0"/>
           </a:p>
@@ -3284,7 +3284,7 @@
             <a:fld id="{48A87A34-81AB-432B-8DAE-1953F412C126}" type="datetimeFigureOut">
               <a:rPr lang="en-US" dirty="0"/>
               <a:pPr/>
-              <a:t>10/9/16</a:t>
+              <a:t>10/11/16</a:t>
             </a:fld>
             <a:endParaRPr lang="en-US" dirty="0"/>
           </a:p>
@@ -3459,7 +3459,7 @@
           <a:p>
             <a:fld id="{48A87A34-81AB-432B-8DAE-1953F412C126}" type="datetimeFigureOut">
               <a:rPr lang="en-US" dirty="0"/>
-              <a:t>10/9/16</a:t>
+              <a:t>10/11/16</a:t>
             </a:fld>
             <a:endParaRPr lang="en-US" dirty="0"/>
           </a:p>
@@ -3744,7 +3744,7 @@
             <a:fld id="{48A87A34-81AB-432B-8DAE-1953F412C126}" type="datetimeFigureOut">
               <a:rPr lang="en-US" dirty="0"/>
               <a:pPr/>
-              <a:t>10/9/16</a:t>
+              <a:t>10/11/16</a:t>
             </a:fld>
             <a:endParaRPr lang="en-US" dirty="0"/>
           </a:p>
@@ -3981,7 +3981,7 @@
           <a:p>
             <a:fld id="{48A87A34-81AB-432B-8DAE-1953F412C126}" type="datetimeFigureOut">
               <a:rPr lang="en-US" dirty="0"/>
-              <a:t>10/9/16</a:t>
+              <a:t>10/11/16</a:t>
             </a:fld>
             <a:endParaRPr lang="en-US" dirty="0"/>
           </a:p>
@@ -4355,7 +4355,7 @@
           <a:p>
             <a:fld id="{48A87A34-81AB-432B-8DAE-1953F412C126}" type="datetimeFigureOut">
               <a:rPr lang="en-US" dirty="0"/>
-              <a:t>10/9/16</a:t>
+              <a:t>10/11/16</a:t>
             </a:fld>
             <a:endParaRPr lang="en-US" dirty="0"/>
           </a:p>
@@ -4468,7 +4468,7 @@
           <a:p>
             <a:fld id="{48A87A34-81AB-432B-8DAE-1953F412C126}" type="datetimeFigureOut">
               <a:rPr lang="en-US" dirty="0"/>
-              <a:t>10/9/16</a:t>
+              <a:t>10/11/16</a:t>
             </a:fld>
             <a:endParaRPr lang="en-US" dirty="0"/>
           </a:p>
@@ -4558,7 +4558,7 @@
           <a:p>
             <a:fld id="{48A87A34-81AB-432B-8DAE-1953F412C126}" type="datetimeFigureOut">
               <a:rPr lang="en-US" dirty="0"/>
-              <a:t>10/9/16</a:t>
+              <a:t>10/11/16</a:t>
             </a:fld>
             <a:endParaRPr lang="en-US" dirty="0"/>
           </a:p>
@@ -4802,7 +4802,7 @@
           <a:p>
             <a:fld id="{48A87A34-81AB-432B-8DAE-1953F412C126}" type="datetimeFigureOut">
               <a:rPr lang="en-US" dirty="0"/>
-              <a:t>10/9/16</a:t>
+              <a:t>10/11/16</a:t>
             </a:fld>
             <a:endParaRPr lang="en-US" dirty="0"/>
           </a:p>
@@ -5054,7 +5054,7 @@
           <a:p>
             <a:fld id="{48A87A34-81AB-432B-8DAE-1953F412C126}" type="datetimeFigureOut">
               <a:rPr lang="en-US" dirty="0"/>
-              <a:t>10/9/16</a:t>
+              <a:t>10/11/16</a:t>
             </a:fld>
             <a:endParaRPr lang="en-US" dirty="0"/>
           </a:p>
@@ -5293,7 +5293,7 @@
             <a:fld id="{48A87A34-81AB-432B-8DAE-1953F412C126}" type="datetimeFigureOut">
               <a:rPr lang="en-US" dirty="0"/>
               <a:pPr/>
-              <a:t>10/9/16</a:t>
+              <a:t>10/11/16</a:t>
             </a:fld>
             <a:endParaRPr lang="en-US" dirty="0"/>
           </a:p>
@@ -5754,6 +5754,13 @@
   <p:clrMapOvr>
     <a:masterClrMapping/>
   </p:clrMapOvr>
+  <p:timing>
+    <p:tnLst>
+      <p:par>
+        <p:cTn id="1" dur="indefinite" restart="never" nodeType="tmRoot"/>
+      </p:par>
+    </p:tnLst>
+  </p:timing>
 </p:sld>
 </file>
 
@@ -7044,11 +7051,6 @@
               </a:rPr>
               <a:t>), head)</a:t>
             </a:r>
-            <a:endParaRPr lang="en-US" dirty="0">
-              <a:latin typeface="Lucida Console" charset="0"/>
-              <a:ea typeface="Lucida Console" charset="0"/>
-              <a:cs typeface="Lucida Console" charset="0"/>
-            </a:endParaRPr>
           </a:p>
         </p:txBody>
       </p:sp>
@@ -7600,6 +7602,13 @@
   <p:clrMapOvr>
     <a:masterClrMapping/>
   </p:clrMapOvr>
+  <p:timing>
+    <p:tnLst>
+      <p:par>
+        <p:cTn id="1" dur="indefinite" restart="never" nodeType="tmRoot"/>
+      </p:par>
+    </p:tnLst>
+  </p:timing>
 </p:sld>
 </file>
 
@@ -9587,6 +9596,13 @@
   <p:clrMapOvr>
     <a:masterClrMapping/>
   </p:clrMapOvr>
+  <p:timing>
+    <p:tnLst>
+      <p:par>
+        <p:cTn id="1" dur="indefinite" restart="never" nodeType="tmRoot"/>
+      </p:par>
+    </p:tnLst>
+  </p:timing>
 </p:sld>
 </file>
 
@@ -10641,7 +10657,9 @@
         </p:nvSpPr>
         <p:spPr/>
         <p:txBody>
-          <a:bodyPr/>
+          <a:bodyPr>
+            <a:normAutofit fontScale="92500" lnSpcReduction="10000"/>
+          </a:bodyPr>
           <a:lstStyle/>
           <a:p>
             <a:r>
@@ -10766,25 +10784,19 @@
               <a:rPr lang="en-US" dirty="0">
                 <a:hlinkClick r:id="rId6"/>
               </a:rPr>
-              <a:t>https://www.rstudio.com</a:t>
-            </a:r>
-            <a:r>
-              <a:rPr lang="en-US">
-                <a:hlinkClick r:id="rId6"/>
-              </a:rPr>
-              <a:t>/resources/webinars/reproducible-reporting</a:t>
-            </a:r>
-            <a:r>
-              <a:rPr lang="en-US" smtClean="0">
+              <a:t>https://www.rstudio.com/resources/webinars/reproducible-reporting</a:t>
+            </a:r>
+            <a:r>
+              <a:rPr lang="en-US" dirty="0" smtClean="0">
                 <a:hlinkClick r:id="rId6"/>
               </a:rPr>
               <a:t>/</a:t>
             </a:r>
             <a:r>
-              <a:rPr lang="en-US" smtClean="0"/>
+              <a:rPr lang="en-US" dirty="0" smtClean="0"/>
               <a:t> </a:t>
             </a:r>
-            <a:endParaRPr lang="en-US"/>
+            <a:endParaRPr lang="en-US" dirty="0"/>
           </a:p>
           <a:p>
             <a:r>
@@ -10819,6 +10831,26 @@
                 <a:hlinkClick r:id="rId7"/>
               </a:rPr>
               <a:t>github.com/bmewing/TCQF2016</a:t>
+            </a:r>
+            <a:endParaRPr lang="en-US" dirty="0" smtClean="0"/>
+          </a:p>
+          <a:p>
+            <a:r>
+              <a:rPr lang="en-US" dirty="0" smtClean="0"/>
+              <a:t>Learn R</a:t>
+            </a:r>
+          </a:p>
+          <a:p>
+            <a:pPr lvl="1"/>
+            <a:r>
+              <a:rPr lang="en-US" dirty="0" smtClean="0">
+                <a:hlinkClick r:id="rId8"/>
+              </a:rPr>
+              <a:t>http://www.datacamp.com</a:t>
+            </a:r>
+            <a:r>
+              <a:rPr lang="en-US" dirty="0" smtClean="0"/>
+              <a:t> </a:t>
             </a:r>
             <a:endParaRPr lang="en-US" dirty="0"/>
           </a:p>
@@ -10945,6 +10977,13 @@
   <p:clrMapOvr>
     <a:masterClrMapping/>
   </p:clrMapOvr>
+  <p:timing>
+    <p:tnLst>
+      <p:par>
+        <p:cTn id="1" dur="indefinite" restart="never" nodeType="tmRoot"/>
+      </p:par>
+    </p:tnLst>
+  </p:timing>
 </p:sld>
 </file>
 
@@ -11016,6 +11055,13 @@
   <p:clrMapOvr>
     <a:masterClrMapping/>
   </p:clrMapOvr>
+  <p:timing>
+    <p:tnLst>
+      <p:par>
+        <p:cTn id="1" dur="indefinite" restart="never" nodeType="tmRoot"/>
+      </p:par>
+    </p:tnLst>
+  </p:timing>
 </p:sld>
 </file>
 
@@ -11159,6 +11205,13 @@
   <p:clrMapOvr>
     <a:masterClrMapping/>
   </p:clrMapOvr>
+  <p:timing>
+    <p:tnLst>
+      <p:par>
+        <p:cTn id="1" dur="indefinite" restart="never" nodeType="tmRoot"/>
+      </p:par>
+    </p:tnLst>
+  </p:timing>
 </p:sld>
 </file>
 
@@ -11318,6 +11371,13 @@
   <p:clrMapOvr>
     <a:masterClrMapping/>
   </p:clrMapOvr>
+  <p:timing>
+    <p:tnLst>
+      <p:par>
+        <p:cTn id="1" dur="indefinite" restart="never" nodeType="tmRoot"/>
+      </p:par>
+    </p:tnLst>
+  </p:timing>
 </p:sld>
 </file>
 
@@ -11432,6 +11492,13 @@
   <p:clrMapOvr>
     <a:masterClrMapping/>
   </p:clrMapOvr>
+  <p:timing>
+    <p:tnLst>
+      <p:par>
+        <p:cTn id="1" dur="indefinite" restart="never" nodeType="tmRoot"/>
+      </p:par>
+    </p:tnLst>
+  </p:timing>
 </p:sld>
 </file>
 
@@ -11484,7 +11551,12 @@
             <p:ph sz="half" idx="1"/>
           </p:nvPr>
         </p:nvSpPr>
-        <p:spPr/>
+        <p:spPr>
+          <a:xfrm>
+            <a:off x="693683" y="2194559"/>
+            <a:ext cx="5334000" cy="4024125"/>
+          </a:xfrm>
+        </p:spPr>
         <p:txBody>
           <a:bodyPr/>
           <a:lstStyle/>
@@ -11562,6 +11634,13 @@
   <p:clrMapOvr>
     <a:masterClrMapping/>
   </p:clrMapOvr>
+  <p:timing>
+    <p:tnLst>
+      <p:par>
+        <p:cTn id="1" dur="indefinite" restart="never" nodeType="tmRoot"/>
+      </p:par>
+    </p:tnLst>
+  </p:timing>
 </p:sld>
 </file>
 
